--- a/Project_Presentation.pptx
+++ b/Project_Presentation.pptx
@@ -1,63 +1,63 @@
 
 <file path=ppt/presentation.xml><?xml version="1.0" encoding="utf-8"?>
-<p:presentation xmlns:a="http://schemas.openxmlformats.org/drawingml/2006/main" xmlns:r="http://schemas.openxmlformats.org/officeDocument/2006/relationships" xmlns:mc="http://schemas.openxmlformats.org/markup-compatibility/2006" xmlns:mv="urn:schemas-microsoft-com:mac:vml" xmlns:p="http://schemas.openxmlformats.org/presentationml/2006/main" xmlns:c="http://schemas.openxmlformats.org/drawingml/2006/chart" xmlns:dgm="http://schemas.openxmlformats.org/drawingml/2006/diagram" xmlns:o="urn:schemas-microsoft-com:office:office" xmlns:v="urn:schemas-microsoft-com:vml" xmlns:pvml="urn:schemas-microsoft-com:office:powerpoint" xmlns:com="http://schemas.openxmlformats.org/drawingml/2006/compatibility" xmlns:p14="http://schemas.microsoft.com/office/powerpoint/2010/main" xmlns:p15="http://schemas.microsoft.com/office/powerpoint/2012/main" xmlns:ahyp="http://schemas.microsoft.com/office/drawing/2018/hyperlinkcolor" autoCompressPictures="0" embedTrueTypeFonts="1" strictFirstAndLastChars="0" saveSubsetFonts="1">
+<p:presentation xmlns:a="http://schemas.openxmlformats.org/drawingml/2006/main" xmlns:r="http://schemas.openxmlformats.org/officeDocument/2006/relationships" xmlns:p="http://schemas.openxmlformats.org/presentationml/2006/main" strictFirstAndLastChars="0" embedTrueTypeFonts="1" saveSubsetFonts="1" autoCompressPictures="0">
   <p:sldMasterIdLst>
-    <p:sldMasterId id="2147483659" r:id="rId4"/>
+    <p:sldMasterId id="2147483659" r:id="rId1"/>
   </p:sldMasterIdLst>
   <p:notesMasterIdLst>
-    <p:notesMasterId r:id="rId5"/>
+    <p:notesMasterId r:id="rId10"/>
   </p:notesMasterIdLst>
   <p:sldIdLst>
-    <p:sldId id="256" r:id="rId6"/>
-    <p:sldId id="257" r:id="rId7"/>
-    <p:sldId id="258" r:id="rId8"/>
-    <p:sldId id="259" r:id="rId9"/>
-    <p:sldId id="260" r:id="rId10"/>
-    <p:sldId id="261" r:id="rId11"/>
-    <p:sldId id="262" r:id="rId12"/>
-    <p:sldId id="263" r:id="rId13"/>
+    <p:sldId id="256" r:id="rId2"/>
+    <p:sldId id="257" r:id="rId3"/>
+    <p:sldId id="258" r:id="rId4"/>
+    <p:sldId id="259" r:id="rId5"/>
+    <p:sldId id="260" r:id="rId6"/>
+    <p:sldId id="261" r:id="rId7"/>
+    <p:sldId id="262" r:id="rId8"/>
+    <p:sldId id="263" r:id="rId9"/>
   </p:sldIdLst>
-  <p:sldSz cy="5143500" cx="9144000"/>
+  <p:sldSz cx="9144000" cy="5143500" type="screen16x9"/>
   <p:notesSz cx="6858000" cy="9144000"/>
   <p:embeddedFontLst>
     <p:embeddedFont>
-      <p:font typeface="Roboto Thin"/>
-      <p:regular r:id="rId14"/>
-      <p:bold r:id="rId15"/>
-      <p:italic r:id="rId16"/>
-      <p:boldItalic r:id="rId17"/>
+      <p:font typeface="Merriweather" panose="020F0502020204030204" pitchFamily="2" charset="0"/>
+      <p:regular r:id="rId11"/>
+      <p:bold r:id="rId12"/>
+      <p:italic r:id="rId13"/>
+      <p:boldItalic r:id="rId14"/>
     </p:embeddedFont>
     <p:embeddedFont>
-      <p:font typeface="Roboto"/>
-      <p:regular r:id="rId18"/>
-      <p:bold r:id="rId19"/>
-      <p:italic r:id="rId20"/>
-      <p:boldItalic r:id="rId21"/>
+      <p:font typeface="Roboto" panose="02000000000000000000" pitchFamily="2" charset="0"/>
+      <p:regular r:id="rId15"/>
+      <p:bold r:id="rId16"/>
+      <p:italic r:id="rId17"/>
+      <p:boldItalic r:id="rId18"/>
     </p:embeddedFont>
     <p:embeddedFont>
-      <p:font typeface="Roboto Medium"/>
-      <p:regular r:id="rId22"/>
-      <p:bold r:id="rId23"/>
-      <p:italic r:id="rId24"/>
-      <p:boldItalic r:id="rId25"/>
+      <p:font typeface="Roboto Light" panose="02000000000000000000" pitchFamily="2" charset="0"/>
+      <p:regular r:id="rId19"/>
+      <p:bold r:id="rId20"/>
+      <p:italic r:id="rId21"/>
+      <p:boldItalic r:id="rId22"/>
     </p:embeddedFont>
     <p:embeddedFont>
-      <p:font typeface="Roboto Light"/>
-      <p:regular r:id="rId26"/>
-      <p:bold r:id="rId27"/>
-      <p:italic r:id="rId28"/>
-      <p:boldItalic r:id="rId29"/>
+      <p:font typeface="Roboto Medium" panose="02000000000000000000" pitchFamily="2" charset="0"/>
+      <p:regular r:id="rId23"/>
+      <p:bold r:id="rId24"/>
+      <p:italic r:id="rId25"/>
+      <p:boldItalic r:id="rId26"/>
     </p:embeddedFont>
     <p:embeddedFont>
-      <p:font typeface="Merriweather"/>
-      <p:regular r:id="rId30"/>
-      <p:bold r:id="rId31"/>
-      <p:italic r:id="rId32"/>
-      <p:boldItalic r:id="rId33"/>
+      <p:font typeface="Roboto Thin" panose="02000000000000000000" pitchFamily="2" charset="0"/>
+      <p:regular r:id="rId27"/>
+      <p:bold r:id="rId28"/>
+      <p:italic r:id="rId29"/>
+      <p:boldItalic r:id="rId30"/>
     </p:embeddedFont>
   </p:embeddedFontLst>
   <p:defaultTextStyle>
-    <a:defPPr lvl="0" marR="0" rtl="0" algn="l">
+    <a:defPPr marR="0" lvl="0" algn="l" rtl="0">
       <a:lnSpc>
         <a:spcPct val="100000"/>
       </a:lnSpc>
@@ -68,7 +68,7 @@
         <a:spcPts val="0"/>
       </a:spcAft>
     </a:defPPr>
-    <a:lvl1pPr lvl="0" marR="0" rtl="0" algn="l">
+    <a:lvl1pPr marR="0" lvl="0" algn="l" rtl="0">
       <a:lnSpc>
         <a:spcPct val="100000"/>
       </a:lnSpc>
@@ -82,7 +82,7 @@
         <a:srgbClr val="000000"/>
       </a:buClr>
       <a:buFont typeface="Arial"/>
-      <a:defRPr b="0" i="0" sz="1400" u="none" cap="none" strike="noStrike">
+      <a:defRPr sz="1400" b="0" i="0" u="none" strike="noStrike" cap="none">
         <a:solidFill>
           <a:srgbClr val="000000"/>
         </a:solidFill>
@@ -92,7 +92,7 @@
         <a:sym typeface="Arial"/>
       </a:defRPr>
     </a:lvl1pPr>
-    <a:lvl2pPr lvl="1" marR="0" rtl="0" algn="l">
+    <a:lvl2pPr marR="0" lvl="1" algn="l" rtl="0">
       <a:lnSpc>
         <a:spcPct val="100000"/>
       </a:lnSpc>
@@ -106,7 +106,7 @@
         <a:srgbClr val="000000"/>
       </a:buClr>
       <a:buFont typeface="Arial"/>
-      <a:defRPr b="0" i="0" sz="1400" u="none" cap="none" strike="noStrike">
+      <a:defRPr sz="1400" b="0" i="0" u="none" strike="noStrike" cap="none">
         <a:solidFill>
           <a:srgbClr val="000000"/>
         </a:solidFill>
@@ -116,7 +116,7 @@
         <a:sym typeface="Arial"/>
       </a:defRPr>
     </a:lvl2pPr>
-    <a:lvl3pPr lvl="2" marR="0" rtl="0" algn="l">
+    <a:lvl3pPr marR="0" lvl="2" algn="l" rtl="0">
       <a:lnSpc>
         <a:spcPct val="100000"/>
       </a:lnSpc>
@@ -130,7 +130,7 @@
         <a:srgbClr val="000000"/>
       </a:buClr>
       <a:buFont typeface="Arial"/>
-      <a:defRPr b="0" i="0" sz="1400" u="none" cap="none" strike="noStrike">
+      <a:defRPr sz="1400" b="0" i="0" u="none" strike="noStrike" cap="none">
         <a:solidFill>
           <a:srgbClr val="000000"/>
         </a:solidFill>
@@ -140,7 +140,7 @@
         <a:sym typeface="Arial"/>
       </a:defRPr>
     </a:lvl3pPr>
-    <a:lvl4pPr lvl="3" marR="0" rtl="0" algn="l">
+    <a:lvl4pPr marR="0" lvl="3" algn="l" rtl="0">
       <a:lnSpc>
         <a:spcPct val="100000"/>
       </a:lnSpc>
@@ -154,7 +154,7 @@
         <a:srgbClr val="000000"/>
       </a:buClr>
       <a:buFont typeface="Arial"/>
-      <a:defRPr b="0" i="0" sz="1400" u="none" cap="none" strike="noStrike">
+      <a:defRPr sz="1400" b="0" i="0" u="none" strike="noStrike" cap="none">
         <a:solidFill>
           <a:srgbClr val="000000"/>
         </a:solidFill>
@@ -164,7 +164,7 @@
         <a:sym typeface="Arial"/>
       </a:defRPr>
     </a:lvl4pPr>
-    <a:lvl5pPr lvl="4" marR="0" rtl="0" algn="l">
+    <a:lvl5pPr marR="0" lvl="4" algn="l" rtl="0">
       <a:lnSpc>
         <a:spcPct val="100000"/>
       </a:lnSpc>
@@ -178,7 +178,7 @@
         <a:srgbClr val="000000"/>
       </a:buClr>
       <a:buFont typeface="Arial"/>
-      <a:defRPr b="0" i="0" sz="1400" u="none" cap="none" strike="noStrike">
+      <a:defRPr sz="1400" b="0" i="0" u="none" strike="noStrike" cap="none">
         <a:solidFill>
           <a:srgbClr val="000000"/>
         </a:solidFill>
@@ -188,7 +188,7 @@
         <a:sym typeface="Arial"/>
       </a:defRPr>
     </a:lvl5pPr>
-    <a:lvl6pPr lvl="5" marR="0" rtl="0" algn="l">
+    <a:lvl6pPr marR="0" lvl="5" algn="l" rtl="0">
       <a:lnSpc>
         <a:spcPct val="100000"/>
       </a:lnSpc>
@@ -202,7 +202,7 @@
         <a:srgbClr val="000000"/>
       </a:buClr>
       <a:buFont typeface="Arial"/>
-      <a:defRPr b="0" i="0" sz="1400" u="none" cap="none" strike="noStrike">
+      <a:defRPr sz="1400" b="0" i="0" u="none" strike="noStrike" cap="none">
         <a:solidFill>
           <a:srgbClr val="000000"/>
         </a:solidFill>
@@ -212,7 +212,7 @@
         <a:sym typeface="Arial"/>
       </a:defRPr>
     </a:lvl6pPr>
-    <a:lvl7pPr lvl="6" marR="0" rtl="0" algn="l">
+    <a:lvl7pPr marR="0" lvl="6" algn="l" rtl="0">
       <a:lnSpc>
         <a:spcPct val="100000"/>
       </a:lnSpc>
@@ -226,7 +226,7 @@
         <a:srgbClr val="000000"/>
       </a:buClr>
       <a:buFont typeface="Arial"/>
-      <a:defRPr b="0" i="0" sz="1400" u="none" cap="none" strike="noStrike">
+      <a:defRPr sz="1400" b="0" i="0" u="none" strike="noStrike" cap="none">
         <a:solidFill>
           <a:srgbClr val="000000"/>
         </a:solidFill>
@@ -236,7 +236,7 @@
         <a:sym typeface="Arial"/>
       </a:defRPr>
     </a:lvl7pPr>
-    <a:lvl8pPr lvl="7" marR="0" rtl="0" algn="l">
+    <a:lvl8pPr marR="0" lvl="7" algn="l" rtl="0">
       <a:lnSpc>
         <a:spcPct val="100000"/>
       </a:lnSpc>
@@ -250,7 +250,7 @@
         <a:srgbClr val="000000"/>
       </a:buClr>
       <a:buFont typeface="Arial"/>
-      <a:defRPr b="0" i="0" sz="1400" u="none" cap="none" strike="noStrike">
+      <a:defRPr sz="1400" b="0" i="0" u="none" strike="noStrike" cap="none">
         <a:solidFill>
           <a:srgbClr val="000000"/>
         </a:solidFill>
@@ -260,7 +260,7 @@
         <a:sym typeface="Arial"/>
       </a:defRPr>
     </a:lvl8pPr>
-    <a:lvl9pPr lvl="8" marR="0" rtl="0" algn="l">
+    <a:lvl9pPr marR="0" lvl="8" algn="l" rtl="0">
       <a:lnSpc>
         <a:spcPct val="100000"/>
       </a:lnSpc>
@@ -274,7 +274,7 @@
         <a:srgbClr val="000000"/>
       </a:buClr>
       <a:buFont typeface="Arial"/>
-      <a:defRPr b="0" i="0" sz="1400" u="none" cap="none" strike="noStrike">
+      <a:defRPr sz="1400" b="0" i="0" u="none" strike="noStrike" cap="none">
         <a:solidFill>
           <a:srgbClr val="000000"/>
         </a:solidFill>
@@ -287,7 +287,7 @@
   </p:defaultTextStyle>
   <p:extLst>
     <p:ext uri="{EFAFB233-063F-42B5-8137-9DF3F51BA10A}">
-      <p15:sldGuideLst>
+      <p15:sldGuideLst xmlns:p15="http://schemas.microsoft.com/office/powerpoint/2012/main">
         <p15:guide id="1" orient="horz" pos="1620">
           <p15:clr>
             <a:srgbClr val="747775"/>
@@ -305,11 +305,16 @@
 </file>
 
 <file path=ppt/notesMasters/notesMaster1.xml><?xml version="1.0" encoding="utf-8"?>
-<p:notesMaster xmlns:a="http://schemas.openxmlformats.org/drawingml/2006/main" xmlns:r="http://schemas.openxmlformats.org/officeDocument/2006/relationships" xmlns:mc="http://schemas.openxmlformats.org/markup-compatibility/2006" xmlns:mv="urn:schemas-microsoft-com:mac:vml" xmlns:p="http://schemas.openxmlformats.org/presentationml/2006/main" xmlns:c="http://schemas.openxmlformats.org/drawingml/2006/chart" xmlns:dgm="http://schemas.openxmlformats.org/drawingml/2006/diagram" xmlns:o="urn:schemas-microsoft-com:office:office" xmlns:v="urn:schemas-microsoft-com:vml" xmlns:pvml="urn:schemas-microsoft-com:office:powerpoint" xmlns:com="http://schemas.openxmlformats.org/drawingml/2006/compatibility" xmlns:p14="http://schemas.microsoft.com/office/powerpoint/2010/main" xmlns:p15="http://schemas.microsoft.com/office/powerpoint/2012/main" xmlns:ahyp="http://schemas.microsoft.com/office/drawing/2018/hyperlinkcolor">
+<p:notesMaster xmlns:a="http://schemas.openxmlformats.org/drawingml/2006/main" xmlns:r="http://schemas.openxmlformats.org/officeDocument/2006/relationships" xmlns:p="http://schemas.openxmlformats.org/presentationml/2006/main">
   <p:cSld>
+    <p:bg>
+      <p:bgRef idx="1001">
+        <a:schemeClr val="bg1"/>
+      </p:bgRef>
+    </p:bg>
     <p:spTree>
       <p:nvGrpSpPr>
-        <p:cNvPr id="2" name="Shape 2"/>
+        <p:cNvPr id="1" name="Shape 2"/>
         <p:cNvGrpSpPr/>
         <p:nvPr/>
       </p:nvGrpSpPr>
@@ -324,9 +329,11 @@
       <p:sp>
         <p:nvSpPr>
           <p:cNvPr id="3" name="Google Shape;3;n"/>
-          <p:cNvSpPr/>
+          <p:cNvSpPr>
+            <a:spLocks noGrp="1" noRot="1" noChangeAspect="1"/>
+          </p:cNvSpPr>
           <p:nvPr>
-            <p:ph idx="2" type="sldImg"/>
+            <p:ph type="sldImg" idx="2"/>
           </p:nvPr>
         </p:nvSpPr>
         <p:spPr>
@@ -335,9 +342,13 @@
             <a:ext cx="6096075" cy="3429000"/>
           </a:xfrm>
           <a:custGeom>
-            <a:rect b="b" l="l" r="r" t="t"/>
+            <a:avLst/>
+            <a:gdLst/>
+            <a:ahLst/>
+            <a:cxnLst/>
+            <a:rect l="l" t="t" r="r" b="b"/>
             <a:pathLst>
-              <a:path extrusionOk="0" h="120000" w="120000">
+              <a:path w="120000" h="120000" extrusionOk="0">
                 <a:moveTo>
                   <a:pt x="0" y="0"/>
                 </a:moveTo>
@@ -355,23 +366,25 @@
             </a:pathLst>
           </a:custGeom>
           <a:noFill/>
-          <a:ln cap="flat" cmpd="sng" w="9525">
+          <a:ln w="9525" cap="flat" cmpd="sng">
             <a:solidFill>
               <a:srgbClr val="000000"/>
             </a:solidFill>
             <a:prstDash val="solid"/>
             <a:round/>
-            <a:headEnd len="sm" w="sm" type="none"/>
-            <a:tailEnd len="sm" w="sm" type="none"/>
+            <a:headEnd type="none" w="sm" len="sm"/>
+            <a:tailEnd type="none" w="sm" len="sm"/>
           </a:ln>
         </p:spPr>
       </p:sp>
       <p:sp>
         <p:nvSpPr>
           <p:cNvPr id="4" name="Google Shape;4;n"/>
-          <p:cNvSpPr txBox="1"/>
+          <p:cNvSpPr txBox="1">
+            <a:spLocks noGrp="1"/>
+          </p:cNvSpPr>
           <p:nvPr>
-            <p:ph idx="1" type="body"/>
+            <p:ph type="body" idx="1"/>
           </p:nvPr>
         </p:nvSpPr>
         <p:spPr>
@@ -388,11 +401,11 @@
           </a:ln>
         </p:spPr>
         <p:txBody>
-          <a:bodyPr anchorCtr="0" anchor="t" bIns="91425" lIns="91425" spcFirstLastPara="1" rIns="91425" wrap="square" tIns="91425">
+          <a:bodyPr spcFirstLastPara="1" wrap="square" lIns="91425" tIns="91425" rIns="91425" bIns="91425" anchor="t" anchorCtr="0">
             <a:noAutofit/>
           </a:bodyPr>
           <a:lstStyle>
-            <a:lvl1pPr indent="-298450" lvl="0" marL="457200">
+            <a:lvl1pPr marL="457200" lvl="0" indent="-298450">
               <a:spcBef>
                 <a:spcPts val="0"/>
               </a:spcBef>
@@ -403,7 +416,7 @@
               <a:buChar char="●"/>
               <a:defRPr sz="1100"/>
             </a:lvl1pPr>
-            <a:lvl2pPr indent="-298450" lvl="1" marL="914400">
+            <a:lvl2pPr marL="914400" lvl="1" indent="-298450">
               <a:spcBef>
                 <a:spcPts val="0"/>
               </a:spcBef>
@@ -414,7 +427,7 @@
               <a:buChar char="○"/>
               <a:defRPr sz="1100"/>
             </a:lvl2pPr>
-            <a:lvl3pPr indent="-298450" lvl="2" marL="1371600">
+            <a:lvl3pPr marL="1371600" lvl="2" indent="-298450">
               <a:spcBef>
                 <a:spcPts val="0"/>
               </a:spcBef>
@@ -425,7 +438,7 @@
               <a:buChar char="■"/>
               <a:defRPr sz="1100"/>
             </a:lvl3pPr>
-            <a:lvl4pPr indent="-298450" lvl="3" marL="1828800">
+            <a:lvl4pPr marL="1828800" lvl="3" indent="-298450">
               <a:spcBef>
                 <a:spcPts val="0"/>
               </a:spcBef>
@@ -436,7 +449,7 @@
               <a:buChar char="●"/>
               <a:defRPr sz="1100"/>
             </a:lvl4pPr>
-            <a:lvl5pPr indent="-298450" lvl="4" marL="2286000">
+            <a:lvl5pPr marL="2286000" lvl="4" indent="-298450">
               <a:spcBef>
                 <a:spcPts val="0"/>
               </a:spcBef>
@@ -447,7 +460,7 @@
               <a:buChar char="○"/>
               <a:defRPr sz="1100"/>
             </a:lvl5pPr>
-            <a:lvl6pPr indent="-298450" lvl="5" marL="2743200">
+            <a:lvl6pPr marL="2743200" lvl="5" indent="-298450">
               <a:spcBef>
                 <a:spcPts val="0"/>
               </a:spcBef>
@@ -458,7 +471,7 @@
               <a:buChar char="■"/>
               <a:defRPr sz="1100"/>
             </a:lvl6pPr>
-            <a:lvl7pPr indent="-298450" lvl="6" marL="3200400">
+            <a:lvl7pPr marL="3200400" lvl="6" indent="-298450">
               <a:spcBef>
                 <a:spcPts val="0"/>
               </a:spcBef>
@@ -469,7 +482,7 @@
               <a:buChar char="●"/>
               <a:defRPr sz="1100"/>
             </a:lvl7pPr>
-            <a:lvl8pPr indent="-298450" lvl="7" marL="3657600">
+            <a:lvl8pPr marL="3657600" lvl="7" indent="-298450">
               <a:spcBef>
                 <a:spcPts val="0"/>
               </a:spcBef>
@@ -480,7 +493,7 @@
               <a:buChar char="○"/>
               <a:defRPr sz="1100"/>
             </a:lvl8pPr>
-            <a:lvl9pPr indent="-298450" lvl="8" marL="4114800">
+            <a:lvl9pPr marL="4114800" lvl="8" indent="-298450">
               <a:spcBef>
                 <a:spcPts val="0"/>
               </a:spcBef>
@@ -492,14 +505,16 @@
               <a:defRPr sz="1100"/>
             </a:lvl9pPr>
           </a:lstStyle>
-          <a:p/>
+          <a:p>
+            <a:endParaRPr/>
+          </a:p>
         </p:txBody>
       </p:sp>
     </p:spTree>
   </p:cSld>
-  <p:clrMap accent1="accent1" accent2="accent2" accent3="accent3" accent4="accent4" accent5="accent5" accent6="accent6" bg1="lt1" bg2="dk2" tx1="dk1" tx2="lt2" folHlink="folHlink" hlink="hlink"/>
+  <p:clrMap bg1="lt1" tx1="dk1" bg2="dk2" tx2="lt2" accent1="accent1" accent2="accent2" accent3="accent3" accent4="accent4" accent5="accent5" accent6="accent6" hlink="hlink" folHlink="folHlink"/>
   <p:notesStyle>
-    <a:defPPr lvl="0" marR="0" rtl="0" algn="l">
+    <a:defPPr marR="0" lvl="0" algn="l" rtl="0">
       <a:lnSpc>
         <a:spcPct val="100000"/>
       </a:lnSpc>
@@ -510,7 +525,7 @@
         <a:spcPts val="0"/>
       </a:spcAft>
     </a:defPPr>
-    <a:lvl1pPr lvl="0" marR="0" rtl="0" algn="l">
+    <a:lvl1pPr marR="0" lvl="0" algn="l" rtl="0">
       <a:lnSpc>
         <a:spcPct val="100000"/>
       </a:lnSpc>
@@ -524,7 +539,7 @@
         <a:srgbClr val="000000"/>
       </a:buClr>
       <a:buFont typeface="Arial"/>
-      <a:defRPr b="0" i="0" sz="1400" u="none" cap="none" strike="noStrike">
+      <a:defRPr sz="1400" b="0" i="0" u="none" strike="noStrike" cap="none">
         <a:solidFill>
           <a:srgbClr val="000000"/>
         </a:solidFill>
@@ -534,7 +549,7 @@
         <a:sym typeface="Arial"/>
       </a:defRPr>
     </a:lvl1pPr>
-    <a:lvl2pPr lvl="1" marR="0" rtl="0" algn="l">
+    <a:lvl2pPr marR="0" lvl="1" algn="l" rtl="0">
       <a:lnSpc>
         <a:spcPct val="100000"/>
       </a:lnSpc>
@@ -548,7 +563,7 @@
         <a:srgbClr val="000000"/>
       </a:buClr>
       <a:buFont typeface="Arial"/>
-      <a:defRPr b="0" i="0" sz="1400" u="none" cap="none" strike="noStrike">
+      <a:defRPr sz="1400" b="0" i="0" u="none" strike="noStrike" cap="none">
         <a:solidFill>
           <a:srgbClr val="000000"/>
         </a:solidFill>
@@ -558,7 +573,7 @@
         <a:sym typeface="Arial"/>
       </a:defRPr>
     </a:lvl2pPr>
-    <a:lvl3pPr lvl="2" marR="0" rtl="0" algn="l">
+    <a:lvl3pPr marR="0" lvl="2" algn="l" rtl="0">
       <a:lnSpc>
         <a:spcPct val="100000"/>
       </a:lnSpc>
@@ -572,7 +587,7 @@
         <a:srgbClr val="000000"/>
       </a:buClr>
       <a:buFont typeface="Arial"/>
-      <a:defRPr b="0" i="0" sz="1400" u="none" cap="none" strike="noStrike">
+      <a:defRPr sz="1400" b="0" i="0" u="none" strike="noStrike" cap="none">
         <a:solidFill>
           <a:srgbClr val="000000"/>
         </a:solidFill>
@@ -582,7 +597,7 @@
         <a:sym typeface="Arial"/>
       </a:defRPr>
     </a:lvl3pPr>
-    <a:lvl4pPr lvl="3" marR="0" rtl="0" algn="l">
+    <a:lvl4pPr marR="0" lvl="3" algn="l" rtl="0">
       <a:lnSpc>
         <a:spcPct val="100000"/>
       </a:lnSpc>
@@ -596,7 +611,7 @@
         <a:srgbClr val="000000"/>
       </a:buClr>
       <a:buFont typeface="Arial"/>
-      <a:defRPr b="0" i="0" sz="1400" u="none" cap="none" strike="noStrike">
+      <a:defRPr sz="1400" b="0" i="0" u="none" strike="noStrike" cap="none">
         <a:solidFill>
           <a:srgbClr val="000000"/>
         </a:solidFill>
@@ -606,7 +621,7 @@
         <a:sym typeface="Arial"/>
       </a:defRPr>
     </a:lvl4pPr>
-    <a:lvl5pPr lvl="4" marR="0" rtl="0" algn="l">
+    <a:lvl5pPr marR="0" lvl="4" algn="l" rtl="0">
       <a:lnSpc>
         <a:spcPct val="100000"/>
       </a:lnSpc>
@@ -620,7 +635,7 @@
         <a:srgbClr val="000000"/>
       </a:buClr>
       <a:buFont typeface="Arial"/>
-      <a:defRPr b="0" i="0" sz="1400" u="none" cap="none" strike="noStrike">
+      <a:defRPr sz="1400" b="0" i="0" u="none" strike="noStrike" cap="none">
         <a:solidFill>
           <a:srgbClr val="000000"/>
         </a:solidFill>
@@ -630,7 +645,7 @@
         <a:sym typeface="Arial"/>
       </a:defRPr>
     </a:lvl5pPr>
-    <a:lvl6pPr lvl="5" marR="0" rtl="0" algn="l">
+    <a:lvl6pPr marR="0" lvl="5" algn="l" rtl="0">
       <a:lnSpc>
         <a:spcPct val="100000"/>
       </a:lnSpc>
@@ -644,7 +659,7 @@
         <a:srgbClr val="000000"/>
       </a:buClr>
       <a:buFont typeface="Arial"/>
-      <a:defRPr b="0" i="0" sz="1400" u="none" cap="none" strike="noStrike">
+      <a:defRPr sz="1400" b="0" i="0" u="none" strike="noStrike" cap="none">
         <a:solidFill>
           <a:srgbClr val="000000"/>
         </a:solidFill>
@@ -654,7 +669,7 @@
         <a:sym typeface="Arial"/>
       </a:defRPr>
     </a:lvl6pPr>
-    <a:lvl7pPr lvl="6" marR="0" rtl="0" algn="l">
+    <a:lvl7pPr marR="0" lvl="6" algn="l" rtl="0">
       <a:lnSpc>
         <a:spcPct val="100000"/>
       </a:lnSpc>
@@ -668,7 +683,7 @@
         <a:srgbClr val="000000"/>
       </a:buClr>
       <a:buFont typeface="Arial"/>
-      <a:defRPr b="0" i="0" sz="1400" u="none" cap="none" strike="noStrike">
+      <a:defRPr sz="1400" b="0" i="0" u="none" strike="noStrike" cap="none">
         <a:solidFill>
           <a:srgbClr val="000000"/>
         </a:solidFill>
@@ -678,7 +693,7 @@
         <a:sym typeface="Arial"/>
       </a:defRPr>
     </a:lvl7pPr>
-    <a:lvl8pPr lvl="7" marR="0" rtl="0" algn="l">
+    <a:lvl8pPr marR="0" lvl="7" algn="l" rtl="0">
       <a:lnSpc>
         <a:spcPct val="100000"/>
       </a:lnSpc>
@@ -692,7 +707,7 @@
         <a:srgbClr val="000000"/>
       </a:buClr>
       <a:buFont typeface="Arial"/>
-      <a:defRPr b="0" i="0" sz="1400" u="none" cap="none" strike="noStrike">
+      <a:defRPr sz="1400" b="0" i="0" u="none" strike="noStrike" cap="none">
         <a:solidFill>
           <a:srgbClr val="000000"/>
         </a:solidFill>
@@ -702,7 +717,7 @@
         <a:sym typeface="Arial"/>
       </a:defRPr>
     </a:lvl8pPr>
-    <a:lvl9pPr lvl="8" marR="0" rtl="0" algn="l">
+    <a:lvl9pPr marR="0" lvl="8" algn="l" rtl="0">
       <a:lnSpc>
         <a:spcPct val="100000"/>
       </a:lnSpc>
@@ -716,7 +731,7 @@
         <a:srgbClr val="000000"/>
       </a:buClr>
       <a:buFont typeface="Arial"/>
-      <a:defRPr b="0" i="0" sz="1400" u="none" cap="none" strike="noStrike">
+      <a:defRPr sz="1400" b="0" i="0" u="none" strike="noStrike" cap="none">
         <a:solidFill>
           <a:srgbClr val="000000"/>
         </a:solidFill>
@@ -731,11 +746,11 @@
 </file>
 
 <file path=ppt/notesSlides/notesSlide1.xml><?xml version="1.0" encoding="utf-8"?>
-<p:notes xmlns:a="http://schemas.openxmlformats.org/drawingml/2006/main" xmlns:r="http://schemas.openxmlformats.org/officeDocument/2006/relationships" xmlns:mc="http://schemas.openxmlformats.org/markup-compatibility/2006" xmlns:mv="urn:schemas-microsoft-com:mac:vml" xmlns:p="http://schemas.openxmlformats.org/presentationml/2006/main" xmlns:c="http://schemas.openxmlformats.org/drawingml/2006/chart" xmlns:dgm="http://schemas.openxmlformats.org/drawingml/2006/diagram" xmlns:o="urn:schemas-microsoft-com:office:office" xmlns:v="urn:schemas-microsoft-com:vml" xmlns:pvml="urn:schemas-microsoft-com:office:powerpoint" xmlns:com="http://schemas.openxmlformats.org/drawingml/2006/compatibility" xmlns:p14="http://schemas.microsoft.com/office/powerpoint/2010/main" xmlns:p15="http://schemas.microsoft.com/office/powerpoint/2012/main" xmlns:ahyp="http://schemas.microsoft.com/office/drawing/2018/hyperlinkcolor" showMasterPhAnim="0" showMasterSp="0">
+<p:notes xmlns:a="http://schemas.openxmlformats.org/drawingml/2006/main" xmlns:r="http://schemas.openxmlformats.org/officeDocument/2006/relationships" xmlns:p="http://schemas.openxmlformats.org/presentationml/2006/main" showMasterSp="0" showMasterPhAnim="0">
   <p:cSld>
     <p:spTree>
       <p:nvGrpSpPr>
-        <p:cNvPr id="60" name="Shape 60"/>
+        <p:cNvPr id="1" name="Shape 60"/>
         <p:cNvGrpSpPr/>
         <p:nvPr/>
       </p:nvGrpSpPr>
@@ -750,20 +765,26 @@
       <p:sp>
         <p:nvSpPr>
           <p:cNvPr id="61" name="Google Shape;61;p:notes"/>
-          <p:cNvSpPr/>
+          <p:cNvSpPr>
+            <a:spLocks noGrp="1" noRot="1" noChangeAspect="1"/>
+          </p:cNvSpPr>
           <p:nvPr>
-            <p:ph idx="2" type="sldImg"/>
+            <p:ph type="sldImg" idx="2"/>
           </p:nvPr>
         </p:nvSpPr>
         <p:spPr>
           <a:xfrm>
-            <a:off x="381300" y="685800"/>
+            <a:off x="381000" y="685800"/>
             <a:ext cx="6096000" cy="3429000"/>
           </a:xfrm>
           <a:custGeom>
-            <a:rect b="b" l="l" r="r" t="t"/>
+            <a:avLst/>
+            <a:gdLst/>
+            <a:ahLst/>
+            <a:cxnLst/>
+            <a:rect l="l" t="t" r="r" b="b"/>
             <a:pathLst>
-              <a:path extrusionOk="0" h="120000" w="120000">
+              <a:path w="120000" h="120000" extrusionOk="0">
                 <a:moveTo>
                   <a:pt x="0" y="0"/>
                 </a:moveTo>
@@ -785,9 +806,11 @@
       <p:sp>
         <p:nvSpPr>
           <p:cNvPr id="62" name="Google Shape;62;p:notes"/>
-          <p:cNvSpPr txBox="1"/>
+          <p:cNvSpPr txBox="1">
+            <a:spLocks noGrp="1"/>
+          </p:cNvSpPr>
           <p:nvPr>
-            <p:ph idx="1" type="body"/>
+            <p:ph type="body" idx="1"/>
           </p:nvPr>
         </p:nvSpPr>
         <p:spPr>
@@ -800,12 +823,12 @@
           </a:prstGeom>
         </p:spPr>
         <p:txBody>
-          <a:bodyPr anchorCtr="0" anchor="t" bIns="91425" lIns="91425" spcFirstLastPara="1" rIns="91425" wrap="square" tIns="91425">
+          <a:bodyPr spcFirstLastPara="1" wrap="square" lIns="91425" tIns="91425" rIns="91425" bIns="91425" anchor="t" anchorCtr="0">
             <a:noAutofit/>
           </a:bodyPr>
           <a:lstStyle/>
           <a:p>
-            <a:pPr indent="0" lvl="0" marL="0" rtl="0" algn="l">
+            <a:pPr marL="0" lvl="0" indent="0" algn="l" rtl="0">
               <a:spcBef>
                 <a:spcPts val="0"/>
               </a:spcBef>
@@ -814,9 +837,6 @@
               </a:spcAft>
               <a:buNone/>
             </a:pPr>
-            <a:r>
-              <a:t/>
-            </a:r>
             <a:endParaRPr/>
           </a:p>
         </p:txBody>
@@ -830,11 +850,11 @@
 </file>
 
 <file path=ppt/notesSlides/notesSlide2.xml><?xml version="1.0" encoding="utf-8"?>
-<p:notes xmlns:a="http://schemas.openxmlformats.org/drawingml/2006/main" xmlns:r="http://schemas.openxmlformats.org/officeDocument/2006/relationships" xmlns:mc="http://schemas.openxmlformats.org/markup-compatibility/2006" xmlns:mv="urn:schemas-microsoft-com:mac:vml" xmlns:p="http://schemas.openxmlformats.org/presentationml/2006/main" xmlns:c="http://schemas.openxmlformats.org/drawingml/2006/chart" xmlns:dgm="http://schemas.openxmlformats.org/drawingml/2006/diagram" xmlns:o="urn:schemas-microsoft-com:office:office" xmlns:v="urn:schemas-microsoft-com:vml" xmlns:pvml="urn:schemas-microsoft-com:office:powerpoint" xmlns:com="http://schemas.openxmlformats.org/drawingml/2006/compatibility" xmlns:p14="http://schemas.microsoft.com/office/powerpoint/2010/main" xmlns:p15="http://schemas.microsoft.com/office/powerpoint/2012/main" xmlns:ahyp="http://schemas.microsoft.com/office/drawing/2018/hyperlinkcolor" showMasterPhAnim="0" showMasterSp="0">
+<p:notes xmlns:a="http://schemas.openxmlformats.org/drawingml/2006/main" xmlns:r="http://schemas.openxmlformats.org/officeDocument/2006/relationships" xmlns:p="http://schemas.openxmlformats.org/presentationml/2006/main" showMasterSp="0" showMasterPhAnim="0">
   <p:cSld>
     <p:spTree>
       <p:nvGrpSpPr>
-        <p:cNvPr id="67" name="Shape 67"/>
+        <p:cNvPr id="1" name="Shape 67"/>
         <p:cNvGrpSpPr/>
         <p:nvPr/>
       </p:nvGrpSpPr>
@@ -849,9 +869,11 @@
       <p:sp>
         <p:nvSpPr>
           <p:cNvPr id="68" name="Google Shape;68;g2fa11022936_0_0:notes"/>
-          <p:cNvSpPr/>
+          <p:cNvSpPr>
+            <a:spLocks noGrp="1" noRot="1" noChangeAspect="1"/>
+          </p:cNvSpPr>
           <p:nvPr>
-            <p:ph idx="2" type="sldImg"/>
+            <p:ph type="sldImg" idx="2"/>
           </p:nvPr>
         </p:nvSpPr>
         <p:spPr>
@@ -860,9 +882,13 @@
             <a:ext cx="6096000" cy="3429000"/>
           </a:xfrm>
           <a:custGeom>
-            <a:rect b="b" l="l" r="r" t="t"/>
+            <a:avLst/>
+            <a:gdLst/>
+            <a:ahLst/>
+            <a:cxnLst/>
+            <a:rect l="l" t="t" r="r" b="b"/>
             <a:pathLst>
-              <a:path extrusionOk="0" h="120000" w="120000">
+              <a:path w="120000" h="120000" extrusionOk="0">
                 <a:moveTo>
                   <a:pt x="0" y="0"/>
                 </a:moveTo>
@@ -884,9 +910,11 @@
       <p:sp>
         <p:nvSpPr>
           <p:cNvPr id="69" name="Google Shape;69;g2fa11022936_0_0:notes"/>
-          <p:cNvSpPr txBox="1"/>
+          <p:cNvSpPr txBox="1">
+            <a:spLocks noGrp="1"/>
+          </p:cNvSpPr>
           <p:nvPr>
-            <p:ph idx="1" type="body"/>
+            <p:ph type="body" idx="1"/>
           </p:nvPr>
         </p:nvSpPr>
         <p:spPr>
@@ -899,12 +927,12 @@
           </a:prstGeom>
         </p:spPr>
         <p:txBody>
-          <a:bodyPr anchorCtr="0" anchor="t" bIns="91425" lIns="91425" spcFirstLastPara="1" rIns="91425" wrap="square" tIns="91425">
+          <a:bodyPr spcFirstLastPara="1" wrap="square" lIns="91425" tIns="91425" rIns="91425" bIns="91425" anchor="t" anchorCtr="0">
             <a:noAutofit/>
           </a:bodyPr>
           <a:lstStyle/>
           <a:p>
-            <a:pPr indent="0" lvl="0" marL="0" rtl="0" algn="l">
+            <a:pPr marL="0" lvl="0" indent="0" algn="l" rtl="0">
               <a:spcBef>
                 <a:spcPts val="0"/>
               </a:spcBef>
@@ -913,9 +941,6 @@
               </a:spcAft>
               <a:buNone/>
             </a:pPr>
-            <a:r>
-              <a:t/>
-            </a:r>
             <a:endParaRPr/>
           </a:p>
         </p:txBody>
@@ -929,11 +954,11 @@
 </file>
 
 <file path=ppt/notesSlides/notesSlide3.xml><?xml version="1.0" encoding="utf-8"?>
-<p:notes xmlns:a="http://schemas.openxmlformats.org/drawingml/2006/main" xmlns:r="http://schemas.openxmlformats.org/officeDocument/2006/relationships" xmlns:mc="http://schemas.openxmlformats.org/markup-compatibility/2006" xmlns:mv="urn:schemas-microsoft-com:mac:vml" xmlns:p="http://schemas.openxmlformats.org/presentationml/2006/main" xmlns:c="http://schemas.openxmlformats.org/drawingml/2006/chart" xmlns:dgm="http://schemas.openxmlformats.org/drawingml/2006/diagram" xmlns:o="urn:schemas-microsoft-com:office:office" xmlns:v="urn:schemas-microsoft-com:vml" xmlns:pvml="urn:schemas-microsoft-com:office:powerpoint" xmlns:com="http://schemas.openxmlformats.org/drawingml/2006/compatibility" xmlns:p14="http://schemas.microsoft.com/office/powerpoint/2010/main" xmlns:p15="http://schemas.microsoft.com/office/powerpoint/2012/main" xmlns:ahyp="http://schemas.microsoft.com/office/drawing/2018/hyperlinkcolor" showMasterPhAnim="0" showMasterSp="0">
+<p:notes xmlns:a="http://schemas.openxmlformats.org/drawingml/2006/main" xmlns:r="http://schemas.openxmlformats.org/officeDocument/2006/relationships" xmlns:p="http://schemas.openxmlformats.org/presentationml/2006/main" showMasterSp="0" showMasterPhAnim="0">
   <p:cSld>
     <p:spTree>
       <p:nvGrpSpPr>
-        <p:cNvPr id="88" name="Shape 88"/>
+        <p:cNvPr id="1" name="Shape 88"/>
         <p:cNvGrpSpPr/>
         <p:nvPr/>
       </p:nvGrpSpPr>
@@ -948,9 +973,11 @@
       <p:sp>
         <p:nvSpPr>
           <p:cNvPr id="89" name="Google Shape;89;g30a12d4f5ea_0_718:notes"/>
-          <p:cNvSpPr/>
+          <p:cNvSpPr>
+            <a:spLocks noGrp="1" noRot="1" noChangeAspect="1"/>
+          </p:cNvSpPr>
           <p:nvPr>
-            <p:ph idx="2" type="sldImg"/>
+            <p:ph type="sldImg" idx="2"/>
           </p:nvPr>
         </p:nvSpPr>
         <p:spPr>
@@ -959,9 +986,13 @@
             <a:ext cx="6096000" cy="3429000"/>
           </a:xfrm>
           <a:custGeom>
-            <a:rect b="b" l="l" r="r" t="t"/>
+            <a:avLst/>
+            <a:gdLst/>
+            <a:ahLst/>
+            <a:cxnLst/>
+            <a:rect l="l" t="t" r="r" b="b"/>
             <a:pathLst>
-              <a:path extrusionOk="0" h="120000" w="120000">
+              <a:path w="120000" h="120000" extrusionOk="0">
                 <a:moveTo>
                   <a:pt x="0" y="0"/>
                 </a:moveTo>
@@ -983,9 +1014,11 @@
       <p:sp>
         <p:nvSpPr>
           <p:cNvPr id="90" name="Google Shape;90;g30a12d4f5ea_0_718:notes"/>
-          <p:cNvSpPr txBox="1"/>
+          <p:cNvSpPr txBox="1">
+            <a:spLocks noGrp="1"/>
+          </p:cNvSpPr>
           <p:nvPr>
-            <p:ph idx="1" type="body"/>
+            <p:ph type="body" idx="1"/>
           </p:nvPr>
         </p:nvSpPr>
         <p:spPr>
@@ -998,12 +1031,12 @@
           </a:prstGeom>
         </p:spPr>
         <p:txBody>
-          <a:bodyPr anchorCtr="0" anchor="t" bIns="91425" lIns="91425" spcFirstLastPara="1" rIns="91425" wrap="square" tIns="91425">
+          <a:bodyPr spcFirstLastPara="1" wrap="square" lIns="91425" tIns="91425" rIns="91425" bIns="91425" anchor="t" anchorCtr="0">
             <a:noAutofit/>
           </a:bodyPr>
           <a:lstStyle/>
           <a:p>
-            <a:pPr indent="0" lvl="0" marL="0" rtl="0" algn="l">
+            <a:pPr marL="0" lvl="0" indent="0" algn="l" rtl="0">
               <a:spcBef>
                 <a:spcPts val="0"/>
               </a:spcBef>
@@ -1012,9 +1045,6 @@
               </a:spcAft>
               <a:buNone/>
             </a:pPr>
-            <a:r>
-              <a:t/>
-            </a:r>
             <a:endParaRPr/>
           </a:p>
         </p:txBody>
@@ -1028,11 +1058,11 @@
 </file>
 
 <file path=ppt/notesSlides/notesSlide4.xml><?xml version="1.0" encoding="utf-8"?>
-<p:notes xmlns:a="http://schemas.openxmlformats.org/drawingml/2006/main" xmlns:r="http://schemas.openxmlformats.org/officeDocument/2006/relationships" xmlns:mc="http://schemas.openxmlformats.org/markup-compatibility/2006" xmlns:mv="urn:schemas-microsoft-com:mac:vml" xmlns:p="http://schemas.openxmlformats.org/presentationml/2006/main" xmlns:c="http://schemas.openxmlformats.org/drawingml/2006/chart" xmlns:dgm="http://schemas.openxmlformats.org/drawingml/2006/diagram" xmlns:o="urn:schemas-microsoft-com:office:office" xmlns:v="urn:schemas-microsoft-com:vml" xmlns:pvml="urn:schemas-microsoft-com:office:powerpoint" xmlns:com="http://schemas.openxmlformats.org/drawingml/2006/compatibility" xmlns:p14="http://schemas.microsoft.com/office/powerpoint/2010/main" xmlns:p15="http://schemas.microsoft.com/office/powerpoint/2012/main" xmlns:ahyp="http://schemas.microsoft.com/office/drawing/2018/hyperlinkcolor" showMasterPhAnim="0" showMasterSp="0">
+<p:notes xmlns:a="http://schemas.openxmlformats.org/drawingml/2006/main" xmlns:r="http://schemas.openxmlformats.org/officeDocument/2006/relationships" xmlns:p="http://schemas.openxmlformats.org/presentationml/2006/main" showMasterSp="0" showMasterPhAnim="0">
   <p:cSld>
     <p:spTree>
       <p:nvGrpSpPr>
-        <p:cNvPr id="95" name="Shape 95"/>
+        <p:cNvPr id="1" name="Shape 95"/>
         <p:cNvGrpSpPr/>
         <p:nvPr/>
       </p:nvGrpSpPr>
@@ -1047,9 +1077,11 @@
       <p:sp>
         <p:nvSpPr>
           <p:cNvPr id="96" name="Google Shape;96;g30a12d4f5ea_0_712:notes"/>
-          <p:cNvSpPr/>
+          <p:cNvSpPr>
+            <a:spLocks noGrp="1" noRot="1" noChangeAspect="1"/>
+          </p:cNvSpPr>
           <p:nvPr>
-            <p:ph idx="2" type="sldImg"/>
+            <p:ph type="sldImg" idx="2"/>
           </p:nvPr>
         </p:nvSpPr>
         <p:spPr>
@@ -1058,9 +1090,13 @@
             <a:ext cx="6096000" cy="3429000"/>
           </a:xfrm>
           <a:custGeom>
-            <a:rect b="b" l="l" r="r" t="t"/>
+            <a:avLst/>
+            <a:gdLst/>
+            <a:ahLst/>
+            <a:cxnLst/>
+            <a:rect l="l" t="t" r="r" b="b"/>
             <a:pathLst>
-              <a:path extrusionOk="0" h="120000" w="120000">
+              <a:path w="120000" h="120000" extrusionOk="0">
                 <a:moveTo>
                   <a:pt x="0" y="0"/>
                 </a:moveTo>
@@ -1082,9 +1118,11 @@
       <p:sp>
         <p:nvSpPr>
           <p:cNvPr id="97" name="Google Shape;97;g30a12d4f5ea_0_712:notes"/>
-          <p:cNvSpPr txBox="1"/>
+          <p:cNvSpPr txBox="1">
+            <a:spLocks noGrp="1"/>
+          </p:cNvSpPr>
           <p:nvPr>
-            <p:ph idx="1" type="body"/>
+            <p:ph type="body" idx="1"/>
           </p:nvPr>
         </p:nvSpPr>
         <p:spPr>
@@ -1097,12 +1135,12 @@
           </a:prstGeom>
         </p:spPr>
         <p:txBody>
-          <a:bodyPr anchorCtr="0" anchor="t" bIns="91425" lIns="91425" spcFirstLastPara="1" rIns="91425" wrap="square" tIns="91425">
+          <a:bodyPr spcFirstLastPara="1" wrap="square" lIns="91425" tIns="91425" rIns="91425" bIns="91425" anchor="t" anchorCtr="0">
             <a:noAutofit/>
           </a:bodyPr>
           <a:lstStyle/>
           <a:p>
-            <a:pPr indent="0" lvl="0" marL="0" rtl="0" algn="l">
+            <a:pPr marL="0" lvl="0" indent="0" algn="l" rtl="0">
               <a:spcBef>
                 <a:spcPts val="0"/>
               </a:spcBef>
@@ -1111,9 +1149,6 @@
               </a:spcAft>
               <a:buNone/>
             </a:pPr>
-            <a:r>
-              <a:t/>
-            </a:r>
             <a:endParaRPr/>
           </a:p>
         </p:txBody>
@@ -1127,11 +1162,11 @@
 </file>
 
 <file path=ppt/notesSlides/notesSlide5.xml><?xml version="1.0" encoding="utf-8"?>
-<p:notes xmlns:a="http://schemas.openxmlformats.org/drawingml/2006/main" xmlns:r="http://schemas.openxmlformats.org/officeDocument/2006/relationships" xmlns:mc="http://schemas.openxmlformats.org/markup-compatibility/2006" xmlns:mv="urn:schemas-microsoft-com:mac:vml" xmlns:p="http://schemas.openxmlformats.org/presentationml/2006/main" xmlns:c="http://schemas.openxmlformats.org/drawingml/2006/chart" xmlns:dgm="http://schemas.openxmlformats.org/drawingml/2006/diagram" xmlns:o="urn:schemas-microsoft-com:office:office" xmlns:v="urn:schemas-microsoft-com:vml" xmlns:pvml="urn:schemas-microsoft-com:office:powerpoint" xmlns:com="http://schemas.openxmlformats.org/drawingml/2006/compatibility" xmlns:p14="http://schemas.microsoft.com/office/powerpoint/2010/main" xmlns:p15="http://schemas.microsoft.com/office/powerpoint/2012/main" xmlns:ahyp="http://schemas.microsoft.com/office/drawing/2018/hyperlinkcolor" showMasterPhAnim="0" showMasterSp="0">
+<p:notes xmlns:a="http://schemas.openxmlformats.org/drawingml/2006/main" xmlns:r="http://schemas.openxmlformats.org/officeDocument/2006/relationships" xmlns:p="http://schemas.openxmlformats.org/presentationml/2006/main" showMasterSp="0" showMasterPhAnim="0">
   <p:cSld>
     <p:spTree>
       <p:nvGrpSpPr>
-        <p:cNvPr id="103" name="Shape 103"/>
+        <p:cNvPr id="1" name="Shape 103"/>
         <p:cNvGrpSpPr/>
         <p:nvPr/>
       </p:nvGrpSpPr>
@@ -1146,20 +1181,26 @@
       <p:sp>
         <p:nvSpPr>
           <p:cNvPr id="104" name="Google Shape;104;g30a12d4f5ea_1_1:notes"/>
-          <p:cNvSpPr/>
+          <p:cNvSpPr>
+            <a:spLocks noGrp="1" noRot="1" noChangeAspect="1"/>
+          </p:cNvSpPr>
           <p:nvPr>
-            <p:ph idx="2" type="sldImg"/>
+            <p:ph type="sldImg" idx="2"/>
           </p:nvPr>
         </p:nvSpPr>
         <p:spPr>
           <a:xfrm>
-            <a:off x="381300" y="685800"/>
+            <a:off x="381000" y="685800"/>
             <a:ext cx="6096000" cy="3429000"/>
           </a:xfrm>
           <a:custGeom>
-            <a:rect b="b" l="l" r="r" t="t"/>
+            <a:avLst/>
+            <a:gdLst/>
+            <a:ahLst/>
+            <a:cxnLst/>
+            <a:rect l="l" t="t" r="r" b="b"/>
             <a:pathLst>
-              <a:path extrusionOk="0" h="120000" w="120000">
+              <a:path w="120000" h="120000" extrusionOk="0">
                 <a:moveTo>
                   <a:pt x="0" y="0"/>
                 </a:moveTo>
@@ -1181,9 +1222,11 @@
       <p:sp>
         <p:nvSpPr>
           <p:cNvPr id="105" name="Google Shape;105;g30a12d4f5ea_1_1:notes"/>
-          <p:cNvSpPr txBox="1"/>
+          <p:cNvSpPr txBox="1">
+            <a:spLocks noGrp="1"/>
+          </p:cNvSpPr>
           <p:nvPr>
-            <p:ph idx="1" type="body"/>
+            <p:ph type="body" idx="1"/>
           </p:nvPr>
         </p:nvSpPr>
         <p:spPr>
@@ -1196,12 +1239,12 @@
           </a:prstGeom>
         </p:spPr>
         <p:txBody>
-          <a:bodyPr anchorCtr="0" anchor="t" bIns="91425" lIns="91425" spcFirstLastPara="1" rIns="91425" wrap="square" tIns="91425">
+          <a:bodyPr spcFirstLastPara="1" wrap="square" lIns="91425" tIns="91425" rIns="91425" bIns="91425" anchor="t" anchorCtr="0">
             <a:noAutofit/>
           </a:bodyPr>
           <a:lstStyle/>
           <a:p>
-            <a:pPr indent="0" lvl="0" marL="0" rtl="0" algn="l">
+            <a:pPr marL="0" lvl="0" indent="0" algn="l" rtl="0">
               <a:spcBef>
                 <a:spcPts val="0"/>
               </a:spcBef>
@@ -1210,9 +1253,6 @@
               </a:spcAft>
               <a:buNone/>
             </a:pPr>
-            <a:r>
-              <a:t/>
-            </a:r>
             <a:endParaRPr/>
           </a:p>
         </p:txBody>
@@ -1226,11 +1266,11 @@
 </file>
 
 <file path=ppt/notesSlides/notesSlide6.xml><?xml version="1.0" encoding="utf-8"?>
-<p:notes xmlns:a="http://schemas.openxmlformats.org/drawingml/2006/main" xmlns:r="http://schemas.openxmlformats.org/officeDocument/2006/relationships" xmlns:mc="http://schemas.openxmlformats.org/markup-compatibility/2006" xmlns:mv="urn:schemas-microsoft-com:mac:vml" xmlns:p="http://schemas.openxmlformats.org/presentationml/2006/main" xmlns:c="http://schemas.openxmlformats.org/drawingml/2006/chart" xmlns:dgm="http://schemas.openxmlformats.org/drawingml/2006/diagram" xmlns:o="urn:schemas-microsoft-com:office:office" xmlns:v="urn:schemas-microsoft-com:vml" xmlns:pvml="urn:schemas-microsoft-com:office:powerpoint" xmlns:com="http://schemas.openxmlformats.org/drawingml/2006/compatibility" xmlns:p14="http://schemas.microsoft.com/office/powerpoint/2010/main" xmlns:p15="http://schemas.microsoft.com/office/powerpoint/2012/main" xmlns:ahyp="http://schemas.microsoft.com/office/drawing/2018/hyperlinkcolor" showMasterPhAnim="0" showMasterSp="0">
+<p:notes xmlns:a="http://schemas.openxmlformats.org/drawingml/2006/main" xmlns:r="http://schemas.openxmlformats.org/officeDocument/2006/relationships" xmlns:p="http://schemas.openxmlformats.org/presentationml/2006/main" showMasterSp="0" showMasterPhAnim="0">
   <p:cSld>
     <p:spTree>
       <p:nvGrpSpPr>
-        <p:cNvPr id="114" name="Shape 114"/>
+        <p:cNvPr id="1" name="Shape 114"/>
         <p:cNvGrpSpPr/>
         <p:nvPr/>
       </p:nvGrpSpPr>
@@ -1245,9 +1285,11 @@
       <p:sp>
         <p:nvSpPr>
           <p:cNvPr id="115" name="Google Shape;115;g2fa11022936_0_85:notes"/>
-          <p:cNvSpPr/>
+          <p:cNvSpPr>
+            <a:spLocks noGrp="1" noRot="1" noChangeAspect="1"/>
+          </p:cNvSpPr>
           <p:nvPr>
-            <p:ph idx="2" type="sldImg"/>
+            <p:ph type="sldImg" idx="2"/>
           </p:nvPr>
         </p:nvSpPr>
         <p:spPr>
@@ -1256,9 +1298,13 @@
             <a:ext cx="6096000" cy="3429000"/>
           </a:xfrm>
           <a:custGeom>
-            <a:rect b="b" l="l" r="r" t="t"/>
+            <a:avLst/>
+            <a:gdLst/>
+            <a:ahLst/>
+            <a:cxnLst/>
+            <a:rect l="l" t="t" r="r" b="b"/>
             <a:pathLst>
-              <a:path extrusionOk="0" h="120000" w="120000">
+              <a:path w="120000" h="120000" extrusionOk="0">
                 <a:moveTo>
                   <a:pt x="0" y="0"/>
                 </a:moveTo>
@@ -1280,9 +1326,11 @@
       <p:sp>
         <p:nvSpPr>
           <p:cNvPr id="116" name="Google Shape;116;g2fa11022936_0_85:notes"/>
-          <p:cNvSpPr txBox="1"/>
+          <p:cNvSpPr txBox="1">
+            <a:spLocks noGrp="1"/>
+          </p:cNvSpPr>
           <p:nvPr>
-            <p:ph idx="1" type="body"/>
+            <p:ph type="body" idx="1"/>
           </p:nvPr>
         </p:nvSpPr>
         <p:spPr>
@@ -1295,12 +1343,12 @@
           </a:prstGeom>
         </p:spPr>
         <p:txBody>
-          <a:bodyPr anchorCtr="0" anchor="t" bIns="91425" lIns="91425" spcFirstLastPara="1" rIns="91425" wrap="square" tIns="91425">
+          <a:bodyPr spcFirstLastPara="1" wrap="square" lIns="91425" tIns="91425" rIns="91425" bIns="91425" anchor="t" anchorCtr="0">
             <a:noAutofit/>
           </a:bodyPr>
           <a:lstStyle/>
           <a:p>
-            <a:pPr indent="0" lvl="0" marL="0" rtl="0" algn="l">
+            <a:pPr marL="0" lvl="0" indent="0" algn="l" rtl="0">
               <a:spcBef>
                 <a:spcPts val="0"/>
               </a:spcBef>
@@ -1309,9 +1357,6 @@
               </a:spcAft>
               <a:buNone/>
             </a:pPr>
-            <a:r>
-              <a:t/>
-            </a:r>
             <a:endParaRPr/>
           </a:p>
         </p:txBody>
@@ -1325,11 +1370,11 @@
 </file>
 
 <file path=ppt/notesSlides/notesSlide7.xml><?xml version="1.0" encoding="utf-8"?>
-<p:notes xmlns:a="http://schemas.openxmlformats.org/drawingml/2006/main" xmlns:r="http://schemas.openxmlformats.org/officeDocument/2006/relationships" xmlns:mc="http://schemas.openxmlformats.org/markup-compatibility/2006" xmlns:mv="urn:schemas-microsoft-com:mac:vml" xmlns:p="http://schemas.openxmlformats.org/presentationml/2006/main" xmlns:c="http://schemas.openxmlformats.org/drawingml/2006/chart" xmlns:dgm="http://schemas.openxmlformats.org/drawingml/2006/diagram" xmlns:o="urn:schemas-microsoft-com:office:office" xmlns:v="urn:schemas-microsoft-com:vml" xmlns:pvml="urn:schemas-microsoft-com:office:powerpoint" xmlns:com="http://schemas.openxmlformats.org/drawingml/2006/compatibility" xmlns:p14="http://schemas.microsoft.com/office/powerpoint/2010/main" xmlns:p15="http://schemas.microsoft.com/office/powerpoint/2012/main" xmlns:ahyp="http://schemas.microsoft.com/office/drawing/2018/hyperlinkcolor" showMasterPhAnim="0" showMasterSp="0">
+<p:notes xmlns:a="http://schemas.openxmlformats.org/drawingml/2006/main" xmlns:r="http://schemas.openxmlformats.org/officeDocument/2006/relationships" xmlns:p="http://schemas.openxmlformats.org/presentationml/2006/main" showMasterSp="0" showMasterPhAnim="0">
   <p:cSld>
     <p:spTree>
       <p:nvGrpSpPr>
-        <p:cNvPr id="121" name="Shape 121"/>
+        <p:cNvPr id="1" name="Shape 121"/>
         <p:cNvGrpSpPr/>
         <p:nvPr/>
       </p:nvGrpSpPr>
@@ -1344,9 +1389,11 @@
       <p:sp>
         <p:nvSpPr>
           <p:cNvPr id="122" name="Google Shape;122;g30a31c542db_0_825:notes"/>
-          <p:cNvSpPr/>
+          <p:cNvSpPr>
+            <a:spLocks noGrp="1" noRot="1" noChangeAspect="1"/>
+          </p:cNvSpPr>
           <p:nvPr>
-            <p:ph idx="2" type="sldImg"/>
+            <p:ph type="sldImg" idx="2"/>
           </p:nvPr>
         </p:nvSpPr>
         <p:spPr>
@@ -1355,9 +1402,13 @@
             <a:ext cx="6096000" cy="3429000"/>
           </a:xfrm>
           <a:custGeom>
-            <a:rect b="b" l="l" r="r" t="t"/>
+            <a:avLst/>
+            <a:gdLst/>
+            <a:ahLst/>
+            <a:cxnLst/>
+            <a:rect l="l" t="t" r="r" b="b"/>
             <a:pathLst>
-              <a:path extrusionOk="0" h="120000" w="120000">
+              <a:path w="120000" h="120000" extrusionOk="0">
                 <a:moveTo>
                   <a:pt x="0" y="0"/>
                 </a:moveTo>
@@ -1379,9 +1430,11 @@
       <p:sp>
         <p:nvSpPr>
           <p:cNvPr id="123" name="Google Shape;123;g30a31c542db_0_825:notes"/>
-          <p:cNvSpPr txBox="1"/>
+          <p:cNvSpPr txBox="1">
+            <a:spLocks noGrp="1"/>
+          </p:cNvSpPr>
           <p:nvPr>
-            <p:ph idx="1" type="body"/>
+            <p:ph type="body" idx="1"/>
           </p:nvPr>
         </p:nvSpPr>
         <p:spPr>
@@ -1394,12 +1447,12 @@
           </a:prstGeom>
         </p:spPr>
         <p:txBody>
-          <a:bodyPr anchorCtr="0" anchor="t" bIns="91425" lIns="91425" spcFirstLastPara="1" rIns="91425" wrap="square" tIns="91425">
+          <a:bodyPr spcFirstLastPara="1" wrap="square" lIns="91425" tIns="91425" rIns="91425" bIns="91425" anchor="t" anchorCtr="0">
             <a:noAutofit/>
           </a:bodyPr>
           <a:lstStyle/>
           <a:p>
-            <a:pPr indent="0" lvl="0" marL="0" rtl="0" algn="l">
+            <a:pPr marL="0" lvl="0" indent="0" algn="l" rtl="0">
               <a:spcBef>
                 <a:spcPts val="0"/>
               </a:spcBef>
@@ -1408,9 +1461,6 @@
               </a:spcAft>
               <a:buNone/>
             </a:pPr>
-            <a:r>
-              <a:t/>
-            </a:r>
             <a:endParaRPr/>
           </a:p>
         </p:txBody>
@@ -1424,11 +1474,11 @@
 </file>
 
 <file path=ppt/notesSlides/notesSlide8.xml><?xml version="1.0" encoding="utf-8"?>
-<p:notes xmlns:a="http://schemas.openxmlformats.org/drawingml/2006/main" xmlns:r="http://schemas.openxmlformats.org/officeDocument/2006/relationships" xmlns:mc="http://schemas.openxmlformats.org/markup-compatibility/2006" xmlns:mv="urn:schemas-microsoft-com:mac:vml" xmlns:p="http://schemas.openxmlformats.org/presentationml/2006/main" xmlns:c="http://schemas.openxmlformats.org/drawingml/2006/chart" xmlns:dgm="http://schemas.openxmlformats.org/drawingml/2006/diagram" xmlns:o="urn:schemas-microsoft-com:office:office" xmlns:v="urn:schemas-microsoft-com:vml" xmlns:pvml="urn:schemas-microsoft-com:office:powerpoint" xmlns:com="http://schemas.openxmlformats.org/drawingml/2006/compatibility" xmlns:p14="http://schemas.microsoft.com/office/powerpoint/2010/main" xmlns:p15="http://schemas.microsoft.com/office/powerpoint/2012/main" xmlns:ahyp="http://schemas.microsoft.com/office/drawing/2018/hyperlinkcolor" showMasterPhAnim="0" showMasterSp="0">
+<p:notes xmlns:a="http://schemas.openxmlformats.org/drawingml/2006/main" xmlns:r="http://schemas.openxmlformats.org/officeDocument/2006/relationships" xmlns:p="http://schemas.openxmlformats.org/presentationml/2006/main" showMasterSp="0" showMasterPhAnim="0">
   <p:cSld>
     <p:spTree>
       <p:nvGrpSpPr>
-        <p:cNvPr id="128" name="Shape 128"/>
+        <p:cNvPr id="1" name="Shape 128"/>
         <p:cNvGrpSpPr/>
         <p:nvPr/>
       </p:nvGrpSpPr>
@@ -1443,9 +1493,11 @@
       <p:sp>
         <p:nvSpPr>
           <p:cNvPr id="129" name="Google Shape;129;g30a31c542db_0_794:notes"/>
-          <p:cNvSpPr/>
+          <p:cNvSpPr>
+            <a:spLocks noGrp="1" noRot="1" noChangeAspect="1"/>
+          </p:cNvSpPr>
           <p:nvPr>
-            <p:ph idx="2" type="sldImg"/>
+            <p:ph type="sldImg" idx="2"/>
           </p:nvPr>
         </p:nvSpPr>
         <p:spPr>
@@ -1454,9 +1506,13 @@
             <a:ext cx="6096000" cy="3429000"/>
           </a:xfrm>
           <a:custGeom>
-            <a:rect b="b" l="l" r="r" t="t"/>
+            <a:avLst/>
+            <a:gdLst/>
+            <a:ahLst/>
+            <a:cxnLst/>
+            <a:rect l="l" t="t" r="r" b="b"/>
             <a:pathLst>
-              <a:path extrusionOk="0" h="120000" w="120000">
+              <a:path w="120000" h="120000" extrusionOk="0">
                 <a:moveTo>
                   <a:pt x="0" y="0"/>
                 </a:moveTo>
@@ -1478,9 +1534,11 @@
       <p:sp>
         <p:nvSpPr>
           <p:cNvPr id="130" name="Google Shape;130;g30a31c542db_0_794:notes"/>
-          <p:cNvSpPr txBox="1"/>
+          <p:cNvSpPr txBox="1">
+            <a:spLocks noGrp="1"/>
+          </p:cNvSpPr>
           <p:nvPr>
-            <p:ph idx="1" type="body"/>
+            <p:ph type="body" idx="1"/>
           </p:nvPr>
         </p:nvSpPr>
         <p:spPr>
@@ -1493,12 +1551,12 @@
           </a:prstGeom>
         </p:spPr>
         <p:txBody>
-          <a:bodyPr anchorCtr="0" anchor="t" bIns="91425" lIns="91425" spcFirstLastPara="1" rIns="91425" wrap="square" tIns="91425">
+          <a:bodyPr spcFirstLastPara="1" wrap="square" lIns="91425" tIns="91425" rIns="91425" bIns="91425" anchor="t" anchorCtr="0">
             <a:noAutofit/>
           </a:bodyPr>
           <a:lstStyle/>
           <a:p>
-            <a:pPr indent="0" lvl="0" marL="0" rtl="0" algn="l">
+            <a:pPr marL="0" lvl="0" indent="0" algn="l" rtl="0">
               <a:spcBef>
                 <a:spcPts val="0"/>
               </a:spcBef>
@@ -1507,9 +1565,6 @@
               </a:spcAft>
               <a:buNone/>
             </a:pPr>
-            <a:r>
-              <a:t/>
-            </a:r>
             <a:endParaRPr/>
           </a:p>
         </p:txBody>
@@ -1523,18 +1578,19 @@
 </file>
 
 <file path=ppt/slideLayouts/slideLayout1.xml><?xml version="1.0" encoding="utf-8"?>
-<p:sldLayout xmlns:a="http://schemas.openxmlformats.org/drawingml/2006/main" xmlns:r="http://schemas.openxmlformats.org/officeDocument/2006/relationships" xmlns:mc="http://schemas.openxmlformats.org/markup-compatibility/2006" xmlns:mv="urn:schemas-microsoft-com:mac:vml" xmlns:p="http://schemas.openxmlformats.org/presentationml/2006/main" xmlns:c="http://schemas.openxmlformats.org/drawingml/2006/chart" xmlns:dgm="http://schemas.openxmlformats.org/drawingml/2006/diagram" xmlns:o="urn:schemas-microsoft-com:office:office" xmlns:v="urn:schemas-microsoft-com:vml" xmlns:pvml="urn:schemas-microsoft-com:office:powerpoint" xmlns:com="http://schemas.openxmlformats.org/drawingml/2006/compatibility" xmlns:p14="http://schemas.microsoft.com/office/powerpoint/2010/main" xmlns:p15="http://schemas.microsoft.com/office/powerpoint/2012/main" xmlns:ahyp="http://schemas.microsoft.com/office/drawing/2018/hyperlinkcolor" matchingName="Title slide" type="title">
+<p:sldLayout xmlns:a="http://schemas.openxmlformats.org/drawingml/2006/main" xmlns:r="http://schemas.openxmlformats.org/officeDocument/2006/relationships" xmlns:p="http://schemas.openxmlformats.org/presentationml/2006/main" matchingName="Title slide" type="title">
   <p:cSld name="TITLE">
     <p:bg>
       <p:bgPr>
         <a:solidFill>
           <a:schemeClr val="dk1"/>
         </a:solidFill>
+        <a:effectLst/>
       </p:bgPr>
     </p:bg>
     <p:spTree>
       <p:nvGrpSpPr>
-        <p:cNvPr id="9" name="Shape 9"/>
+        <p:cNvPr id="1" name="Shape 9"/>
         <p:cNvGrpSpPr/>
         <p:nvPr/>
       </p:nvGrpSpPr>
@@ -1568,12 +1624,12 @@
           </a:ln>
         </p:spPr>
         <p:txBody>
-          <a:bodyPr anchorCtr="0" anchor="ctr" bIns="91425" lIns="91425" spcFirstLastPara="1" rIns="91425" wrap="square" tIns="91425">
+          <a:bodyPr spcFirstLastPara="1" wrap="square" lIns="91425" tIns="91425" rIns="91425" bIns="91425" anchor="ctr" anchorCtr="0">
             <a:noAutofit/>
           </a:bodyPr>
           <a:lstStyle/>
           <a:p>
-            <a:pPr indent="0" lvl="0" marL="0" rtl="0" algn="ctr">
+            <a:pPr marL="0" lvl="0" indent="0" algn="ctr" rtl="0">
               <a:spcBef>
                 <a:spcPts val="0"/>
               </a:spcBef>
@@ -1582,9 +1638,6 @@
               </a:spcAft>
               <a:buNone/>
             </a:pPr>
-            <a:r>
-              <a:t/>
-            </a:r>
             <a:endParaRPr>
               <a:latin typeface="Roboto"/>
               <a:ea typeface="Roboto"/>
@@ -1597,7 +1650,9 @@
       <p:sp>
         <p:nvSpPr>
           <p:cNvPr id="11" name="Google Shape;11;p2"/>
-          <p:cNvSpPr txBox="1"/>
+          <p:cNvSpPr txBox="1">
+            <a:spLocks noGrp="1"/>
+          </p:cNvSpPr>
           <p:nvPr>
             <p:ph type="ctrTitle"/>
           </p:nvPr>
@@ -1612,7 +1667,7 @@
           </a:prstGeom>
         </p:spPr>
         <p:txBody>
-          <a:bodyPr anchorCtr="0" anchor="t" bIns="91425" lIns="91425" spcFirstLastPara="1" rIns="91425" wrap="square" tIns="91425">
+          <a:bodyPr spcFirstLastPara="1" wrap="square" lIns="91425" tIns="91425" rIns="91425" bIns="91425" anchor="t" anchorCtr="0">
             <a:normAutofit/>
           </a:bodyPr>
           <a:lstStyle>
@@ -1716,15 +1771,19 @@
               <a:defRPr sz="3600"/>
             </a:lvl9pPr>
           </a:lstStyle>
-          <a:p/>
+          <a:p>
+            <a:endParaRPr/>
+          </a:p>
         </p:txBody>
       </p:sp>
       <p:sp>
         <p:nvSpPr>
           <p:cNvPr id="12" name="Google Shape;12;p2"/>
-          <p:cNvSpPr txBox="1"/>
+          <p:cNvSpPr txBox="1">
+            <a:spLocks noGrp="1"/>
+          </p:cNvSpPr>
           <p:nvPr>
-            <p:ph idx="1" type="subTitle"/>
+            <p:ph type="subTitle" idx="1"/>
           </p:nvPr>
         </p:nvSpPr>
         <p:spPr>
@@ -1737,7 +1796,7 @@
           </a:prstGeom>
         </p:spPr>
         <p:txBody>
-          <a:bodyPr anchorCtr="0" anchor="t" bIns="91425" lIns="91425" spcFirstLastPara="1" rIns="91425" wrap="square" tIns="91425">
+          <a:bodyPr spcFirstLastPara="1" wrap="square" lIns="91425" tIns="91425" rIns="91425" bIns="91425" anchor="t" anchorCtr="0">
             <a:normAutofit/>
           </a:bodyPr>
           <a:lstStyle>
@@ -1931,15 +1990,19 @@
               </a:defRPr>
             </a:lvl9pPr>
           </a:lstStyle>
-          <a:p/>
+          <a:p>
+            <a:endParaRPr/>
+          </a:p>
         </p:txBody>
       </p:sp>
       <p:sp>
         <p:nvSpPr>
           <p:cNvPr id="13" name="Google Shape;13;p2"/>
-          <p:cNvSpPr txBox="1"/>
+          <p:cNvSpPr txBox="1">
+            <a:spLocks noGrp="1"/>
+          </p:cNvSpPr>
           <p:nvPr>
-            <p:ph idx="12" type="sldNum"/>
+            <p:ph type="sldNum" idx="12"/>
           </p:nvPr>
         </p:nvSpPr>
         <p:spPr>
@@ -1952,7 +2015,7 @@
           </a:prstGeom>
         </p:spPr>
         <p:txBody>
-          <a:bodyPr anchorCtr="0" anchor="ctr" bIns="91425" lIns="91425" spcFirstLastPara="1" rIns="91425" wrap="square" tIns="91425">
+          <a:bodyPr spcFirstLastPara="1" wrap="square" lIns="91425" tIns="91425" rIns="91425" bIns="91425" anchor="ctr" anchorCtr="0">
             <a:normAutofit/>
           </a:bodyPr>
           <a:lstStyle>
@@ -2030,7 +2093,7 @@
             </a:lvl9pPr>
           </a:lstStyle>
           <a:p>
-            <a:pPr indent="0" lvl="0" marL="0" rtl="0" algn="r">
+            <a:pPr marL="0" lvl="0" indent="0" algn="r" rtl="0">
               <a:spcBef>
                 <a:spcPts val="0"/>
               </a:spcBef>
@@ -2056,18 +2119,19 @@
 </file>
 
 <file path=ppt/slideLayouts/slideLayout10.xml><?xml version="1.0" encoding="utf-8"?>
-<p:sldLayout xmlns:a="http://schemas.openxmlformats.org/drawingml/2006/main" xmlns:r="http://schemas.openxmlformats.org/officeDocument/2006/relationships" xmlns:mc="http://schemas.openxmlformats.org/markup-compatibility/2006" xmlns:mv="urn:schemas-microsoft-com:mac:vml" xmlns:p="http://schemas.openxmlformats.org/presentationml/2006/main" xmlns:c="http://schemas.openxmlformats.org/drawingml/2006/chart" xmlns:dgm="http://schemas.openxmlformats.org/drawingml/2006/diagram" xmlns:o="urn:schemas-microsoft-com:office:office" xmlns:v="urn:schemas-microsoft-com:vml" xmlns:pvml="urn:schemas-microsoft-com:office:powerpoint" xmlns:com="http://schemas.openxmlformats.org/drawingml/2006/compatibility" xmlns:p14="http://schemas.microsoft.com/office/powerpoint/2010/main" xmlns:p15="http://schemas.microsoft.com/office/powerpoint/2012/main" xmlns:ahyp="http://schemas.microsoft.com/office/drawing/2018/hyperlinkcolor" matchingName="Big number">
+<p:sldLayout xmlns:a="http://schemas.openxmlformats.org/drawingml/2006/main" xmlns:r="http://schemas.openxmlformats.org/officeDocument/2006/relationships" xmlns:p="http://schemas.openxmlformats.org/presentationml/2006/main" matchingName="Big number">
   <p:cSld name="BIG_NUMBER">
     <p:bg>
       <p:bgPr>
         <a:solidFill>
           <a:schemeClr val="dk1"/>
         </a:solidFill>
+        <a:effectLst/>
       </p:bgPr>
     </p:bg>
     <p:spTree>
       <p:nvGrpSpPr>
-        <p:cNvPr id="54" name="Shape 54"/>
+        <p:cNvPr id="1" name="Shape 54"/>
         <p:cNvGrpSpPr/>
         <p:nvPr/>
       </p:nvGrpSpPr>
@@ -2082,9 +2146,11 @@
       <p:sp>
         <p:nvSpPr>
           <p:cNvPr id="55" name="Google Shape;55;p11"/>
-          <p:cNvSpPr txBox="1"/>
+          <p:cNvSpPr txBox="1">
+            <a:spLocks noGrp="1"/>
+          </p:cNvSpPr>
           <p:nvPr>
-            <p:ph hasCustomPrompt="1" type="title"/>
+            <p:ph type="title" hasCustomPrompt="1"/>
           </p:nvPr>
         </p:nvSpPr>
         <p:spPr>
@@ -2097,7 +2163,7 @@
           </a:prstGeom>
         </p:spPr>
         <p:txBody>
-          <a:bodyPr anchorCtr="0" anchor="b" bIns="91425" lIns="91425" spcFirstLastPara="1" rIns="91425" wrap="square" tIns="91425">
+          <a:bodyPr spcFirstLastPara="1" wrap="square" lIns="91425" tIns="91425" rIns="91425" bIns="91425" anchor="b" anchorCtr="0">
             <a:normAutofit/>
           </a:bodyPr>
           <a:lstStyle>
@@ -2274,9 +2340,11 @@
       <p:sp>
         <p:nvSpPr>
           <p:cNvPr id="56" name="Google Shape;56;p11"/>
-          <p:cNvSpPr txBox="1"/>
+          <p:cNvSpPr txBox="1">
+            <a:spLocks noGrp="1"/>
+          </p:cNvSpPr>
           <p:nvPr>
-            <p:ph idx="1" type="body"/>
+            <p:ph type="body" idx="1"/>
           </p:nvPr>
         </p:nvSpPr>
         <p:spPr>
@@ -2289,11 +2357,11 @@
           </a:prstGeom>
         </p:spPr>
         <p:txBody>
-          <a:bodyPr anchorCtr="0" anchor="t" bIns="91425" lIns="91425" spcFirstLastPara="1" rIns="91425" wrap="square" tIns="91425">
+          <a:bodyPr spcFirstLastPara="1" wrap="square" lIns="91425" tIns="91425" rIns="91425" bIns="91425" anchor="t" anchorCtr="0">
             <a:normAutofit/>
           </a:bodyPr>
           <a:lstStyle>
-            <a:lvl1pPr indent="-311150" lvl="0" marL="457200">
+            <a:lvl1pPr marL="457200" lvl="0" indent="-311150">
               <a:spcBef>
                 <a:spcPts val="0"/>
               </a:spcBef>
@@ -2311,7 +2379,7 @@
                 </a:solidFill>
               </a:defRPr>
             </a:lvl1pPr>
-            <a:lvl2pPr indent="-298450" lvl="1" marL="914400">
+            <a:lvl2pPr marL="914400" lvl="1" indent="-298450">
               <a:spcBef>
                 <a:spcPts val="0"/>
               </a:spcBef>
@@ -2329,7 +2397,7 @@
                 </a:solidFill>
               </a:defRPr>
             </a:lvl2pPr>
-            <a:lvl3pPr indent="-298450" lvl="2" marL="1371600">
+            <a:lvl3pPr marL="1371600" lvl="2" indent="-298450">
               <a:spcBef>
                 <a:spcPts val="0"/>
               </a:spcBef>
@@ -2347,7 +2415,7 @@
                 </a:solidFill>
               </a:defRPr>
             </a:lvl3pPr>
-            <a:lvl4pPr indent="-298450" lvl="3" marL="1828800">
+            <a:lvl4pPr marL="1828800" lvl="3" indent="-298450">
               <a:spcBef>
                 <a:spcPts val="0"/>
               </a:spcBef>
@@ -2365,7 +2433,7 @@
                 </a:solidFill>
               </a:defRPr>
             </a:lvl4pPr>
-            <a:lvl5pPr indent="-298450" lvl="4" marL="2286000">
+            <a:lvl5pPr marL="2286000" lvl="4" indent="-298450">
               <a:spcBef>
                 <a:spcPts val="0"/>
               </a:spcBef>
@@ -2383,7 +2451,7 @@
                 </a:solidFill>
               </a:defRPr>
             </a:lvl5pPr>
-            <a:lvl6pPr indent="-298450" lvl="5" marL="2743200">
+            <a:lvl6pPr marL="2743200" lvl="5" indent="-298450">
               <a:spcBef>
                 <a:spcPts val="0"/>
               </a:spcBef>
@@ -2401,7 +2469,7 @@
                 </a:solidFill>
               </a:defRPr>
             </a:lvl6pPr>
-            <a:lvl7pPr indent="-298450" lvl="6" marL="3200400">
+            <a:lvl7pPr marL="3200400" lvl="6" indent="-298450">
               <a:spcBef>
                 <a:spcPts val="0"/>
               </a:spcBef>
@@ -2419,7 +2487,7 @@
                 </a:solidFill>
               </a:defRPr>
             </a:lvl7pPr>
-            <a:lvl8pPr indent="-298450" lvl="7" marL="3657600">
+            <a:lvl8pPr marL="3657600" lvl="7" indent="-298450">
               <a:spcBef>
                 <a:spcPts val="0"/>
               </a:spcBef>
@@ -2437,7 +2505,7 @@
                 </a:solidFill>
               </a:defRPr>
             </a:lvl8pPr>
-            <a:lvl9pPr indent="-298450" lvl="8" marL="4114800">
+            <a:lvl9pPr marL="4114800" lvl="8" indent="-298450">
               <a:spcBef>
                 <a:spcPts val="0"/>
               </a:spcBef>
@@ -2456,15 +2524,19 @@
               </a:defRPr>
             </a:lvl9pPr>
           </a:lstStyle>
-          <a:p/>
+          <a:p>
+            <a:endParaRPr/>
+          </a:p>
         </p:txBody>
       </p:sp>
       <p:sp>
         <p:nvSpPr>
           <p:cNvPr id="57" name="Google Shape;57;p11"/>
-          <p:cNvSpPr txBox="1"/>
+          <p:cNvSpPr txBox="1">
+            <a:spLocks noGrp="1"/>
+          </p:cNvSpPr>
           <p:nvPr>
-            <p:ph idx="12" type="sldNum"/>
+            <p:ph type="sldNum" idx="12"/>
           </p:nvPr>
         </p:nvSpPr>
         <p:spPr>
@@ -2477,7 +2549,7 @@
           </a:prstGeom>
         </p:spPr>
         <p:txBody>
-          <a:bodyPr anchorCtr="0" anchor="ctr" bIns="91425" lIns="91425" spcFirstLastPara="1" rIns="91425" wrap="square" tIns="91425">
+          <a:bodyPr spcFirstLastPara="1" wrap="square" lIns="91425" tIns="91425" rIns="91425" bIns="91425" anchor="ctr" anchorCtr="0">
             <a:normAutofit/>
           </a:bodyPr>
           <a:lstStyle>
@@ -2555,7 +2627,7 @@
             </a:lvl9pPr>
           </a:lstStyle>
           <a:p>
-            <a:pPr indent="0" lvl="0" marL="0" rtl="0" algn="r">
+            <a:pPr marL="0" lvl="0" indent="0" algn="r" rtl="0">
               <a:spcBef>
                 <a:spcPts val="0"/>
               </a:spcBef>
@@ -2581,11 +2653,11 @@
 </file>
 
 <file path=ppt/slideLayouts/slideLayout11.xml><?xml version="1.0" encoding="utf-8"?>
-<p:sldLayout xmlns:a="http://schemas.openxmlformats.org/drawingml/2006/main" xmlns:r="http://schemas.openxmlformats.org/officeDocument/2006/relationships" xmlns:mc="http://schemas.openxmlformats.org/markup-compatibility/2006" xmlns:mv="urn:schemas-microsoft-com:mac:vml" xmlns:p="http://schemas.openxmlformats.org/presentationml/2006/main" xmlns:c="http://schemas.openxmlformats.org/drawingml/2006/chart" xmlns:dgm="http://schemas.openxmlformats.org/drawingml/2006/diagram" xmlns:o="urn:schemas-microsoft-com:office:office" xmlns:v="urn:schemas-microsoft-com:vml" xmlns:pvml="urn:schemas-microsoft-com:office:powerpoint" xmlns:com="http://schemas.openxmlformats.org/drawingml/2006/compatibility" xmlns:p14="http://schemas.microsoft.com/office/powerpoint/2010/main" xmlns:p15="http://schemas.microsoft.com/office/powerpoint/2012/main" xmlns:ahyp="http://schemas.microsoft.com/office/drawing/2018/hyperlinkcolor" matchingName="Blank" type="blank">
+<p:sldLayout xmlns:a="http://schemas.openxmlformats.org/drawingml/2006/main" xmlns:r="http://schemas.openxmlformats.org/officeDocument/2006/relationships" xmlns:p="http://schemas.openxmlformats.org/presentationml/2006/main" matchingName="Blank" type="blank">
   <p:cSld name="BLANK">
     <p:spTree>
       <p:nvGrpSpPr>
-        <p:cNvPr id="58" name="Shape 58"/>
+        <p:cNvPr id="1" name="Shape 58"/>
         <p:cNvGrpSpPr/>
         <p:nvPr/>
       </p:nvGrpSpPr>
@@ -2600,9 +2672,11 @@
       <p:sp>
         <p:nvSpPr>
           <p:cNvPr id="59" name="Google Shape;59;p12"/>
-          <p:cNvSpPr txBox="1"/>
+          <p:cNvSpPr txBox="1">
+            <a:spLocks noGrp="1"/>
+          </p:cNvSpPr>
           <p:nvPr>
-            <p:ph idx="12" type="sldNum"/>
+            <p:ph type="sldNum" idx="12"/>
           </p:nvPr>
         </p:nvSpPr>
         <p:spPr>
@@ -2615,7 +2689,7 @@
           </a:prstGeom>
         </p:spPr>
         <p:txBody>
-          <a:bodyPr anchorCtr="0" anchor="ctr" bIns="91425" lIns="91425" spcFirstLastPara="1" rIns="91425" wrap="square" tIns="91425">
+          <a:bodyPr spcFirstLastPara="1" wrap="square" lIns="91425" tIns="91425" rIns="91425" bIns="91425" anchor="ctr" anchorCtr="0">
             <a:normAutofit/>
           </a:bodyPr>
           <a:lstStyle>
@@ -2657,7 +2731,7 @@
             </a:lvl9pPr>
           </a:lstStyle>
           <a:p>
-            <a:pPr indent="0" lvl="0" marL="0" rtl="0" algn="r">
+            <a:pPr marL="0" lvl="0" indent="0" algn="r" rtl="0">
               <a:spcBef>
                 <a:spcPts val="0"/>
               </a:spcBef>
@@ -2683,18 +2757,19 @@
 </file>
 
 <file path=ppt/slideLayouts/slideLayout2.xml><?xml version="1.0" encoding="utf-8"?>
-<p:sldLayout xmlns:a="http://schemas.openxmlformats.org/drawingml/2006/main" xmlns:r="http://schemas.openxmlformats.org/officeDocument/2006/relationships" xmlns:mc="http://schemas.openxmlformats.org/markup-compatibility/2006" xmlns:mv="urn:schemas-microsoft-com:mac:vml" xmlns:p="http://schemas.openxmlformats.org/presentationml/2006/main" xmlns:c="http://schemas.openxmlformats.org/drawingml/2006/chart" xmlns:dgm="http://schemas.openxmlformats.org/drawingml/2006/diagram" xmlns:o="urn:schemas-microsoft-com:office:office" xmlns:v="urn:schemas-microsoft-com:vml" xmlns:pvml="urn:schemas-microsoft-com:office:powerpoint" xmlns:com="http://schemas.openxmlformats.org/drawingml/2006/compatibility" xmlns:p14="http://schemas.microsoft.com/office/powerpoint/2010/main" xmlns:p15="http://schemas.microsoft.com/office/powerpoint/2012/main" xmlns:ahyp="http://schemas.microsoft.com/office/drawing/2018/hyperlinkcolor" matchingName="Section header" type="secHead">
+<p:sldLayout xmlns:a="http://schemas.openxmlformats.org/drawingml/2006/main" xmlns:r="http://schemas.openxmlformats.org/officeDocument/2006/relationships" xmlns:p="http://schemas.openxmlformats.org/presentationml/2006/main" matchingName="Section header" type="secHead">
   <p:cSld name="SECTION_HEADER">
     <p:bg>
       <p:bgPr>
         <a:solidFill>
           <a:schemeClr val="accent3"/>
         </a:solidFill>
+        <a:effectLst/>
       </p:bgPr>
     </p:bg>
     <p:spTree>
       <p:nvGrpSpPr>
-        <p:cNvPr id="14" name="Shape 14"/>
+        <p:cNvPr id="1" name="Shape 14"/>
         <p:cNvGrpSpPr/>
         <p:nvPr/>
       </p:nvGrpSpPr>
@@ -2718,9 +2793,13 @@
             <a:ext cx="9144250" cy="4398100"/>
           </a:xfrm>
           <a:custGeom>
-            <a:rect b="b" l="l" r="r" t="t"/>
+            <a:avLst/>
+            <a:gdLst/>
+            <a:ahLst/>
+            <a:cxnLst/>
+            <a:rect l="l" t="t" r="r" b="b"/>
             <a:pathLst>
-              <a:path extrusionOk="0" h="175924" w="365770">
+              <a:path w="365770" h="175924" extrusionOk="0">
                 <a:moveTo>
                   <a:pt x="0" y="0"/>
                 </a:moveTo>
@@ -2757,9 +2836,13 @@
             <a:ext cx="9144250" cy="4398100"/>
           </a:xfrm>
           <a:custGeom>
-            <a:rect b="b" l="l" r="r" t="t"/>
+            <a:avLst/>
+            <a:gdLst/>
+            <a:ahLst/>
+            <a:cxnLst/>
+            <a:rect l="l" t="t" r="r" b="b"/>
             <a:pathLst>
-              <a:path extrusionOk="0" h="175924" w="365770">
+              <a:path w="365770" h="175924" extrusionOk="0">
                 <a:moveTo>
                   <a:pt x="0" y="0"/>
                 </a:moveTo>
@@ -2787,7 +2870,9 @@
       <p:sp>
         <p:nvSpPr>
           <p:cNvPr id="17" name="Google Shape;17;p3"/>
-          <p:cNvSpPr txBox="1"/>
+          <p:cNvSpPr txBox="1">
+            <a:spLocks noGrp="1"/>
+          </p:cNvSpPr>
           <p:nvPr>
             <p:ph type="title"/>
           </p:nvPr>
@@ -2802,7 +2887,7 @@
           </a:prstGeom>
         </p:spPr>
         <p:txBody>
-          <a:bodyPr anchorCtr="0" anchor="t" bIns="91425" lIns="91425" spcFirstLastPara="1" rIns="91425" wrap="square" tIns="91425">
+          <a:bodyPr spcFirstLastPara="1" wrap="square" lIns="91425" tIns="91425" rIns="91425" bIns="91425" anchor="t" anchorCtr="0">
             <a:normAutofit/>
           </a:bodyPr>
           <a:lstStyle>
@@ -2906,15 +2991,19 @@
               <a:defRPr sz="3600"/>
             </a:lvl9pPr>
           </a:lstStyle>
-          <a:p/>
+          <a:p>
+            <a:endParaRPr/>
+          </a:p>
         </p:txBody>
       </p:sp>
       <p:sp>
         <p:nvSpPr>
           <p:cNvPr id="18" name="Google Shape;18;p3"/>
-          <p:cNvSpPr txBox="1"/>
+          <p:cNvSpPr txBox="1">
+            <a:spLocks noGrp="1"/>
+          </p:cNvSpPr>
           <p:nvPr>
-            <p:ph idx="12" type="sldNum"/>
+            <p:ph type="sldNum" idx="12"/>
           </p:nvPr>
         </p:nvSpPr>
         <p:spPr>
@@ -2927,7 +3016,7 @@
           </a:prstGeom>
         </p:spPr>
         <p:txBody>
-          <a:bodyPr anchorCtr="0" anchor="ctr" bIns="91425" lIns="91425" spcFirstLastPara="1" rIns="91425" wrap="square" tIns="91425">
+          <a:bodyPr spcFirstLastPara="1" wrap="square" lIns="91425" tIns="91425" rIns="91425" bIns="91425" anchor="ctr" anchorCtr="0">
             <a:normAutofit/>
           </a:bodyPr>
           <a:lstStyle>
@@ -3005,7 +3094,7 @@
             </a:lvl9pPr>
           </a:lstStyle>
           <a:p>
-            <a:pPr indent="0" lvl="0" marL="0" rtl="0" algn="r">
+            <a:pPr marL="0" lvl="0" indent="0" algn="r" rtl="0">
               <a:spcBef>
                 <a:spcPts val="0"/>
               </a:spcBef>
@@ -3031,11 +3120,11 @@
 </file>
 
 <file path=ppt/slideLayouts/slideLayout3.xml><?xml version="1.0" encoding="utf-8"?>
-<p:sldLayout xmlns:a="http://schemas.openxmlformats.org/drawingml/2006/main" xmlns:r="http://schemas.openxmlformats.org/officeDocument/2006/relationships" xmlns:mc="http://schemas.openxmlformats.org/markup-compatibility/2006" xmlns:mv="urn:schemas-microsoft-com:mac:vml" xmlns:p="http://schemas.openxmlformats.org/presentationml/2006/main" xmlns:c="http://schemas.openxmlformats.org/drawingml/2006/chart" xmlns:dgm="http://schemas.openxmlformats.org/drawingml/2006/diagram" xmlns:o="urn:schemas-microsoft-com:office:office" xmlns:v="urn:schemas-microsoft-com:vml" xmlns:pvml="urn:schemas-microsoft-com:office:powerpoint" xmlns:com="http://schemas.openxmlformats.org/drawingml/2006/compatibility" xmlns:p14="http://schemas.microsoft.com/office/powerpoint/2010/main" xmlns:p15="http://schemas.microsoft.com/office/powerpoint/2012/main" xmlns:ahyp="http://schemas.microsoft.com/office/drawing/2018/hyperlinkcolor" matchingName="Title and body" type="tx">
+<p:sldLayout xmlns:a="http://schemas.openxmlformats.org/drawingml/2006/main" xmlns:r="http://schemas.openxmlformats.org/officeDocument/2006/relationships" xmlns:p="http://schemas.openxmlformats.org/presentationml/2006/main" matchingName="Title and body" type="tx">
   <p:cSld name="TITLE_AND_BODY">
     <p:spTree>
       <p:nvGrpSpPr>
-        <p:cNvPr id="19" name="Shape 19"/>
+        <p:cNvPr id="1" name="Shape 19"/>
         <p:cNvGrpSpPr/>
         <p:nvPr/>
       </p:nvGrpSpPr>
@@ -3069,12 +3158,12 @@
           </a:ln>
         </p:spPr>
         <p:txBody>
-          <a:bodyPr anchorCtr="0" anchor="ctr" bIns="91425" lIns="91425" spcFirstLastPara="1" rIns="91425" wrap="square" tIns="91425">
+          <a:bodyPr spcFirstLastPara="1" wrap="square" lIns="91425" tIns="91425" rIns="91425" bIns="91425" anchor="ctr" anchorCtr="0">
             <a:noAutofit/>
           </a:bodyPr>
           <a:lstStyle/>
           <a:p>
-            <a:pPr indent="0" lvl="0" marL="0" rtl="0" algn="l">
+            <a:pPr marL="0" lvl="0" indent="0" algn="l" rtl="0">
               <a:spcBef>
                 <a:spcPts val="0"/>
               </a:spcBef>
@@ -3083,9 +3172,6 @@
               </a:spcAft>
               <a:buNone/>
             </a:pPr>
-            <a:r>
-              <a:t/>
-            </a:r>
             <a:endParaRPr/>
           </a:p>
         </p:txBody>
@@ -3102,9 +3188,13 @@
             <a:ext cx="4313625" cy="4399375"/>
           </a:xfrm>
           <a:custGeom>
-            <a:rect b="b" l="l" r="r" t="t"/>
+            <a:avLst/>
+            <a:gdLst/>
+            <a:ahLst/>
+            <a:cxnLst/>
+            <a:rect l="l" t="t" r="r" b="b"/>
             <a:pathLst>
-              <a:path extrusionOk="0" h="175975" w="172545">
+              <a:path w="172545" h="175975" extrusionOk="0">
                 <a:moveTo>
                   <a:pt x="0" y="157"/>
                 </a:moveTo>
@@ -3141,9 +3231,13 @@
             <a:ext cx="4316900" cy="4395600"/>
           </a:xfrm>
           <a:custGeom>
-            <a:rect b="b" l="l" r="r" t="t"/>
+            <a:avLst/>
+            <a:gdLst/>
+            <a:ahLst/>
+            <a:cxnLst/>
+            <a:rect l="l" t="t" r="r" b="b"/>
             <a:pathLst>
-              <a:path extrusionOk="0" h="175824" w="172676">
+              <a:path w="172676" h="175824" extrusionOk="0">
                 <a:moveTo>
                   <a:pt x="0" y="6"/>
                 </a:moveTo>
@@ -3171,7 +3265,9 @@
       <p:sp>
         <p:nvSpPr>
           <p:cNvPr id="23" name="Google Shape;23;p4"/>
-          <p:cNvSpPr txBox="1"/>
+          <p:cNvSpPr txBox="1">
+            <a:spLocks noGrp="1"/>
+          </p:cNvSpPr>
           <p:nvPr>
             <p:ph type="title"/>
           </p:nvPr>
@@ -3186,7 +3282,7 @@
           </a:prstGeom>
         </p:spPr>
         <p:txBody>
-          <a:bodyPr anchorCtr="0" anchor="t" bIns="91425" lIns="91425" spcFirstLastPara="1" rIns="91425" wrap="square" tIns="91425">
+          <a:bodyPr spcFirstLastPara="1" wrap="square" lIns="91425" tIns="91425" rIns="91425" bIns="91425" anchor="t" anchorCtr="0">
             <a:normAutofit/>
           </a:bodyPr>
           <a:lstStyle>
@@ -3353,15 +3449,19 @@
               </a:defRPr>
             </a:lvl9pPr>
           </a:lstStyle>
-          <a:p/>
+          <a:p>
+            <a:endParaRPr/>
+          </a:p>
         </p:txBody>
       </p:sp>
       <p:sp>
         <p:nvSpPr>
           <p:cNvPr id="24" name="Google Shape;24;p4"/>
-          <p:cNvSpPr txBox="1"/>
+          <p:cNvSpPr txBox="1">
+            <a:spLocks noGrp="1"/>
+          </p:cNvSpPr>
           <p:nvPr>
-            <p:ph idx="1" type="body"/>
+            <p:ph type="body" idx="1"/>
           </p:nvPr>
         </p:nvSpPr>
         <p:spPr>
@@ -3374,11 +3474,11 @@
           </a:prstGeom>
         </p:spPr>
         <p:txBody>
-          <a:bodyPr anchorCtr="0" anchor="t" bIns="91425" lIns="91425" spcFirstLastPara="1" rIns="91425" wrap="square" tIns="91425">
+          <a:bodyPr spcFirstLastPara="1" wrap="square" lIns="91425" tIns="91425" rIns="91425" bIns="91425" anchor="t" anchorCtr="0">
             <a:normAutofit/>
           </a:bodyPr>
           <a:lstStyle>
-            <a:lvl1pPr indent="-311150" lvl="0" marL="457200">
+            <a:lvl1pPr marL="457200" lvl="0" indent="-311150">
               <a:spcBef>
                 <a:spcPts val="0"/>
               </a:spcBef>
@@ -3389,7 +3489,7 @@
               <a:buChar char="●"/>
               <a:defRPr/>
             </a:lvl1pPr>
-            <a:lvl2pPr indent="-298450" lvl="1" marL="914400">
+            <a:lvl2pPr marL="914400" lvl="1" indent="-298450">
               <a:spcBef>
                 <a:spcPts val="0"/>
               </a:spcBef>
@@ -3400,7 +3500,7 @@
               <a:buChar char="○"/>
               <a:defRPr/>
             </a:lvl2pPr>
-            <a:lvl3pPr indent="-298450" lvl="2" marL="1371600">
+            <a:lvl3pPr marL="1371600" lvl="2" indent="-298450">
               <a:spcBef>
                 <a:spcPts val="0"/>
               </a:spcBef>
@@ -3411,7 +3511,7 @@
               <a:buChar char="■"/>
               <a:defRPr/>
             </a:lvl3pPr>
-            <a:lvl4pPr indent="-298450" lvl="3" marL="1828800">
+            <a:lvl4pPr marL="1828800" lvl="3" indent="-298450">
               <a:spcBef>
                 <a:spcPts val="0"/>
               </a:spcBef>
@@ -3422,7 +3522,7 @@
               <a:buChar char="●"/>
               <a:defRPr/>
             </a:lvl4pPr>
-            <a:lvl5pPr indent="-298450" lvl="4" marL="2286000">
+            <a:lvl5pPr marL="2286000" lvl="4" indent="-298450">
               <a:spcBef>
                 <a:spcPts val="0"/>
               </a:spcBef>
@@ -3433,7 +3533,7 @@
               <a:buChar char="○"/>
               <a:defRPr/>
             </a:lvl5pPr>
-            <a:lvl6pPr indent="-298450" lvl="5" marL="2743200">
+            <a:lvl6pPr marL="2743200" lvl="5" indent="-298450">
               <a:spcBef>
                 <a:spcPts val="0"/>
               </a:spcBef>
@@ -3444,7 +3544,7 @@
               <a:buChar char="■"/>
               <a:defRPr/>
             </a:lvl6pPr>
-            <a:lvl7pPr indent="-298450" lvl="6" marL="3200400">
+            <a:lvl7pPr marL="3200400" lvl="6" indent="-298450">
               <a:spcBef>
                 <a:spcPts val="0"/>
               </a:spcBef>
@@ -3455,7 +3555,7 @@
               <a:buChar char="●"/>
               <a:defRPr/>
             </a:lvl7pPr>
-            <a:lvl8pPr indent="-298450" lvl="7" marL="3657600">
+            <a:lvl8pPr marL="3657600" lvl="7" indent="-298450">
               <a:spcBef>
                 <a:spcPts val="0"/>
               </a:spcBef>
@@ -3466,7 +3566,7 @@
               <a:buChar char="○"/>
               <a:defRPr/>
             </a:lvl8pPr>
-            <a:lvl9pPr indent="-298450" lvl="8" marL="4114800">
+            <a:lvl9pPr marL="4114800" lvl="8" indent="-298450">
               <a:spcBef>
                 <a:spcPts val="0"/>
               </a:spcBef>
@@ -3478,15 +3578,19 @@
               <a:defRPr/>
             </a:lvl9pPr>
           </a:lstStyle>
-          <a:p/>
+          <a:p>
+            <a:endParaRPr/>
+          </a:p>
         </p:txBody>
       </p:sp>
       <p:sp>
         <p:nvSpPr>
           <p:cNvPr id="25" name="Google Shape;25;p4"/>
-          <p:cNvSpPr txBox="1"/>
+          <p:cNvSpPr txBox="1">
+            <a:spLocks noGrp="1"/>
+          </p:cNvSpPr>
           <p:nvPr>
-            <p:ph idx="12" type="sldNum"/>
+            <p:ph type="sldNum" idx="12"/>
           </p:nvPr>
         </p:nvSpPr>
         <p:spPr>
@@ -3499,7 +3603,7 @@
           </a:prstGeom>
         </p:spPr>
         <p:txBody>
-          <a:bodyPr anchorCtr="0" anchor="ctr" bIns="91425" lIns="91425" spcFirstLastPara="1" rIns="91425" wrap="square" tIns="91425">
+          <a:bodyPr spcFirstLastPara="1" wrap="square" lIns="91425" tIns="91425" rIns="91425" bIns="91425" anchor="ctr" anchorCtr="0">
             <a:normAutofit/>
           </a:bodyPr>
           <a:lstStyle>
@@ -3541,7 +3645,7 @@
             </a:lvl9pPr>
           </a:lstStyle>
           <a:p>
-            <a:pPr indent="0" lvl="0" marL="0" rtl="0" algn="r">
+            <a:pPr marL="0" lvl="0" indent="0" algn="r" rtl="0">
               <a:spcBef>
                 <a:spcPts val="0"/>
               </a:spcBef>
@@ -3567,11 +3671,11 @@
 </file>
 
 <file path=ppt/slideLayouts/slideLayout4.xml><?xml version="1.0" encoding="utf-8"?>
-<p:sldLayout xmlns:a="http://schemas.openxmlformats.org/drawingml/2006/main" xmlns:r="http://schemas.openxmlformats.org/officeDocument/2006/relationships" xmlns:mc="http://schemas.openxmlformats.org/markup-compatibility/2006" xmlns:mv="urn:schemas-microsoft-com:mac:vml" xmlns:p="http://schemas.openxmlformats.org/presentationml/2006/main" xmlns:c="http://schemas.openxmlformats.org/drawingml/2006/chart" xmlns:dgm="http://schemas.openxmlformats.org/drawingml/2006/diagram" xmlns:o="urn:schemas-microsoft-com:office:office" xmlns:v="urn:schemas-microsoft-com:vml" xmlns:pvml="urn:schemas-microsoft-com:office:powerpoint" xmlns:com="http://schemas.openxmlformats.org/drawingml/2006/compatibility" xmlns:p14="http://schemas.microsoft.com/office/powerpoint/2010/main" xmlns:p15="http://schemas.microsoft.com/office/powerpoint/2012/main" xmlns:ahyp="http://schemas.microsoft.com/office/drawing/2018/hyperlinkcolor" matchingName="Title and two columns" type="twoColTx">
+<p:sldLayout xmlns:a="http://schemas.openxmlformats.org/drawingml/2006/main" xmlns:r="http://schemas.openxmlformats.org/officeDocument/2006/relationships" xmlns:p="http://schemas.openxmlformats.org/presentationml/2006/main" matchingName="Title and two columns" type="twoColTx">
   <p:cSld name="TITLE_AND_TWO_COLUMNS">
     <p:spTree>
       <p:nvGrpSpPr>
-        <p:cNvPr id="26" name="Shape 26"/>
+        <p:cNvPr id="1" name="Shape 26"/>
         <p:cNvGrpSpPr/>
         <p:nvPr/>
       </p:nvGrpSpPr>
@@ -3605,12 +3709,12 @@
           </a:ln>
         </p:spPr>
         <p:txBody>
-          <a:bodyPr anchorCtr="0" anchor="ctr" bIns="91425" lIns="91425" spcFirstLastPara="1" rIns="91425" wrap="square" tIns="91425">
+          <a:bodyPr spcFirstLastPara="1" wrap="square" lIns="91425" tIns="91425" rIns="91425" bIns="91425" anchor="ctr" anchorCtr="0">
             <a:noAutofit/>
           </a:bodyPr>
           <a:lstStyle/>
           <a:p>
-            <a:pPr indent="0" lvl="0" marL="0" rtl="0" algn="l">
+            <a:pPr marL="0" lvl="0" indent="0" algn="l" rtl="0">
               <a:spcBef>
                 <a:spcPts val="0"/>
               </a:spcBef>
@@ -3619,9 +3723,6 @@
               </a:spcAft>
               <a:buNone/>
             </a:pPr>
-            <a:r>
-              <a:t/>
-            </a:r>
             <a:endParaRPr/>
           </a:p>
         </p:txBody>
@@ -3629,7 +3730,9 @@
       <p:sp>
         <p:nvSpPr>
           <p:cNvPr id="28" name="Google Shape;28;p5"/>
-          <p:cNvSpPr txBox="1"/>
+          <p:cNvSpPr txBox="1">
+            <a:spLocks noGrp="1"/>
+          </p:cNvSpPr>
           <p:nvPr>
             <p:ph type="title"/>
           </p:nvPr>
@@ -3644,7 +3747,7 @@
           </a:prstGeom>
         </p:spPr>
         <p:txBody>
-          <a:bodyPr anchorCtr="0" anchor="t" bIns="91425" lIns="91425" spcFirstLastPara="1" rIns="91425" wrap="square" tIns="91425">
+          <a:bodyPr spcFirstLastPara="1" wrap="square" lIns="91425" tIns="91425" rIns="91425" bIns="91425" anchor="t" anchorCtr="0">
             <a:normAutofit/>
           </a:bodyPr>
           <a:lstStyle>
@@ -3811,15 +3914,19 @@
               </a:defRPr>
             </a:lvl9pPr>
           </a:lstStyle>
-          <a:p/>
+          <a:p>
+            <a:endParaRPr/>
+          </a:p>
         </p:txBody>
       </p:sp>
       <p:sp>
         <p:nvSpPr>
           <p:cNvPr id="29" name="Google Shape;29;p5"/>
-          <p:cNvSpPr txBox="1"/>
+          <p:cNvSpPr txBox="1">
+            <a:spLocks noGrp="1"/>
+          </p:cNvSpPr>
           <p:nvPr>
-            <p:ph idx="1" type="body"/>
+            <p:ph type="body" idx="1"/>
           </p:nvPr>
         </p:nvSpPr>
         <p:spPr>
@@ -3832,11 +3939,11 @@
           </a:prstGeom>
         </p:spPr>
         <p:txBody>
-          <a:bodyPr anchorCtr="0" anchor="t" bIns="91425" lIns="91425" spcFirstLastPara="1" rIns="91425" wrap="square" tIns="91425">
+          <a:bodyPr spcFirstLastPara="1" wrap="square" lIns="91425" tIns="91425" rIns="91425" bIns="91425" anchor="t" anchorCtr="0">
             <a:normAutofit/>
           </a:bodyPr>
           <a:lstStyle>
-            <a:lvl1pPr indent="-311150" lvl="0" marL="457200">
+            <a:lvl1pPr marL="457200" lvl="0" indent="-311150">
               <a:spcBef>
                 <a:spcPts val="0"/>
               </a:spcBef>
@@ -3847,7 +3954,7 @@
               <a:buChar char="●"/>
               <a:defRPr/>
             </a:lvl1pPr>
-            <a:lvl2pPr indent="-298450" lvl="1" marL="914400">
+            <a:lvl2pPr marL="914400" lvl="1" indent="-298450">
               <a:spcBef>
                 <a:spcPts val="0"/>
               </a:spcBef>
@@ -3858,7 +3965,7 @@
               <a:buChar char="○"/>
               <a:defRPr/>
             </a:lvl2pPr>
-            <a:lvl3pPr indent="-298450" lvl="2" marL="1371600">
+            <a:lvl3pPr marL="1371600" lvl="2" indent="-298450">
               <a:spcBef>
                 <a:spcPts val="0"/>
               </a:spcBef>
@@ -3869,7 +3976,7 @@
               <a:buChar char="■"/>
               <a:defRPr/>
             </a:lvl3pPr>
-            <a:lvl4pPr indent="-298450" lvl="3" marL="1828800">
+            <a:lvl4pPr marL="1828800" lvl="3" indent="-298450">
               <a:spcBef>
                 <a:spcPts val="0"/>
               </a:spcBef>
@@ -3880,7 +3987,7 @@
               <a:buChar char="●"/>
               <a:defRPr/>
             </a:lvl4pPr>
-            <a:lvl5pPr indent="-298450" lvl="4" marL="2286000">
+            <a:lvl5pPr marL="2286000" lvl="4" indent="-298450">
               <a:spcBef>
                 <a:spcPts val="0"/>
               </a:spcBef>
@@ -3891,7 +3998,7 @@
               <a:buChar char="○"/>
               <a:defRPr/>
             </a:lvl5pPr>
-            <a:lvl6pPr indent="-298450" lvl="5" marL="2743200">
+            <a:lvl6pPr marL="2743200" lvl="5" indent="-298450">
               <a:spcBef>
                 <a:spcPts val="0"/>
               </a:spcBef>
@@ -3902,7 +4009,7 @@
               <a:buChar char="■"/>
               <a:defRPr/>
             </a:lvl6pPr>
-            <a:lvl7pPr indent="-298450" lvl="6" marL="3200400">
+            <a:lvl7pPr marL="3200400" lvl="6" indent="-298450">
               <a:spcBef>
                 <a:spcPts val="0"/>
               </a:spcBef>
@@ -3913,7 +4020,7 @@
               <a:buChar char="●"/>
               <a:defRPr/>
             </a:lvl7pPr>
-            <a:lvl8pPr indent="-298450" lvl="7" marL="3657600">
+            <a:lvl8pPr marL="3657600" lvl="7" indent="-298450">
               <a:spcBef>
                 <a:spcPts val="0"/>
               </a:spcBef>
@@ -3924,7 +4031,7 @@
               <a:buChar char="○"/>
               <a:defRPr/>
             </a:lvl8pPr>
-            <a:lvl9pPr indent="-298450" lvl="8" marL="4114800">
+            <a:lvl9pPr marL="4114800" lvl="8" indent="-298450">
               <a:spcBef>
                 <a:spcPts val="0"/>
               </a:spcBef>
@@ -3936,15 +4043,19 @@
               <a:defRPr/>
             </a:lvl9pPr>
           </a:lstStyle>
-          <a:p/>
+          <a:p>
+            <a:endParaRPr/>
+          </a:p>
         </p:txBody>
       </p:sp>
       <p:sp>
         <p:nvSpPr>
           <p:cNvPr id="30" name="Google Shape;30;p5"/>
-          <p:cNvSpPr txBox="1"/>
+          <p:cNvSpPr txBox="1">
+            <a:spLocks noGrp="1"/>
+          </p:cNvSpPr>
           <p:nvPr>
-            <p:ph idx="2" type="body"/>
+            <p:ph type="body" idx="2"/>
           </p:nvPr>
         </p:nvSpPr>
         <p:spPr>
@@ -3957,11 +4068,11 @@
           </a:prstGeom>
         </p:spPr>
         <p:txBody>
-          <a:bodyPr anchorCtr="0" anchor="t" bIns="91425" lIns="91425" spcFirstLastPara="1" rIns="91425" wrap="square" tIns="91425">
+          <a:bodyPr spcFirstLastPara="1" wrap="square" lIns="91425" tIns="91425" rIns="91425" bIns="91425" anchor="t" anchorCtr="0">
             <a:normAutofit/>
           </a:bodyPr>
           <a:lstStyle>
-            <a:lvl1pPr indent="-311150" lvl="0" marL="457200">
+            <a:lvl1pPr marL="457200" lvl="0" indent="-311150">
               <a:spcBef>
                 <a:spcPts val="0"/>
               </a:spcBef>
@@ -3972,7 +4083,7 @@
               <a:buChar char="●"/>
               <a:defRPr/>
             </a:lvl1pPr>
-            <a:lvl2pPr indent="-298450" lvl="1" marL="914400">
+            <a:lvl2pPr marL="914400" lvl="1" indent="-298450">
               <a:spcBef>
                 <a:spcPts val="0"/>
               </a:spcBef>
@@ -3983,7 +4094,7 @@
               <a:buChar char="○"/>
               <a:defRPr/>
             </a:lvl2pPr>
-            <a:lvl3pPr indent="-298450" lvl="2" marL="1371600">
+            <a:lvl3pPr marL="1371600" lvl="2" indent="-298450">
               <a:spcBef>
                 <a:spcPts val="0"/>
               </a:spcBef>
@@ -3994,7 +4105,7 @@
               <a:buChar char="■"/>
               <a:defRPr/>
             </a:lvl3pPr>
-            <a:lvl4pPr indent="-298450" lvl="3" marL="1828800">
+            <a:lvl4pPr marL="1828800" lvl="3" indent="-298450">
               <a:spcBef>
                 <a:spcPts val="0"/>
               </a:spcBef>
@@ -4005,7 +4116,7 @@
               <a:buChar char="●"/>
               <a:defRPr/>
             </a:lvl4pPr>
-            <a:lvl5pPr indent="-298450" lvl="4" marL="2286000">
+            <a:lvl5pPr marL="2286000" lvl="4" indent="-298450">
               <a:spcBef>
                 <a:spcPts val="0"/>
               </a:spcBef>
@@ -4016,7 +4127,7 @@
               <a:buChar char="○"/>
               <a:defRPr/>
             </a:lvl5pPr>
-            <a:lvl6pPr indent="-298450" lvl="5" marL="2743200">
+            <a:lvl6pPr marL="2743200" lvl="5" indent="-298450">
               <a:spcBef>
                 <a:spcPts val="0"/>
               </a:spcBef>
@@ -4027,7 +4138,7 @@
               <a:buChar char="■"/>
               <a:defRPr/>
             </a:lvl6pPr>
-            <a:lvl7pPr indent="-298450" lvl="6" marL="3200400">
+            <a:lvl7pPr marL="3200400" lvl="6" indent="-298450">
               <a:spcBef>
                 <a:spcPts val="0"/>
               </a:spcBef>
@@ -4038,7 +4149,7 @@
               <a:buChar char="●"/>
               <a:defRPr/>
             </a:lvl7pPr>
-            <a:lvl8pPr indent="-298450" lvl="7" marL="3657600">
+            <a:lvl8pPr marL="3657600" lvl="7" indent="-298450">
               <a:spcBef>
                 <a:spcPts val="0"/>
               </a:spcBef>
@@ -4049,7 +4160,7 @@
               <a:buChar char="○"/>
               <a:defRPr/>
             </a:lvl8pPr>
-            <a:lvl9pPr indent="-298450" lvl="8" marL="4114800">
+            <a:lvl9pPr marL="4114800" lvl="8" indent="-298450">
               <a:spcBef>
                 <a:spcPts val="0"/>
               </a:spcBef>
@@ -4061,15 +4172,19 @@
               <a:defRPr/>
             </a:lvl9pPr>
           </a:lstStyle>
-          <a:p/>
+          <a:p>
+            <a:endParaRPr/>
+          </a:p>
         </p:txBody>
       </p:sp>
       <p:sp>
         <p:nvSpPr>
           <p:cNvPr id="31" name="Google Shape;31;p5"/>
-          <p:cNvSpPr txBox="1"/>
+          <p:cNvSpPr txBox="1">
+            <a:spLocks noGrp="1"/>
+          </p:cNvSpPr>
           <p:nvPr>
-            <p:ph idx="12" type="sldNum"/>
+            <p:ph type="sldNum" idx="12"/>
           </p:nvPr>
         </p:nvSpPr>
         <p:spPr>
@@ -4082,7 +4197,7 @@
           </a:prstGeom>
         </p:spPr>
         <p:txBody>
-          <a:bodyPr anchorCtr="0" anchor="ctr" bIns="91425" lIns="91425" spcFirstLastPara="1" rIns="91425" wrap="square" tIns="91425">
+          <a:bodyPr spcFirstLastPara="1" wrap="square" lIns="91425" tIns="91425" rIns="91425" bIns="91425" anchor="ctr" anchorCtr="0">
             <a:normAutofit/>
           </a:bodyPr>
           <a:lstStyle>
@@ -4124,7 +4239,7 @@
             </a:lvl9pPr>
           </a:lstStyle>
           <a:p>
-            <a:pPr indent="0" lvl="0" marL="0" rtl="0" algn="r">
+            <a:pPr marL="0" lvl="0" indent="0" algn="r" rtl="0">
               <a:spcBef>
                 <a:spcPts val="0"/>
               </a:spcBef>
@@ -4150,11 +4265,11 @@
 </file>
 
 <file path=ppt/slideLayouts/slideLayout5.xml><?xml version="1.0" encoding="utf-8"?>
-<p:sldLayout xmlns:a="http://schemas.openxmlformats.org/drawingml/2006/main" xmlns:r="http://schemas.openxmlformats.org/officeDocument/2006/relationships" xmlns:mc="http://schemas.openxmlformats.org/markup-compatibility/2006" xmlns:mv="urn:schemas-microsoft-com:mac:vml" xmlns:p="http://schemas.openxmlformats.org/presentationml/2006/main" xmlns:c="http://schemas.openxmlformats.org/drawingml/2006/chart" xmlns:dgm="http://schemas.openxmlformats.org/drawingml/2006/diagram" xmlns:o="urn:schemas-microsoft-com:office:office" xmlns:v="urn:schemas-microsoft-com:vml" xmlns:pvml="urn:schemas-microsoft-com:office:powerpoint" xmlns:com="http://schemas.openxmlformats.org/drawingml/2006/compatibility" xmlns:p14="http://schemas.microsoft.com/office/powerpoint/2010/main" xmlns:p15="http://schemas.microsoft.com/office/powerpoint/2012/main" xmlns:ahyp="http://schemas.microsoft.com/office/drawing/2018/hyperlinkcolor" matchingName="Title only" type="titleOnly">
+<p:sldLayout xmlns:a="http://schemas.openxmlformats.org/drawingml/2006/main" xmlns:r="http://schemas.openxmlformats.org/officeDocument/2006/relationships" xmlns:p="http://schemas.openxmlformats.org/presentationml/2006/main" matchingName="Title only" type="titleOnly">
   <p:cSld name="TITLE_ONLY">
     <p:spTree>
       <p:nvGrpSpPr>
-        <p:cNvPr id="32" name="Shape 32"/>
+        <p:cNvPr id="1" name="Shape 32"/>
         <p:cNvGrpSpPr/>
         <p:nvPr/>
       </p:nvGrpSpPr>
@@ -4188,12 +4303,12 @@
           </a:ln>
         </p:spPr>
         <p:txBody>
-          <a:bodyPr anchorCtr="0" anchor="ctr" bIns="91425" lIns="91425" spcFirstLastPara="1" rIns="91425" wrap="square" tIns="91425">
+          <a:bodyPr spcFirstLastPara="1" wrap="square" lIns="91425" tIns="91425" rIns="91425" bIns="91425" anchor="ctr" anchorCtr="0">
             <a:noAutofit/>
           </a:bodyPr>
           <a:lstStyle/>
           <a:p>
-            <a:pPr indent="0" lvl="0" marL="0" rtl="0" algn="l">
+            <a:pPr marL="0" lvl="0" indent="0" algn="l" rtl="0">
               <a:spcBef>
                 <a:spcPts val="0"/>
               </a:spcBef>
@@ -4202,9 +4317,6 @@
               </a:spcAft>
               <a:buNone/>
             </a:pPr>
-            <a:r>
-              <a:t/>
-            </a:r>
             <a:endParaRPr/>
           </a:p>
         </p:txBody>
@@ -4212,7 +4324,9 @@
       <p:sp>
         <p:nvSpPr>
           <p:cNvPr id="34" name="Google Shape;34;p6"/>
-          <p:cNvSpPr txBox="1"/>
+          <p:cNvSpPr txBox="1">
+            <a:spLocks noGrp="1"/>
+          </p:cNvSpPr>
           <p:nvPr>
             <p:ph type="title"/>
           </p:nvPr>
@@ -4227,7 +4341,7 @@
           </a:prstGeom>
         </p:spPr>
         <p:txBody>
-          <a:bodyPr anchorCtr="0" anchor="t" bIns="91425" lIns="91425" spcFirstLastPara="1" rIns="91425" wrap="square" tIns="91425">
+          <a:bodyPr spcFirstLastPara="1" wrap="square" lIns="91425" tIns="91425" rIns="91425" bIns="91425" anchor="t" anchorCtr="0">
             <a:normAutofit/>
           </a:bodyPr>
           <a:lstStyle>
@@ -4394,15 +4508,19 @@
               </a:defRPr>
             </a:lvl9pPr>
           </a:lstStyle>
-          <a:p/>
+          <a:p>
+            <a:endParaRPr/>
+          </a:p>
         </p:txBody>
       </p:sp>
       <p:sp>
         <p:nvSpPr>
           <p:cNvPr id="35" name="Google Shape;35;p6"/>
-          <p:cNvSpPr txBox="1"/>
+          <p:cNvSpPr txBox="1">
+            <a:spLocks noGrp="1"/>
+          </p:cNvSpPr>
           <p:nvPr>
-            <p:ph idx="12" type="sldNum"/>
+            <p:ph type="sldNum" idx="12"/>
           </p:nvPr>
         </p:nvSpPr>
         <p:spPr>
@@ -4415,7 +4533,7 @@
           </a:prstGeom>
         </p:spPr>
         <p:txBody>
-          <a:bodyPr anchorCtr="0" anchor="ctr" bIns="91425" lIns="91425" spcFirstLastPara="1" rIns="91425" wrap="square" tIns="91425">
+          <a:bodyPr spcFirstLastPara="1" wrap="square" lIns="91425" tIns="91425" rIns="91425" bIns="91425" anchor="ctr" anchorCtr="0">
             <a:normAutofit/>
           </a:bodyPr>
           <a:lstStyle>
@@ -4457,7 +4575,7 @@
             </a:lvl9pPr>
           </a:lstStyle>
           <a:p>
-            <a:pPr indent="0" lvl="0" marL="0" rtl="0" algn="r">
+            <a:pPr marL="0" lvl="0" indent="0" algn="r" rtl="0">
               <a:spcBef>
                 <a:spcPts val="0"/>
               </a:spcBef>
@@ -4483,11 +4601,11 @@
 </file>
 
 <file path=ppt/slideLayouts/slideLayout6.xml><?xml version="1.0" encoding="utf-8"?>
-<p:sldLayout xmlns:a="http://schemas.openxmlformats.org/drawingml/2006/main" xmlns:r="http://schemas.openxmlformats.org/officeDocument/2006/relationships" xmlns:mc="http://schemas.openxmlformats.org/markup-compatibility/2006" xmlns:mv="urn:schemas-microsoft-com:mac:vml" xmlns:p="http://schemas.openxmlformats.org/presentationml/2006/main" xmlns:c="http://schemas.openxmlformats.org/drawingml/2006/chart" xmlns:dgm="http://schemas.openxmlformats.org/drawingml/2006/diagram" xmlns:o="urn:schemas-microsoft-com:office:office" xmlns:v="urn:schemas-microsoft-com:vml" xmlns:pvml="urn:schemas-microsoft-com:office:powerpoint" xmlns:com="http://schemas.openxmlformats.org/drawingml/2006/compatibility" xmlns:p14="http://schemas.microsoft.com/office/powerpoint/2010/main" xmlns:p15="http://schemas.microsoft.com/office/powerpoint/2012/main" xmlns:ahyp="http://schemas.microsoft.com/office/drawing/2018/hyperlinkcolor" matchingName="One column text">
+<p:sldLayout xmlns:a="http://schemas.openxmlformats.org/drawingml/2006/main" xmlns:r="http://schemas.openxmlformats.org/officeDocument/2006/relationships" xmlns:p="http://schemas.openxmlformats.org/presentationml/2006/main" matchingName="One column text">
   <p:cSld name="ONE_COLUMN_TEXT">
     <p:spTree>
       <p:nvGrpSpPr>
-        <p:cNvPr id="36" name="Shape 36"/>
+        <p:cNvPr id="1" name="Shape 36"/>
         <p:cNvGrpSpPr/>
         <p:nvPr/>
       </p:nvGrpSpPr>
@@ -4521,12 +4639,12 @@
           </a:ln>
         </p:spPr>
         <p:txBody>
-          <a:bodyPr anchorCtr="0" anchor="ctr" bIns="91425" lIns="91425" spcFirstLastPara="1" rIns="91425" wrap="square" tIns="91425">
+          <a:bodyPr spcFirstLastPara="1" wrap="square" lIns="91425" tIns="91425" rIns="91425" bIns="91425" anchor="ctr" anchorCtr="0">
             <a:noAutofit/>
           </a:bodyPr>
           <a:lstStyle/>
           <a:p>
-            <a:pPr indent="0" lvl="0" marL="0" rtl="0" algn="l">
+            <a:pPr marL="0" lvl="0" indent="0" algn="l" rtl="0">
               <a:spcBef>
                 <a:spcPts val="0"/>
               </a:spcBef>
@@ -4535,9 +4653,6 @@
               </a:spcAft>
               <a:buNone/>
             </a:pPr>
-            <a:r>
-              <a:t/>
-            </a:r>
             <a:endParaRPr/>
           </a:p>
         </p:txBody>
@@ -4545,7 +4660,9 @@
       <p:sp>
         <p:nvSpPr>
           <p:cNvPr id="38" name="Google Shape;38;p7"/>
-          <p:cNvSpPr txBox="1"/>
+          <p:cNvSpPr txBox="1">
+            <a:spLocks noGrp="1"/>
+          </p:cNvSpPr>
           <p:nvPr>
             <p:ph type="title"/>
           </p:nvPr>
@@ -4560,7 +4677,7 @@
           </a:prstGeom>
         </p:spPr>
         <p:txBody>
-          <a:bodyPr anchorCtr="0" anchor="t" bIns="91425" lIns="91425" spcFirstLastPara="1" rIns="91425" wrap="square" tIns="91425">
+          <a:bodyPr spcFirstLastPara="1" wrap="square" lIns="91425" tIns="91425" rIns="91425" bIns="91425" anchor="t" anchorCtr="0">
             <a:normAutofit/>
           </a:bodyPr>
           <a:lstStyle>
@@ -4727,15 +4844,19 @@
               </a:defRPr>
             </a:lvl9pPr>
           </a:lstStyle>
-          <a:p/>
+          <a:p>
+            <a:endParaRPr/>
+          </a:p>
         </p:txBody>
       </p:sp>
       <p:sp>
         <p:nvSpPr>
           <p:cNvPr id="39" name="Google Shape;39;p7"/>
-          <p:cNvSpPr txBox="1"/>
+          <p:cNvSpPr txBox="1">
+            <a:spLocks noGrp="1"/>
+          </p:cNvSpPr>
           <p:nvPr>
-            <p:ph idx="1" type="body"/>
+            <p:ph type="body" idx="1"/>
           </p:nvPr>
         </p:nvSpPr>
         <p:spPr>
@@ -4748,11 +4869,11 @@
           </a:prstGeom>
         </p:spPr>
         <p:txBody>
-          <a:bodyPr anchorCtr="0" anchor="t" bIns="91425" lIns="91425" spcFirstLastPara="1" rIns="91425" wrap="square" tIns="91425">
+          <a:bodyPr spcFirstLastPara="1" wrap="square" lIns="91425" tIns="91425" rIns="91425" bIns="91425" anchor="t" anchorCtr="0">
             <a:normAutofit/>
           </a:bodyPr>
           <a:lstStyle>
-            <a:lvl1pPr indent="-311150" lvl="0" marL="457200">
+            <a:lvl1pPr marL="457200" lvl="0" indent="-311150">
               <a:spcBef>
                 <a:spcPts val="0"/>
               </a:spcBef>
@@ -4770,7 +4891,7 @@
                 </a:solidFill>
               </a:defRPr>
             </a:lvl1pPr>
-            <a:lvl2pPr indent="-298450" lvl="1" marL="914400">
+            <a:lvl2pPr marL="914400" lvl="1" indent="-298450">
               <a:spcBef>
                 <a:spcPts val="0"/>
               </a:spcBef>
@@ -4788,7 +4909,7 @@
                 </a:solidFill>
               </a:defRPr>
             </a:lvl2pPr>
-            <a:lvl3pPr indent="-298450" lvl="2" marL="1371600">
+            <a:lvl3pPr marL="1371600" lvl="2" indent="-298450">
               <a:spcBef>
                 <a:spcPts val="0"/>
               </a:spcBef>
@@ -4806,7 +4927,7 @@
                 </a:solidFill>
               </a:defRPr>
             </a:lvl3pPr>
-            <a:lvl4pPr indent="-298450" lvl="3" marL="1828800">
+            <a:lvl4pPr marL="1828800" lvl="3" indent="-298450">
               <a:spcBef>
                 <a:spcPts val="0"/>
               </a:spcBef>
@@ -4824,7 +4945,7 @@
                 </a:solidFill>
               </a:defRPr>
             </a:lvl4pPr>
-            <a:lvl5pPr indent="-298450" lvl="4" marL="2286000">
+            <a:lvl5pPr marL="2286000" lvl="4" indent="-298450">
               <a:spcBef>
                 <a:spcPts val="0"/>
               </a:spcBef>
@@ -4842,7 +4963,7 @@
                 </a:solidFill>
               </a:defRPr>
             </a:lvl5pPr>
-            <a:lvl6pPr indent="-298450" lvl="5" marL="2743200">
+            <a:lvl6pPr marL="2743200" lvl="5" indent="-298450">
               <a:spcBef>
                 <a:spcPts val="0"/>
               </a:spcBef>
@@ -4860,7 +4981,7 @@
                 </a:solidFill>
               </a:defRPr>
             </a:lvl6pPr>
-            <a:lvl7pPr indent="-298450" lvl="6" marL="3200400">
+            <a:lvl7pPr marL="3200400" lvl="6" indent="-298450">
               <a:spcBef>
                 <a:spcPts val="0"/>
               </a:spcBef>
@@ -4878,7 +4999,7 @@
                 </a:solidFill>
               </a:defRPr>
             </a:lvl7pPr>
-            <a:lvl8pPr indent="-298450" lvl="7" marL="3657600">
+            <a:lvl8pPr marL="3657600" lvl="7" indent="-298450">
               <a:spcBef>
                 <a:spcPts val="0"/>
               </a:spcBef>
@@ -4896,7 +5017,7 @@
                 </a:solidFill>
               </a:defRPr>
             </a:lvl8pPr>
-            <a:lvl9pPr indent="-298450" lvl="8" marL="4114800">
+            <a:lvl9pPr marL="4114800" lvl="8" indent="-298450">
               <a:spcBef>
                 <a:spcPts val="0"/>
               </a:spcBef>
@@ -4915,15 +5036,19 @@
               </a:defRPr>
             </a:lvl9pPr>
           </a:lstStyle>
-          <a:p/>
+          <a:p>
+            <a:endParaRPr/>
+          </a:p>
         </p:txBody>
       </p:sp>
       <p:sp>
         <p:nvSpPr>
           <p:cNvPr id="40" name="Google Shape;40;p7"/>
-          <p:cNvSpPr txBox="1"/>
+          <p:cNvSpPr txBox="1">
+            <a:spLocks noGrp="1"/>
+          </p:cNvSpPr>
           <p:nvPr>
-            <p:ph idx="12" type="sldNum"/>
+            <p:ph type="sldNum" idx="12"/>
           </p:nvPr>
         </p:nvSpPr>
         <p:spPr>
@@ -4936,7 +5061,7 @@
           </a:prstGeom>
         </p:spPr>
         <p:txBody>
-          <a:bodyPr anchorCtr="0" anchor="ctr" bIns="91425" lIns="91425" spcFirstLastPara="1" rIns="91425" wrap="square" tIns="91425">
+          <a:bodyPr spcFirstLastPara="1" wrap="square" lIns="91425" tIns="91425" rIns="91425" bIns="91425" anchor="ctr" anchorCtr="0">
             <a:normAutofit/>
           </a:bodyPr>
           <a:lstStyle>
@@ -4978,7 +5103,7 @@
             </a:lvl9pPr>
           </a:lstStyle>
           <a:p>
-            <a:pPr indent="0" lvl="0" marL="0" rtl="0" algn="r">
+            <a:pPr marL="0" lvl="0" indent="0" algn="r" rtl="0">
               <a:spcBef>
                 <a:spcPts val="0"/>
               </a:spcBef>
@@ -5004,18 +5129,19 @@
 </file>
 
 <file path=ppt/slideLayouts/slideLayout7.xml><?xml version="1.0" encoding="utf-8"?>
-<p:sldLayout xmlns:a="http://schemas.openxmlformats.org/drawingml/2006/main" xmlns:r="http://schemas.openxmlformats.org/officeDocument/2006/relationships" xmlns:mc="http://schemas.openxmlformats.org/markup-compatibility/2006" xmlns:mv="urn:schemas-microsoft-com:mac:vml" xmlns:p="http://schemas.openxmlformats.org/presentationml/2006/main" xmlns:c="http://schemas.openxmlformats.org/drawingml/2006/chart" xmlns:dgm="http://schemas.openxmlformats.org/drawingml/2006/diagram" xmlns:o="urn:schemas-microsoft-com:office:office" xmlns:v="urn:schemas-microsoft-com:vml" xmlns:pvml="urn:schemas-microsoft-com:office:powerpoint" xmlns:com="http://schemas.openxmlformats.org/drawingml/2006/compatibility" xmlns:p14="http://schemas.microsoft.com/office/powerpoint/2010/main" xmlns:p15="http://schemas.microsoft.com/office/powerpoint/2012/main" xmlns:ahyp="http://schemas.microsoft.com/office/drawing/2018/hyperlinkcolor" matchingName="Main point">
+<p:sldLayout xmlns:a="http://schemas.openxmlformats.org/drawingml/2006/main" xmlns:r="http://schemas.openxmlformats.org/officeDocument/2006/relationships" xmlns:p="http://schemas.openxmlformats.org/presentationml/2006/main" matchingName="Main point">
   <p:cSld name="MAIN_POINT">
     <p:bg>
       <p:bgPr>
         <a:solidFill>
           <a:schemeClr val="accent3"/>
         </a:solidFill>
+        <a:effectLst/>
       </p:bgPr>
     </p:bg>
     <p:spTree>
       <p:nvGrpSpPr>
-        <p:cNvPr id="41" name="Shape 41"/>
+        <p:cNvPr id="1" name="Shape 41"/>
         <p:cNvGrpSpPr/>
         <p:nvPr/>
       </p:nvGrpSpPr>
@@ -5030,7 +5156,9 @@
       <p:sp>
         <p:nvSpPr>
           <p:cNvPr id="42" name="Google Shape;42;p8"/>
-          <p:cNvSpPr txBox="1"/>
+          <p:cNvSpPr txBox="1">
+            <a:spLocks noGrp="1"/>
+          </p:cNvSpPr>
           <p:nvPr>
             <p:ph type="title"/>
           </p:nvPr>
@@ -5045,7 +5173,7 @@
           </a:prstGeom>
         </p:spPr>
         <p:txBody>
-          <a:bodyPr anchorCtr="0" anchor="ctr" bIns="91425" lIns="91425" spcFirstLastPara="1" rIns="91425" wrap="square" tIns="91425">
+          <a:bodyPr spcFirstLastPara="1" wrap="square" lIns="91425" tIns="91425" rIns="91425" bIns="91425" anchor="ctr" anchorCtr="0">
             <a:normAutofit/>
           </a:bodyPr>
           <a:lstStyle>
@@ -5149,15 +5277,19 @@
               <a:defRPr sz="3600"/>
             </a:lvl9pPr>
           </a:lstStyle>
-          <a:p/>
+          <a:p>
+            <a:endParaRPr/>
+          </a:p>
         </p:txBody>
       </p:sp>
       <p:sp>
         <p:nvSpPr>
           <p:cNvPr id="43" name="Google Shape;43;p8"/>
-          <p:cNvSpPr txBox="1"/>
+          <p:cNvSpPr txBox="1">
+            <a:spLocks noGrp="1"/>
+          </p:cNvSpPr>
           <p:nvPr>
-            <p:ph idx="12" type="sldNum"/>
+            <p:ph type="sldNum" idx="12"/>
           </p:nvPr>
         </p:nvSpPr>
         <p:spPr>
@@ -5170,7 +5302,7 @@
           </a:prstGeom>
         </p:spPr>
         <p:txBody>
-          <a:bodyPr anchorCtr="0" anchor="ctr" bIns="91425" lIns="91425" spcFirstLastPara="1" rIns="91425" wrap="square" tIns="91425">
+          <a:bodyPr spcFirstLastPara="1" wrap="square" lIns="91425" tIns="91425" rIns="91425" bIns="91425" anchor="ctr" anchorCtr="0">
             <a:normAutofit/>
           </a:bodyPr>
           <a:lstStyle>
@@ -5248,7 +5380,7 @@
             </a:lvl9pPr>
           </a:lstStyle>
           <a:p>
-            <a:pPr indent="0" lvl="0" marL="0" rtl="0" algn="r">
+            <a:pPr marL="0" lvl="0" indent="0" algn="r" rtl="0">
               <a:spcBef>
                 <a:spcPts val="0"/>
               </a:spcBef>
@@ -5274,11 +5406,11 @@
 </file>
 
 <file path=ppt/slideLayouts/slideLayout8.xml><?xml version="1.0" encoding="utf-8"?>
-<p:sldLayout xmlns:a="http://schemas.openxmlformats.org/drawingml/2006/main" xmlns:r="http://schemas.openxmlformats.org/officeDocument/2006/relationships" xmlns:mc="http://schemas.openxmlformats.org/markup-compatibility/2006" xmlns:mv="urn:schemas-microsoft-com:mac:vml" xmlns:p="http://schemas.openxmlformats.org/presentationml/2006/main" xmlns:c="http://schemas.openxmlformats.org/drawingml/2006/chart" xmlns:dgm="http://schemas.openxmlformats.org/drawingml/2006/diagram" xmlns:o="urn:schemas-microsoft-com:office:office" xmlns:v="urn:schemas-microsoft-com:vml" xmlns:pvml="urn:schemas-microsoft-com:office:powerpoint" xmlns:com="http://schemas.openxmlformats.org/drawingml/2006/compatibility" xmlns:p14="http://schemas.microsoft.com/office/powerpoint/2010/main" xmlns:p15="http://schemas.microsoft.com/office/powerpoint/2012/main" xmlns:ahyp="http://schemas.microsoft.com/office/drawing/2018/hyperlinkcolor" matchingName="Section title and description">
+<p:sldLayout xmlns:a="http://schemas.openxmlformats.org/drawingml/2006/main" xmlns:r="http://schemas.openxmlformats.org/officeDocument/2006/relationships" xmlns:p="http://schemas.openxmlformats.org/presentationml/2006/main" matchingName="Section title and description">
   <p:cSld name="SECTION_TITLE_AND_DESCRIPTION">
     <p:spTree>
       <p:nvGrpSpPr>
-        <p:cNvPr id="44" name="Shape 44"/>
+        <p:cNvPr id="1" name="Shape 44"/>
         <p:cNvGrpSpPr/>
         <p:nvPr/>
       </p:nvGrpSpPr>
@@ -5312,12 +5444,12 @@
           </a:ln>
         </p:spPr>
         <p:txBody>
-          <a:bodyPr anchorCtr="0" anchor="ctr" bIns="91425" lIns="91425" spcFirstLastPara="1" rIns="91425" wrap="square" tIns="91425">
+          <a:bodyPr spcFirstLastPara="1" wrap="square" lIns="91425" tIns="91425" rIns="91425" bIns="91425" anchor="ctr" anchorCtr="0">
             <a:noAutofit/>
           </a:bodyPr>
           <a:lstStyle/>
           <a:p>
-            <a:pPr indent="0" lvl="0" marL="0" rtl="0" algn="l">
+            <a:pPr marL="0" lvl="0" indent="0" algn="l" rtl="0">
               <a:spcBef>
                 <a:spcPts val="0"/>
               </a:spcBef>
@@ -5326,9 +5458,6 @@
               </a:spcAft>
               <a:buNone/>
             </a:pPr>
-            <a:r>
-              <a:t/>
-            </a:r>
             <a:endParaRPr/>
           </a:p>
         </p:txBody>
@@ -5336,7 +5465,9 @@
       <p:sp>
         <p:nvSpPr>
           <p:cNvPr id="46" name="Google Shape;46;p9"/>
-          <p:cNvSpPr txBox="1"/>
+          <p:cNvSpPr txBox="1">
+            <a:spLocks noGrp="1"/>
+          </p:cNvSpPr>
           <p:nvPr>
             <p:ph type="title"/>
           </p:nvPr>
@@ -5351,7 +5482,7 @@
           </a:prstGeom>
         </p:spPr>
         <p:txBody>
-          <a:bodyPr anchorCtr="0" anchor="t" bIns="91425" lIns="91425" spcFirstLastPara="1" rIns="91425" wrap="square" tIns="91425">
+          <a:bodyPr spcFirstLastPara="1" wrap="square" lIns="91425" tIns="91425" rIns="91425" bIns="91425" anchor="t" anchorCtr="0">
             <a:normAutofit/>
           </a:bodyPr>
           <a:lstStyle>
@@ -5518,15 +5649,19 @@
               </a:defRPr>
             </a:lvl9pPr>
           </a:lstStyle>
-          <a:p/>
+          <a:p>
+            <a:endParaRPr/>
+          </a:p>
         </p:txBody>
       </p:sp>
       <p:sp>
         <p:nvSpPr>
           <p:cNvPr id="47" name="Google Shape;47;p9"/>
-          <p:cNvSpPr txBox="1"/>
+          <p:cNvSpPr txBox="1">
+            <a:spLocks noGrp="1"/>
+          </p:cNvSpPr>
           <p:nvPr>
-            <p:ph idx="1" type="subTitle"/>
+            <p:ph type="subTitle" idx="1"/>
           </p:nvPr>
         </p:nvSpPr>
         <p:spPr>
@@ -5539,7 +5674,7 @@
           </a:prstGeom>
         </p:spPr>
         <p:txBody>
-          <a:bodyPr anchorCtr="0" anchor="t" bIns="91425" lIns="91425" spcFirstLastPara="1" rIns="91425" wrap="square" tIns="91425">
+          <a:bodyPr spcFirstLastPara="1" wrap="square" lIns="91425" tIns="91425" rIns="91425" bIns="91425" anchor="t" anchorCtr="0">
             <a:normAutofit/>
           </a:bodyPr>
           <a:lstStyle>
@@ -5733,15 +5868,19 @@
               </a:defRPr>
             </a:lvl9pPr>
           </a:lstStyle>
-          <a:p/>
+          <a:p>
+            <a:endParaRPr/>
+          </a:p>
         </p:txBody>
       </p:sp>
       <p:sp>
         <p:nvSpPr>
           <p:cNvPr id="48" name="Google Shape;48;p9"/>
-          <p:cNvSpPr txBox="1"/>
+          <p:cNvSpPr txBox="1">
+            <a:spLocks noGrp="1"/>
+          </p:cNvSpPr>
           <p:nvPr>
-            <p:ph idx="2" type="body"/>
+            <p:ph type="body" idx="2"/>
           </p:nvPr>
         </p:nvSpPr>
         <p:spPr>
@@ -5754,11 +5893,11 @@
           </a:prstGeom>
         </p:spPr>
         <p:txBody>
-          <a:bodyPr anchorCtr="0" anchor="t" bIns="91425" lIns="91425" spcFirstLastPara="1" rIns="91425" wrap="square" tIns="91425">
+          <a:bodyPr spcFirstLastPara="1" wrap="square" lIns="91425" tIns="91425" rIns="91425" bIns="91425" anchor="t" anchorCtr="0">
             <a:normAutofit/>
           </a:bodyPr>
           <a:lstStyle>
-            <a:lvl1pPr indent="-311150" lvl="0" marL="457200">
+            <a:lvl1pPr marL="457200" lvl="0" indent="-311150">
               <a:spcBef>
                 <a:spcPts val="0"/>
               </a:spcBef>
@@ -5769,7 +5908,7 @@
               <a:buChar char="●"/>
               <a:defRPr/>
             </a:lvl1pPr>
-            <a:lvl2pPr indent="-298450" lvl="1" marL="914400">
+            <a:lvl2pPr marL="914400" lvl="1" indent="-298450">
               <a:spcBef>
                 <a:spcPts val="0"/>
               </a:spcBef>
@@ -5780,7 +5919,7 @@
               <a:buChar char="○"/>
               <a:defRPr/>
             </a:lvl2pPr>
-            <a:lvl3pPr indent="-298450" lvl="2" marL="1371600">
+            <a:lvl3pPr marL="1371600" lvl="2" indent="-298450">
               <a:spcBef>
                 <a:spcPts val="0"/>
               </a:spcBef>
@@ -5791,7 +5930,7 @@
               <a:buChar char="■"/>
               <a:defRPr/>
             </a:lvl3pPr>
-            <a:lvl4pPr indent="-298450" lvl="3" marL="1828800">
+            <a:lvl4pPr marL="1828800" lvl="3" indent="-298450">
               <a:spcBef>
                 <a:spcPts val="0"/>
               </a:spcBef>
@@ -5802,7 +5941,7 @@
               <a:buChar char="●"/>
               <a:defRPr/>
             </a:lvl4pPr>
-            <a:lvl5pPr indent="-298450" lvl="4" marL="2286000">
+            <a:lvl5pPr marL="2286000" lvl="4" indent="-298450">
               <a:spcBef>
                 <a:spcPts val="0"/>
               </a:spcBef>
@@ -5813,7 +5952,7 @@
               <a:buChar char="○"/>
               <a:defRPr/>
             </a:lvl5pPr>
-            <a:lvl6pPr indent="-298450" lvl="5" marL="2743200">
+            <a:lvl6pPr marL="2743200" lvl="5" indent="-298450">
               <a:spcBef>
                 <a:spcPts val="0"/>
               </a:spcBef>
@@ -5824,7 +5963,7 @@
               <a:buChar char="■"/>
               <a:defRPr/>
             </a:lvl6pPr>
-            <a:lvl7pPr indent="-298450" lvl="6" marL="3200400">
+            <a:lvl7pPr marL="3200400" lvl="6" indent="-298450">
               <a:spcBef>
                 <a:spcPts val="0"/>
               </a:spcBef>
@@ -5835,7 +5974,7 @@
               <a:buChar char="●"/>
               <a:defRPr/>
             </a:lvl7pPr>
-            <a:lvl8pPr indent="-298450" lvl="7" marL="3657600">
+            <a:lvl8pPr marL="3657600" lvl="7" indent="-298450">
               <a:spcBef>
                 <a:spcPts val="0"/>
               </a:spcBef>
@@ -5846,7 +5985,7 @@
               <a:buChar char="○"/>
               <a:defRPr/>
             </a:lvl8pPr>
-            <a:lvl9pPr indent="-298450" lvl="8" marL="4114800">
+            <a:lvl9pPr marL="4114800" lvl="8" indent="-298450">
               <a:spcBef>
                 <a:spcPts val="0"/>
               </a:spcBef>
@@ -5858,15 +5997,19 @@
               <a:defRPr/>
             </a:lvl9pPr>
           </a:lstStyle>
-          <a:p/>
+          <a:p>
+            <a:endParaRPr/>
+          </a:p>
         </p:txBody>
       </p:sp>
       <p:sp>
         <p:nvSpPr>
           <p:cNvPr id="49" name="Google Shape;49;p9"/>
-          <p:cNvSpPr txBox="1"/>
+          <p:cNvSpPr txBox="1">
+            <a:spLocks noGrp="1"/>
+          </p:cNvSpPr>
           <p:nvPr>
-            <p:ph idx="12" type="sldNum"/>
+            <p:ph type="sldNum" idx="12"/>
           </p:nvPr>
         </p:nvSpPr>
         <p:spPr>
@@ -5879,7 +6022,7 @@
           </a:prstGeom>
         </p:spPr>
         <p:txBody>
-          <a:bodyPr anchorCtr="0" anchor="ctr" bIns="91425" lIns="91425" spcFirstLastPara="1" rIns="91425" wrap="square" tIns="91425">
+          <a:bodyPr spcFirstLastPara="1" wrap="square" lIns="91425" tIns="91425" rIns="91425" bIns="91425" anchor="ctr" anchorCtr="0">
             <a:normAutofit/>
           </a:bodyPr>
           <a:lstStyle>
@@ -5921,7 +6064,7 @@
             </a:lvl9pPr>
           </a:lstStyle>
           <a:p>
-            <a:pPr indent="0" lvl="0" marL="0" rtl="0" algn="r">
+            <a:pPr marL="0" lvl="0" indent="0" algn="r" rtl="0">
               <a:spcBef>
                 <a:spcPts val="0"/>
               </a:spcBef>
@@ -5947,11 +6090,11 @@
 </file>
 
 <file path=ppt/slideLayouts/slideLayout9.xml><?xml version="1.0" encoding="utf-8"?>
-<p:sldLayout xmlns:a="http://schemas.openxmlformats.org/drawingml/2006/main" xmlns:r="http://schemas.openxmlformats.org/officeDocument/2006/relationships" xmlns:mc="http://schemas.openxmlformats.org/markup-compatibility/2006" xmlns:mv="urn:schemas-microsoft-com:mac:vml" xmlns:p="http://schemas.openxmlformats.org/presentationml/2006/main" xmlns:c="http://schemas.openxmlformats.org/drawingml/2006/chart" xmlns:dgm="http://schemas.openxmlformats.org/drawingml/2006/diagram" xmlns:o="urn:schemas-microsoft-com:office:office" xmlns:v="urn:schemas-microsoft-com:vml" xmlns:pvml="urn:schemas-microsoft-com:office:powerpoint" xmlns:com="http://schemas.openxmlformats.org/drawingml/2006/compatibility" xmlns:p14="http://schemas.microsoft.com/office/powerpoint/2010/main" xmlns:p15="http://schemas.microsoft.com/office/powerpoint/2012/main" xmlns:ahyp="http://schemas.microsoft.com/office/drawing/2018/hyperlinkcolor" matchingName="Caption">
+<p:sldLayout xmlns:a="http://schemas.openxmlformats.org/drawingml/2006/main" xmlns:r="http://schemas.openxmlformats.org/officeDocument/2006/relationships" xmlns:p="http://schemas.openxmlformats.org/presentationml/2006/main" matchingName="Caption">
   <p:cSld name="CAPTION_ONLY">
     <p:spTree>
       <p:nvGrpSpPr>
-        <p:cNvPr id="50" name="Shape 50"/>
+        <p:cNvPr id="1" name="Shape 50"/>
         <p:cNvGrpSpPr/>
         <p:nvPr/>
       </p:nvGrpSpPr>
@@ -5985,12 +6128,12 @@
           </a:ln>
         </p:spPr>
         <p:txBody>
-          <a:bodyPr anchorCtr="0" anchor="ctr" bIns="91425" lIns="91425" spcFirstLastPara="1" rIns="91425" wrap="square" tIns="91425">
+          <a:bodyPr spcFirstLastPara="1" wrap="square" lIns="91425" tIns="91425" rIns="91425" bIns="91425" anchor="ctr" anchorCtr="0">
             <a:noAutofit/>
           </a:bodyPr>
           <a:lstStyle/>
           <a:p>
-            <a:pPr indent="0" lvl="0" marL="0" rtl="0" algn="l">
+            <a:pPr marL="0" lvl="0" indent="0" algn="l" rtl="0">
               <a:spcBef>
                 <a:spcPts val="0"/>
               </a:spcBef>
@@ -5999,9 +6142,6 @@
               </a:spcAft>
               <a:buNone/>
             </a:pPr>
-            <a:r>
-              <a:t/>
-            </a:r>
             <a:endParaRPr/>
           </a:p>
         </p:txBody>
@@ -6009,9 +6149,11 @@
       <p:sp>
         <p:nvSpPr>
           <p:cNvPr id="52" name="Google Shape;52;p10"/>
-          <p:cNvSpPr txBox="1"/>
+          <p:cNvSpPr txBox="1">
+            <a:spLocks noGrp="1"/>
+          </p:cNvSpPr>
           <p:nvPr>
-            <p:ph idx="1" type="body"/>
+            <p:ph type="body" idx="1"/>
           </p:nvPr>
         </p:nvSpPr>
         <p:spPr>
@@ -6024,11 +6166,11 @@
           </a:prstGeom>
         </p:spPr>
         <p:txBody>
-          <a:bodyPr anchorCtr="0" anchor="ctr" bIns="91425" lIns="91425" spcFirstLastPara="1" rIns="91425" wrap="square" tIns="91425">
+          <a:bodyPr spcFirstLastPara="1" wrap="square" lIns="91425" tIns="91425" rIns="91425" bIns="91425" anchor="ctr" anchorCtr="0">
             <a:normAutofit/>
           </a:bodyPr>
           <a:lstStyle>
-            <a:lvl1pPr indent="-228600" lvl="0" marL="457200">
+            <a:lvl1pPr marL="457200" lvl="0" indent="-228600">
               <a:lnSpc>
                 <a:spcPct val="100000"/>
               </a:lnSpc>
@@ -6055,15 +6197,19 @@
               </a:defRPr>
             </a:lvl1pPr>
           </a:lstStyle>
-          <a:p/>
+          <a:p>
+            <a:endParaRPr/>
+          </a:p>
         </p:txBody>
       </p:sp>
       <p:sp>
         <p:nvSpPr>
           <p:cNvPr id="53" name="Google Shape;53;p10"/>
-          <p:cNvSpPr txBox="1"/>
+          <p:cNvSpPr txBox="1">
+            <a:spLocks noGrp="1"/>
+          </p:cNvSpPr>
           <p:nvPr>
-            <p:ph idx="12" type="sldNum"/>
+            <p:ph type="sldNum" idx="12"/>
           </p:nvPr>
         </p:nvSpPr>
         <p:spPr>
@@ -6076,7 +6222,7 @@
           </a:prstGeom>
         </p:spPr>
         <p:txBody>
-          <a:bodyPr anchorCtr="0" anchor="ctr" bIns="91425" lIns="91425" spcFirstLastPara="1" rIns="91425" wrap="square" tIns="91425">
+          <a:bodyPr spcFirstLastPara="1" wrap="square" lIns="91425" tIns="91425" rIns="91425" bIns="91425" anchor="ctr" anchorCtr="0">
             <a:normAutofit/>
           </a:bodyPr>
           <a:lstStyle>
@@ -6154,7 +6300,7 @@
             </a:lvl9pPr>
           </a:lstStyle>
           <a:p>
-            <a:pPr indent="0" lvl="0" marL="0" rtl="0" algn="r">
+            <a:pPr marL="0" lvl="0" indent="0" algn="r" rtl="0">
               <a:spcBef>
                 <a:spcPts val="0"/>
               </a:spcBef>
@@ -6180,18 +6326,19 @@
 </file>
 
 <file path=ppt/slideMasters/slideMaster1.xml><?xml version="1.0" encoding="utf-8"?>
-<p:sldMaster xmlns:a="http://schemas.openxmlformats.org/drawingml/2006/main" xmlns:r="http://schemas.openxmlformats.org/officeDocument/2006/relationships" xmlns:mc="http://schemas.openxmlformats.org/markup-compatibility/2006" xmlns:mv="urn:schemas-microsoft-com:mac:vml" xmlns:p="http://schemas.openxmlformats.org/presentationml/2006/main" xmlns:c="http://schemas.openxmlformats.org/drawingml/2006/chart" xmlns:dgm="http://schemas.openxmlformats.org/drawingml/2006/diagram" xmlns:o="urn:schemas-microsoft-com:office:office" xmlns:v="urn:schemas-microsoft-com:vml" xmlns:pvml="urn:schemas-microsoft-com:office:powerpoint" xmlns:com="http://schemas.openxmlformats.org/drawingml/2006/compatibility" xmlns:p14="http://schemas.microsoft.com/office/powerpoint/2010/main" xmlns:p15="http://schemas.microsoft.com/office/powerpoint/2012/main" xmlns:ahyp="http://schemas.microsoft.com/office/drawing/2018/hyperlinkcolor">
+<p:sldMaster xmlns:a="http://schemas.openxmlformats.org/drawingml/2006/main" xmlns:r="http://schemas.openxmlformats.org/officeDocument/2006/relationships" xmlns:p="http://schemas.openxmlformats.org/presentationml/2006/main">
   <p:cSld name="paradigm">
     <p:bg>
       <p:bgPr>
         <a:solidFill>
           <a:schemeClr val="lt1"/>
         </a:solidFill>
+        <a:effectLst/>
       </p:bgPr>
     </p:bg>
     <p:spTree>
       <p:nvGrpSpPr>
-        <p:cNvPr id="5" name="Shape 5"/>
+        <p:cNvPr id="1" name="Shape 5"/>
         <p:cNvGrpSpPr/>
         <p:nvPr/>
       </p:nvGrpSpPr>
@@ -6206,7 +6353,9 @@
       <p:sp>
         <p:nvSpPr>
           <p:cNvPr id="6" name="Google Shape;6;p1"/>
-          <p:cNvSpPr txBox="1"/>
+          <p:cNvSpPr txBox="1">
+            <a:spLocks noGrp="1"/>
+          </p:cNvSpPr>
           <p:nvPr>
             <p:ph type="title"/>
           </p:nvPr>
@@ -6225,7 +6374,7 @@
           </a:ln>
         </p:spPr>
         <p:txBody>
-          <a:bodyPr anchorCtr="0" anchor="t" bIns="91425" lIns="91425" spcFirstLastPara="1" rIns="91425" wrap="square" tIns="91425">
+          <a:bodyPr spcFirstLastPara="1" wrap="square" lIns="91425" tIns="91425" rIns="91425" bIns="91425" anchor="t" anchorCtr="0">
             <a:normAutofit/>
           </a:bodyPr>
           <a:lstStyle>
@@ -6437,15 +6586,19 @@
               </a:defRPr>
             </a:lvl9pPr>
           </a:lstStyle>
-          <a:p/>
+          <a:p>
+            <a:endParaRPr/>
+          </a:p>
         </p:txBody>
       </p:sp>
       <p:sp>
         <p:nvSpPr>
           <p:cNvPr id="7" name="Google Shape;7;p1"/>
-          <p:cNvSpPr txBox="1"/>
+          <p:cNvSpPr txBox="1">
+            <a:spLocks noGrp="1"/>
+          </p:cNvSpPr>
           <p:nvPr>
-            <p:ph idx="1" type="body"/>
+            <p:ph type="body" idx="1"/>
           </p:nvPr>
         </p:nvSpPr>
         <p:spPr>
@@ -6462,11 +6615,11 @@
           </a:ln>
         </p:spPr>
         <p:txBody>
-          <a:bodyPr anchorCtr="0" anchor="t" bIns="91425" lIns="91425" spcFirstLastPara="1" rIns="91425" wrap="square" tIns="91425">
+          <a:bodyPr spcFirstLastPara="1" wrap="square" lIns="91425" tIns="91425" rIns="91425" bIns="91425" anchor="t" anchorCtr="0">
             <a:normAutofit/>
           </a:bodyPr>
           <a:lstStyle>
-            <a:lvl1pPr indent="-311150" lvl="0" marL="457200">
+            <a:lvl1pPr marL="457200" lvl="0" indent="-311150">
               <a:lnSpc>
                 <a:spcPct val="115000"/>
               </a:lnSpc>
@@ -6492,7 +6645,7 @@
                 <a:sym typeface="Roboto"/>
               </a:defRPr>
             </a:lvl1pPr>
-            <a:lvl2pPr indent="-298450" lvl="1" marL="914400">
+            <a:lvl2pPr marL="914400" lvl="1" indent="-298450">
               <a:lnSpc>
                 <a:spcPct val="115000"/>
               </a:lnSpc>
@@ -6518,7 +6671,7 @@
                 <a:sym typeface="Roboto"/>
               </a:defRPr>
             </a:lvl2pPr>
-            <a:lvl3pPr indent="-298450" lvl="2" marL="1371600">
+            <a:lvl3pPr marL="1371600" lvl="2" indent="-298450">
               <a:lnSpc>
                 <a:spcPct val="115000"/>
               </a:lnSpc>
@@ -6544,7 +6697,7 @@
                 <a:sym typeface="Roboto"/>
               </a:defRPr>
             </a:lvl3pPr>
-            <a:lvl4pPr indent="-298450" lvl="3" marL="1828800">
+            <a:lvl4pPr marL="1828800" lvl="3" indent="-298450">
               <a:lnSpc>
                 <a:spcPct val="115000"/>
               </a:lnSpc>
@@ -6570,7 +6723,7 @@
                 <a:sym typeface="Roboto"/>
               </a:defRPr>
             </a:lvl4pPr>
-            <a:lvl5pPr indent="-298450" lvl="4" marL="2286000">
+            <a:lvl5pPr marL="2286000" lvl="4" indent="-298450">
               <a:lnSpc>
                 <a:spcPct val="115000"/>
               </a:lnSpc>
@@ -6596,7 +6749,7 @@
                 <a:sym typeface="Roboto"/>
               </a:defRPr>
             </a:lvl5pPr>
-            <a:lvl6pPr indent="-298450" lvl="5" marL="2743200">
+            <a:lvl6pPr marL="2743200" lvl="5" indent="-298450">
               <a:lnSpc>
                 <a:spcPct val="115000"/>
               </a:lnSpc>
@@ -6622,7 +6775,7 @@
                 <a:sym typeface="Roboto"/>
               </a:defRPr>
             </a:lvl6pPr>
-            <a:lvl7pPr indent="-298450" lvl="6" marL="3200400">
+            <a:lvl7pPr marL="3200400" lvl="6" indent="-298450">
               <a:lnSpc>
                 <a:spcPct val="115000"/>
               </a:lnSpc>
@@ -6648,7 +6801,7 @@
                 <a:sym typeface="Roboto"/>
               </a:defRPr>
             </a:lvl7pPr>
-            <a:lvl8pPr indent="-298450" lvl="7" marL="3657600">
+            <a:lvl8pPr marL="3657600" lvl="7" indent="-298450">
               <a:lnSpc>
                 <a:spcPct val="115000"/>
               </a:lnSpc>
@@ -6674,7 +6827,7 @@
                 <a:sym typeface="Roboto"/>
               </a:defRPr>
             </a:lvl8pPr>
-            <a:lvl9pPr indent="-298450" lvl="8" marL="4114800">
+            <a:lvl9pPr marL="4114800" lvl="8" indent="-298450">
               <a:lnSpc>
                 <a:spcPct val="115000"/>
               </a:lnSpc>
@@ -6701,15 +6854,19 @@
               </a:defRPr>
             </a:lvl9pPr>
           </a:lstStyle>
-          <a:p/>
+          <a:p>
+            <a:endParaRPr/>
+          </a:p>
         </p:txBody>
       </p:sp>
       <p:sp>
         <p:nvSpPr>
           <p:cNvPr id="8" name="Google Shape;8;p1"/>
-          <p:cNvSpPr txBox="1"/>
+          <p:cNvSpPr txBox="1">
+            <a:spLocks noGrp="1"/>
+          </p:cNvSpPr>
           <p:nvPr>
-            <p:ph idx="12" type="sldNum"/>
+            <p:ph type="sldNum" idx="12"/>
           </p:nvPr>
         </p:nvSpPr>
         <p:spPr>
@@ -6726,7 +6883,7 @@
           </a:ln>
         </p:spPr>
         <p:txBody>
-          <a:bodyPr anchorCtr="0" anchor="ctr" bIns="91425" lIns="91425" spcFirstLastPara="1" rIns="91425" wrap="square" tIns="91425">
+          <a:bodyPr spcFirstLastPara="1" wrap="square" lIns="91425" tIns="91425" rIns="91425" bIns="91425" anchor="ctr" anchorCtr="0">
             <a:normAutofit/>
           </a:bodyPr>
           <a:lstStyle>
@@ -6840,7 +6997,7 @@
             </a:lvl9pPr>
           </a:lstStyle>
           <a:p>
-            <a:pPr indent="0" lvl="0" marL="0" rtl="0" algn="r">
+            <a:pPr marL="0" lvl="0" indent="0" algn="r" rtl="0">
               <a:spcBef>
                 <a:spcPts val="0"/>
               </a:spcBef>
@@ -6859,7 +7016,7 @@
       </p:sp>
     </p:spTree>
   </p:cSld>
-  <p:clrMap accent1="accent1" accent2="accent2" accent3="accent3" accent4="accent4" accent5="accent5" accent6="accent6" bg1="lt1" bg2="dk2" tx1="dk1" tx2="lt2" folHlink="folHlink" hlink="hlink"/>
+  <p:clrMap bg1="lt1" tx1="dk1" bg2="dk2" tx2="lt2" accent1="accent1" accent2="accent2" accent3="accent3" accent4="accent4" accent5="accent5" accent6="accent6" hlink="hlink" folHlink="folHlink"/>
   <p:sldLayoutIdLst>
     <p:sldLayoutId id="2147483648" r:id="rId1"/>
     <p:sldLayoutId id="2147483649" r:id="rId2"/>
@@ -6873,10 +7030,10 @@
     <p:sldLayoutId id="2147483657" r:id="rId10"/>
     <p:sldLayoutId id="2147483658" r:id="rId11"/>
   </p:sldLayoutIdLst>
-  <p:hf dt="0" ftr="0" hdr="0" sldNum="0"/>
+  <p:hf sldNum="0" hdr="0" ftr="0" dt="0"/>
   <p:txStyles>
     <p:titleStyle>
-      <a:defPPr lvl="0" marR="0" rtl="0" algn="l">
+      <a:defPPr marR="0" lvl="0" algn="l" rtl="0">
         <a:lnSpc>
           <a:spcPct val="100000"/>
         </a:lnSpc>
@@ -6887,7 +7044,7 @@
           <a:spcPts val="0"/>
         </a:spcAft>
       </a:defPPr>
-      <a:lvl1pPr lvl="0" marR="0" rtl="0" algn="l">
+      <a:lvl1pPr marR="0" lvl="0" algn="l" rtl="0">
         <a:lnSpc>
           <a:spcPct val="100000"/>
         </a:lnSpc>
@@ -6901,7 +7058,7 @@
           <a:srgbClr val="000000"/>
         </a:buClr>
         <a:buFont typeface="Arial"/>
-        <a:defRPr b="0" i="0" sz="1400" u="none" cap="none" strike="noStrike">
+        <a:defRPr sz="1400" b="0" i="0" u="none" strike="noStrike" cap="none">
           <a:solidFill>
             <a:srgbClr val="000000"/>
           </a:solidFill>
@@ -6911,7 +7068,7 @@
           <a:sym typeface="Arial"/>
         </a:defRPr>
       </a:lvl1pPr>
-      <a:lvl2pPr lvl="1" marR="0" rtl="0" algn="l">
+      <a:lvl2pPr marR="0" lvl="1" algn="l" rtl="0">
         <a:lnSpc>
           <a:spcPct val="100000"/>
         </a:lnSpc>
@@ -6925,7 +7082,7 @@
           <a:srgbClr val="000000"/>
         </a:buClr>
         <a:buFont typeface="Arial"/>
-        <a:defRPr b="0" i="0" sz="1400" u="none" cap="none" strike="noStrike">
+        <a:defRPr sz="1400" b="0" i="0" u="none" strike="noStrike" cap="none">
           <a:solidFill>
             <a:srgbClr val="000000"/>
           </a:solidFill>
@@ -6935,7 +7092,7 @@
           <a:sym typeface="Arial"/>
         </a:defRPr>
       </a:lvl2pPr>
-      <a:lvl3pPr lvl="2" marR="0" rtl="0" algn="l">
+      <a:lvl3pPr marR="0" lvl="2" algn="l" rtl="0">
         <a:lnSpc>
           <a:spcPct val="100000"/>
         </a:lnSpc>
@@ -6949,7 +7106,7 @@
           <a:srgbClr val="000000"/>
         </a:buClr>
         <a:buFont typeface="Arial"/>
-        <a:defRPr b="0" i="0" sz="1400" u="none" cap="none" strike="noStrike">
+        <a:defRPr sz="1400" b="0" i="0" u="none" strike="noStrike" cap="none">
           <a:solidFill>
             <a:srgbClr val="000000"/>
           </a:solidFill>
@@ -6959,7 +7116,7 @@
           <a:sym typeface="Arial"/>
         </a:defRPr>
       </a:lvl3pPr>
-      <a:lvl4pPr lvl="3" marR="0" rtl="0" algn="l">
+      <a:lvl4pPr marR="0" lvl="3" algn="l" rtl="0">
         <a:lnSpc>
           <a:spcPct val="100000"/>
         </a:lnSpc>
@@ -6973,7 +7130,7 @@
           <a:srgbClr val="000000"/>
         </a:buClr>
         <a:buFont typeface="Arial"/>
-        <a:defRPr b="0" i="0" sz="1400" u="none" cap="none" strike="noStrike">
+        <a:defRPr sz="1400" b="0" i="0" u="none" strike="noStrike" cap="none">
           <a:solidFill>
             <a:srgbClr val="000000"/>
           </a:solidFill>
@@ -6983,7 +7140,7 @@
           <a:sym typeface="Arial"/>
         </a:defRPr>
       </a:lvl4pPr>
-      <a:lvl5pPr lvl="4" marR="0" rtl="0" algn="l">
+      <a:lvl5pPr marR="0" lvl="4" algn="l" rtl="0">
         <a:lnSpc>
           <a:spcPct val="100000"/>
         </a:lnSpc>
@@ -6997,7 +7154,7 @@
           <a:srgbClr val="000000"/>
         </a:buClr>
         <a:buFont typeface="Arial"/>
-        <a:defRPr b="0" i="0" sz="1400" u="none" cap="none" strike="noStrike">
+        <a:defRPr sz="1400" b="0" i="0" u="none" strike="noStrike" cap="none">
           <a:solidFill>
             <a:srgbClr val="000000"/>
           </a:solidFill>
@@ -7007,7 +7164,7 @@
           <a:sym typeface="Arial"/>
         </a:defRPr>
       </a:lvl5pPr>
-      <a:lvl6pPr lvl="5" marR="0" rtl="0" algn="l">
+      <a:lvl6pPr marR="0" lvl="5" algn="l" rtl="0">
         <a:lnSpc>
           <a:spcPct val="100000"/>
         </a:lnSpc>
@@ -7021,7 +7178,7 @@
           <a:srgbClr val="000000"/>
         </a:buClr>
         <a:buFont typeface="Arial"/>
-        <a:defRPr b="0" i="0" sz="1400" u="none" cap="none" strike="noStrike">
+        <a:defRPr sz="1400" b="0" i="0" u="none" strike="noStrike" cap="none">
           <a:solidFill>
             <a:srgbClr val="000000"/>
           </a:solidFill>
@@ -7031,7 +7188,7 @@
           <a:sym typeface="Arial"/>
         </a:defRPr>
       </a:lvl6pPr>
-      <a:lvl7pPr lvl="6" marR="0" rtl="0" algn="l">
+      <a:lvl7pPr marR="0" lvl="6" algn="l" rtl="0">
         <a:lnSpc>
           <a:spcPct val="100000"/>
         </a:lnSpc>
@@ -7045,7 +7202,7 @@
           <a:srgbClr val="000000"/>
         </a:buClr>
         <a:buFont typeface="Arial"/>
-        <a:defRPr b="0" i="0" sz="1400" u="none" cap="none" strike="noStrike">
+        <a:defRPr sz="1400" b="0" i="0" u="none" strike="noStrike" cap="none">
           <a:solidFill>
             <a:srgbClr val="000000"/>
           </a:solidFill>
@@ -7055,7 +7212,7 @@
           <a:sym typeface="Arial"/>
         </a:defRPr>
       </a:lvl7pPr>
-      <a:lvl8pPr lvl="7" marR="0" rtl="0" algn="l">
+      <a:lvl8pPr marR="0" lvl="7" algn="l" rtl="0">
         <a:lnSpc>
           <a:spcPct val="100000"/>
         </a:lnSpc>
@@ -7069,7 +7226,7 @@
           <a:srgbClr val="000000"/>
         </a:buClr>
         <a:buFont typeface="Arial"/>
-        <a:defRPr b="0" i="0" sz="1400" u="none" cap="none" strike="noStrike">
+        <a:defRPr sz="1400" b="0" i="0" u="none" strike="noStrike" cap="none">
           <a:solidFill>
             <a:srgbClr val="000000"/>
           </a:solidFill>
@@ -7079,7 +7236,7 @@
           <a:sym typeface="Arial"/>
         </a:defRPr>
       </a:lvl8pPr>
-      <a:lvl9pPr lvl="8" marR="0" rtl="0" algn="l">
+      <a:lvl9pPr marR="0" lvl="8" algn="l" rtl="0">
         <a:lnSpc>
           <a:spcPct val="100000"/>
         </a:lnSpc>
@@ -7093,7 +7250,7 @@
           <a:srgbClr val="000000"/>
         </a:buClr>
         <a:buFont typeface="Arial"/>
-        <a:defRPr b="0" i="0" sz="1400" u="none" cap="none" strike="noStrike">
+        <a:defRPr sz="1400" b="0" i="0" u="none" strike="noStrike" cap="none">
           <a:solidFill>
             <a:srgbClr val="000000"/>
           </a:solidFill>
@@ -7105,7 +7262,7 @@
       </a:lvl9pPr>
     </p:titleStyle>
     <p:bodyStyle>
-      <a:defPPr lvl="0" marR="0" rtl="0" algn="l">
+      <a:defPPr marR="0" lvl="0" algn="l" rtl="0">
         <a:lnSpc>
           <a:spcPct val="100000"/>
         </a:lnSpc>
@@ -7116,7 +7273,7 @@
           <a:spcPts val="0"/>
         </a:spcAft>
       </a:defPPr>
-      <a:lvl1pPr lvl="0" marR="0" rtl="0" algn="l">
+      <a:lvl1pPr marR="0" lvl="0" algn="l" rtl="0">
         <a:lnSpc>
           <a:spcPct val="100000"/>
         </a:lnSpc>
@@ -7130,7 +7287,7 @@
           <a:srgbClr val="000000"/>
         </a:buClr>
         <a:buFont typeface="Arial"/>
-        <a:defRPr b="0" i="0" sz="1400" u="none" cap="none" strike="noStrike">
+        <a:defRPr sz="1400" b="0" i="0" u="none" strike="noStrike" cap="none">
           <a:solidFill>
             <a:srgbClr val="000000"/>
           </a:solidFill>
@@ -7140,7 +7297,7 @@
           <a:sym typeface="Arial"/>
         </a:defRPr>
       </a:lvl1pPr>
-      <a:lvl2pPr lvl="1" marR="0" rtl="0" algn="l">
+      <a:lvl2pPr marR="0" lvl="1" algn="l" rtl="0">
         <a:lnSpc>
           <a:spcPct val="100000"/>
         </a:lnSpc>
@@ -7154,7 +7311,7 @@
           <a:srgbClr val="000000"/>
         </a:buClr>
         <a:buFont typeface="Arial"/>
-        <a:defRPr b="0" i="0" sz="1400" u="none" cap="none" strike="noStrike">
+        <a:defRPr sz="1400" b="0" i="0" u="none" strike="noStrike" cap="none">
           <a:solidFill>
             <a:srgbClr val="000000"/>
           </a:solidFill>
@@ -7164,7 +7321,7 @@
           <a:sym typeface="Arial"/>
         </a:defRPr>
       </a:lvl2pPr>
-      <a:lvl3pPr lvl="2" marR="0" rtl="0" algn="l">
+      <a:lvl3pPr marR="0" lvl="2" algn="l" rtl="0">
         <a:lnSpc>
           <a:spcPct val="100000"/>
         </a:lnSpc>
@@ -7178,7 +7335,7 @@
           <a:srgbClr val="000000"/>
         </a:buClr>
         <a:buFont typeface="Arial"/>
-        <a:defRPr b="0" i="0" sz="1400" u="none" cap="none" strike="noStrike">
+        <a:defRPr sz="1400" b="0" i="0" u="none" strike="noStrike" cap="none">
           <a:solidFill>
             <a:srgbClr val="000000"/>
           </a:solidFill>
@@ -7188,7 +7345,7 @@
           <a:sym typeface="Arial"/>
         </a:defRPr>
       </a:lvl3pPr>
-      <a:lvl4pPr lvl="3" marR="0" rtl="0" algn="l">
+      <a:lvl4pPr marR="0" lvl="3" algn="l" rtl="0">
         <a:lnSpc>
           <a:spcPct val="100000"/>
         </a:lnSpc>
@@ -7202,7 +7359,7 @@
           <a:srgbClr val="000000"/>
         </a:buClr>
         <a:buFont typeface="Arial"/>
-        <a:defRPr b="0" i="0" sz="1400" u="none" cap="none" strike="noStrike">
+        <a:defRPr sz="1400" b="0" i="0" u="none" strike="noStrike" cap="none">
           <a:solidFill>
             <a:srgbClr val="000000"/>
           </a:solidFill>
@@ -7212,7 +7369,7 @@
           <a:sym typeface="Arial"/>
         </a:defRPr>
       </a:lvl4pPr>
-      <a:lvl5pPr lvl="4" marR="0" rtl="0" algn="l">
+      <a:lvl5pPr marR="0" lvl="4" algn="l" rtl="0">
         <a:lnSpc>
           <a:spcPct val="100000"/>
         </a:lnSpc>
@@ -7226,7 +7383,7 @@
           <a:srgbClr val="000000"/>
         </a:buClr>
         <a:buFont typeface="Arial"/>
-        <a:defRPr b="0" i="0" sz="1400" u="none" cap="none" strike="noStrike">
+        <a:defRPr sz="1400" b="0" i="0" u="none" strike="noStrike" cap="none">
           <a:solidFill>
             <a:srgbClr val="000000"/>
           </a:solidFill>
@@ -7236,7 +7393,7 @@
           <a:sym typeface="Arial"/>
         </a:defRPr>
       </a:lvl5pPr>
-      <a:lvl6pPr lvl="5" marR="0" rtl="0" algn="l">
+      <a:lvl6pPr marR="0" lvl="5" algn="l" rtl="0">
         <a:lnSpc>
           <a:spcPct val="100000"/>
         </a:lnSpc>
@@ -7250,7 +7407,7 @@
           <a:srgbClr val="000000"/>
         </a:buClr>
         <a:buFont typeface="Arial"/>
-        <a:defRPr b="0" i="0" sz="1400" u="none" cap="none" strike="noStrike">
+        <a:defRPr sz="1400" b="0" i="0" u="none" strike="noStrike" cap="none">
           <a:solidFill>
             <a:srgbClr val="000000"/>
           </a:solidFill>
@@ -7260,7 +7417,7 @@
           <a:sym typeface="Arial"/>
         </a:defRPr>
       </a:lvl6pPr>
-      <a:lvl7pPr lvl="6" marR="0" rtl="0" algn="l">
+      <a:lvl7pPr marR="0" lvl="6" algn="l" rtl="0">
         <a:lnSpc>
           <a:spcPct val="100000"/>
         </a:lnSpc>
@@ -7274,7 +7431,7 @@
           <a:srgbClr val="000000"/>
         </a:buClr>
         <a:buFont typeface="Arial"/>
-        <a:defRPr b="0" i="0" sz="1400" u="none" cap="none" strike="noStrike">
+        <a:defRPr sz="1400" b="0" i="0" u="none" strike="noStrike" cap="none">
           <a:solidFill>
             <a:srgbClr val="000000"/>
           </a:solidFill>
@@ -7284,7 +7441,7 @@
           <a:sym typeface="Arial"/>
         </a:defRPr>
       </a:lvl7pPr>
-      <a:lvl8pPr lvl="7" marR="0" rtl="0" algn="l">
+      <a:lvl8pPr marR="0" lvl="7" algn="l" rtl="0">
         <a:lnSpc>
           <a:spcPct val="100000"/>
         </a:lnSpc>
@@ -7298,7 +7455,7 @@
           <a:srgbClr val="000000"/>
         </a:buClr>
         <a:buFont typeface="Arial"/>
-        <a:defRPr b="0" i="0" sz="1400" u="none" cap="none" strike="noStrike">
+        <a:defRPr sz="1400" b="0" i="0" u="none" strike="noStrike" cap="none">
           <a:solidFill>
             <a:srgbClr val="000000"/>
           </a:solidFill>
@@ -7308,7 +7465,7 @@
           <a:sym typeface="Arial"/>
         </a:defRPr>
       </a:lvl8pPr>
-      <a:lvl9pPr lvl="8" marR="0" rtl="0" algn="l">
+      <a:lvl9pPr marR="0" lvl="8" algn="l" rtl="0">
         <a:lnSpc>
           <a:spcPct val="100000"/>
         </a:lnSpc>
@@ -7322,7 +7479,7 @@
           <a:srgbClr val="000000"/>
         </a:buClr>
         <a:buFont typeface="Arial"/>
-        <a:defRPr b="0" i="0" sz="1400" u="none" cap="none" strike="noStrike">
+        <a:defRPr sz="1400" b="0" i="0" u="none" strike="noStrike" cap="none">
           <a:solidFill>
             <a:srgbClr val="000000"/>
           </a:solidFill>
@@ -7334,7 +7491,7 @@
       </a:lvl9pPr>
     </p:bodyStyle>
     <p:otherStyle>
-      <a:defPPr lvl="0" marR="0" rtl="0" algn="l">
+      <a:defPPr marR="0" lvl="0" algn="l" rtl="0">
         <a:lnSpc>
           <a:spcPct val="100000"/>
         </a:lnSpc>
@@ -7345,7 +7502,7 @@
           <a:spcPts val="0"/>
         </a:spcAft>
       </a:defPPr>
-      <a:lvl1pPr lvl="0" marR="0" rtl="0" algn="l">
+      <a:lvl1pPr marR="0" lvl="0" algn="l" rtl="0">
         <a:lnSpc>
           <a:spcPct val="100000"/>
         </a:lnSpc>
@@ -7359,7 +7516,7 @@
           <a:srgbClr val="000000"/>
         </a:buClr>
         <a:buFont typeface="Arial"/>
-        <a:defRPr b="0" i="0" sz="1400" u="none" cap="none" strike="noStrike">
+        <a:defRPr sz="1400" b="0" i="0" u="none" strike="noStrike" cap="none">
           <a:solidFill>
             <a:srgbClr val="000000"/>
           </a:solidFill>
@@ -7369,7 +7526,7 @@
           <a:sym typeface="Arial"/>
         </a:defRPr>
       </a:lvl1pPr>
-      <a:lvl2pPr lvl="1" marR="0" rtl="0" algn="l">
+      <a:lvl2pPr marR="0" lvl="1" algn="l" rtl="0">
         <a:lnSpc>
           <a:spcPct val="100000"/>
         </a:lnSpc>
@@ -7383,7 +7540,7 @@
           <a:srgbClr val="000000"/>
         </a:buClr>
         <a:buFont typeface="Arial"/>
-        <a:defRPr b="0" i="0" sz="1400" u="none" cap="none" strike="noStrike">
+        <a:defRPr sz="1400" b="0" i="0" u="none" strike="noStrike" cap="none">
           <a:solidFill>
             <a:srgbClr val="000000"/>
           </a:solidFill>
@@ -7393,7 +7550,7 @@
           <a:sym typeface="Arial"/>
         </a:defRPr>
       </a:lvl2pPr>
-      <a:lvl3pPr lvl="2" marR="0" rtl="0" algn="l">
+      <a:lvl3pPr marR="0" lvl="2" algn="l" rtl="0">
         <a:lnSpc>
           <a:spcPct val="100000"/>
         </a:lnSpc>
@@ -7407,7 +7564,7 @@
           <a:srgbClr val="000000"/>
         </a:buClr>
         <a:buFont typeface="Arial"/>
-        <a:defRPr b="0" i="0" sz="1400" u="none" cap="none" strike="noStrike">
+        <a:defRPr sz="1400" b="0" i="0" u="none" strike="noStrike" cap="none">
           <a:solidFill>
             <a:srgbClr val="000000"/>
           </a:solidFill>
@@ -7417,7 +7574,7 @@
           <a:sym typeface="Arial"/>
         </a:defRPr>
       </a:lvl3pPr>
-      <a:lvl4pPr lvl="3" marR="0" rtl="0" algn="l">
+      <a:lvl4pPr marR="0" lvl="3" algn="l" rtl="0">
         <a:lnSpc>
           <a:spcPct val="100000"/>
         </a:lnSpc>
@@ -7431,7 +7588,7 @@
           <a:srgbClr val="000000"/>
         </a:buClr>
         <a:buFont typeface="Arial"/>
-        <a:defRPr b="0" i="0" sz="1400" u="none" cap="none" strike="noStrike">
+        <a:defRPr sz="1400" b="0" i="0" u="none" strike="noStrike" cap="none">
           <a:solidFill>
             <a:srgbClr val="000000"/>
           </a:solidFill>
@@ -7441,7 +7598,7 @@
           <a:sym typeface="Arial"/>
         </a:defRPr>
       </a:lvl4pPr>
-      <a:lvl5pPr lvl="4" marR="0" rtl="0" algn="l">
+      <a:lvl5pPr marR="0" lvl="4" algn="l" rtl="0">
         <a:lnSpc>
           <a:spcPct val="100000"/>
         </a:lnSpc>
@@ -7455,7 +7612,7 @@
           <a:srgbClr val="000000"/>
         </a:buClr>
         <a:buFont typeface="Arial"/>
-        <a:defRPr b="0" i="0" sz="1400" u="none" cap="none" strike="noStrike">
+        <a:defRPr sz="1400" b="0" i="0" u="none" strike="noStrike" cap="none">
           <a:solidFill>
             <a:srgbClr val="000000"/>
           </a:solidFill>
@@ -7465,7 +7622,7 @@
           <a:sym typeface="Arial"/>
         </a:defRPr>
       </a:lvl5pPr>
-      <a:lvl6pPr lvl="5" marR="0" rtl="0" algn="l">
+      <a:lvl6pPr marR="0" lvl="5" algn="l" rtl="0">
         <a:lnSpc>
           <a:spcPct val="100000"/>
         </a:lnSpc>
@@ -7479,7 +7636,7 @@
           <a:srgbClr val="000000"/>
         </a:buClr>
         <a:buFont typeface="Arial"/>
-        <a:defRPr b="0" i="0" sz="1400" u="none" cap="none" strike="noStrike">
+        <a:defRPr sz="1400" b="0" i="0" u="none" strike="noStrike" cap="none">
           <a:solidFill>
             <a:srgbClr val="000000"/>
           </a:solidFill>
@@ -7489,7 +7646,7 @@
           <a:sym typeface="Arial"/>
         </a:defRPr>
       </a:lvl6pPr>
-      <a:lvl7pPr lvl="6" marR="0" rtl="0" algn="l">
+      <a:lvl7pPr marR="0" lvl="6" algn="l" rtl="0">
         <a:lnSpc>
           <a:spcPct val="100000"/>
         </a:lnSpc>
@@ -7503,7 +7660,7 @@
           <a:srgbClr val="000000"/>
         </a:buClr>
         <a:buFont typeface="Arial"/>
-        <a:defRPr b="0" i="0" sz="1400" u="none" cap="none" strike="noStrike">
+        <a:defRPr sz="1400" b="0" i="0" u="none" strike="noStrike" cap="none">
           <a:solidFill>
             <a:srgbClr val="000000"/>
           </a:solidFill>
@@ -7513,7 +7670,7 @@
           <a:sym typeface="Arial"/>
         </a:defRPr>
       </a:lvl7pPr>
-      <a:lvl8pPr lvl="7" marR="0" rtl="0" algn="l">
+      <a:lvl8pPr marR="0" lvl="7" algn="l" rtl="0">
         <a:lnSpc>
           <a:spcPct val="100000"/>
         </a:lnSpc>
@@ -7527,7 +7684,7 @@
           <a:srgbClr val="000000"/>
         </a:buClr>
         <a:buFont typeface="Arial"/>
-        <a:defRPr b="0" i="0" sz="1400" u="none" cap="none" strike="noStrike">
+        <a:defRPr sz="1400" b="0" i="0" u="none" strike="noStrike" cap="none">
           <a:solidFill>
             <a:srgbClr val="000000"/>
           </a:solidFill>
@@ -7537,7 +7694,7 @@
           <a:sym typeface="Arial"/>
         </a:defRPr>
       </a:lvl8pPr>
-      <a:lvl9pPr lvl="8" marR="0" rtl="0" algn="l">
+      <a:lvl9pPr marR="0" lvl="8" algn="l" rtl="0">
         <a:lnSpc>
           <a:spcPct val="100000"/>
         </a:lnSpc>
@@ -7551,7 +7708,7 @@
           <a:srgbClr val="000000"/>
         </a:buClr>
         <a:buFont typeface="Arial"/>
-        <a:defRPr b="0" i="0" sz="1400" u="none" cap="none" strike="noStrike">
+        <a:defRPr sz="1400" b="0" i="0" u="none" strike="noStrike" cap="none">
           <a:solidFill>
             <a:srgbClr val="000000"/>
           </a:solidFill>
@@ -7567,11 +7724,11 @@
 </file>
 
 <file path=ppt/slides/slide1.xml><?xml version="1.0" encoding="utf-8"?>
-<p:sld xmlns:a="http://schemas.openxmlformats.org/drawingml/2006/main" xmlns:r="http://schemas.openxmlformats.org/officeDocument/2006/relationships" xmlns:mc="http://schemas.openxmlformats.org/markup-compatibility/2006" xmlns:mv="urn:schemas-microsoft-com:mac:vml" xmlns:p="http://schemas.openxmlformats.org/presentationml/2006/main" xmlns:c="http://schemas.openxmlformats.org/drawingml/2006/chart" xmlns:dgm="http://schemas.openxmlformats.org/drawingml/2006/diagram" xmlns:o="urn:schemas-microsoft-com:office:office" xmlns:v="urn:schemas-microsoft-com:vml" xmlns:pvml="urn:schemas-microsoft-com:office:powerpoint" xmlns:com="http://schemas.openxmlformats.org/drawingml/2006/compatibility" xmlns:p14="http://schemas.microsoft.com/office/powerpoint/2010/main" xmlns:p15="http://schemas.microsoft.com/office/powerpoint/2012/main" xmlns:ahyp="http://schemas.microsoft.com/office/drawing/2018/hyperlinkcolor">
+<p:sld xmlns:a="http://schemas.openxmlformats.org/drawingml/2006/main" xmlns:r="http://schemas.openxmlformats.org/officeDocument/2006/relationships" xmlns:p="http://schemas.openxmlformats.org/presentationml/2006/main">
   <p:cSld>
     <p:spTree>
       <p:nvGrpSpPr>
-        <p:cNvPr id="63" name="Shape 63"/>
+        <p:cNvPr id="1" name="Shape 63"/>
         <p:cNvGrpSpPr/>
         <p:nvPr/>
       </p:nvGrpSpPr>
@@ -7586,7 +7743,9 @@
       <p:sp>
         <p:nvSpPr>
           <p:cNvPr id="64" name="Google Shape;64;p13"/>
-          <p:cNvSpPr txBox="1"/>
+          <p:cNvSpPr txBox="1">
+            <a:spLocks noGrp="1"/>
+          </p:cNvSpPr>
           <p:nvPr>
             <p:ph type="ctrTitle"/>
           </p:nvPr>
@@ -7601,12 +7760,12 @@
           </a:prstGeom>
         </p:spPr>
         <p:txBody>
-          <a:bodyPr anchorCtr="0" anchor="t" bIns="91425" lIns="91425" spcFirstLastPara="1" rIns="91425" wrap="square" tIns="91425">
+          <a:bodyPr spcFirstLastPara="1" wrap="square" lIns="91425" tIns="91425" rIns="91425" bIns="91425" anchor="t" anchorCtr="0">
             <a:noAutofit/>
           </a:bodyPr>
           <a:lstStyle/>
           <a:p>
-            <a:pPr indent="0" lvl="0" marL="0" rtl="0" algn="l">
+            <a:pPr marL="0" lvl="0" indent="0" algn="l" rtl="0">
               <a:spcBef>
                 <a:spcPts val="0"/>
               </a:spcBef>
@@ -7617,7 +7776,7 @@
               <a:buNone/>
             </a:pPr>
             <a:r>
-              <a:rPr b="1" lang="en" sz="3000">
+              <a:rPr lang="en" sz="3000" b="1" dirty="0">
                 <a:solidFill>
                   <a:srgbClr val="3069A4"/>
                 </a:solidFill>
@@ -7626,9 +7785,9 @@
                 <a:cs typeface="Roboto"/>
                 <a:sym typeface="Roboto"/>
               </a:rPr>
-              <a:t>Most states that have a participation rate      of less than 40% will have above-average  </a:t>
+              <a:t>Most states that have a participation rate       of less than 40% will have above-average  </a:t>
             </a:r>
-            <a:endParaRPr b="1" sz="3000">
+            <a:endParaRPr sz="3000" b="1" dirty="0">
               <a:solidFill>
                 <a:srgbClr val="3069A4"/>
               </a:solidFill>
@@ -7639,7 +7798,7 @@
             </a:endParaRPr>
           </a:p>
           <a:p>
-            <a:pPr indent="0" lvl="0" marL="0" rtl="0" algn="l">
+            <a:pPr marL="0" lvl="0" indent="0" algn="l" rtl="0">
               <a:spcBef>
                 <a:spcPts val="0"/>
               </a:spcBef>
@@ -7650,7 +7809,7 @@
               <a:buNone/>
             </a:pPr>
             <a:r>
-              <a:rPr b="1" lang="en" sz="3000">
+              <a:rPr lang="en" sz="3000" b="1" dirty="0">
                 <a:solidFill>
                   <a:srgbClr val="3069A4"/>
                 </a:solidFill>
@@ -7661,7 +7820,7 @@
               </a:rPr>
               <a:t>SAT scores.</a:t>
             </a:r>
-            <a:endParaRPr b="1" sz="3000">
+            <a:endParaRPr sz="3000" b="1" dirty="0">
               <a:solidFill>
                 <a:srgbClr val="3069A4"/>
               </a:solidFill>
@@ -7676,14 +7835,16 @@
       <p:sp>
         <p:nvSpPr>
           <p:cNvPr id="65" name="Google Shape;65;p13"/>
-          <p:cNvSpPr txBox="1"/>
+          <p:cNvSpPr txBox="1">
+            <a:spLocks noGrp="1"/>
+          </p:cNvSpPr>
           <p:nvPr>
-            <p:ph idx="1" type="subTitle"/>
+            <p:ph type="subTitle" idx="1"/>
           </p:nvPr>
         </p:nvSpPr>
         <p:spPr>
           <a:xfrm>
-            <a:off x="535350" y="4441175"/>
+            <a:off x="727950" y="4434248"/>
             <a:ext cx="7688100" cy="440700"/>
           </a:xfrm>
           <a:prstGeom prst="rect">
@@ -7694,12 +7855,12 @@
           </a:ln>
         </p:spPr>
         <p:txBody>
-          <a:bodyPr anchorCtr="0" anchor="t" bIns="91425" lIns="91425" spcFirstLastPara="1" rIns="91425" wrap="square" tIns="91425">
+          <a:bodyPr spcFirstLastPara="1" wrap="square" lIns="91425" tIns="91425" rIns="91425" bIns="91425" anchor="t" anchorCtr="0">
             <a:normAutofit lnSpcReduction="10000"/>
           </a:bodyPr>
           <a:lstStyle/>
           <a:p>
-            <a:pPr indent="0" lvl="0" marL="0" rtl="0" algn="l">
+            <a:pPr marL="0" lvl="0" indent="0" algn="l" rtl="0">
               <a:spcBef>
                 <a:spcPts val="0"/>
               </a:spcBef>
@@ -7734,7 +7895,7 @@
       </p:sp>
       <p:pic>
         <p:nvPicPr>
-          <p:cNvPr descr="Free Vectors, PNGs, Mockups &amp; Backgrounds | rawpixel" id="66" name="Google Shape;66;p13"/>
+          <p:cNvPr id="66" name="Google Shape;66;p13" descr="Free Vectors, PNGs, Mockups &amp; Backgrounds | rawpixel"/>
           <p:cNvPicPr preferRelativeResize="0"/>
           <p:nvPr/>
         </p:nvPicPr>
@@ -7769,11 +7930,11 @@
 </file>
 
 <file path=ppt/slides/slide2.xml><?xml version="1.0" encoding="utf-8"?>
-<p:sld xmlns:a="http://schemas.openxmlformats.org/drawingml/2006/main" xmlns:r="http://schemas.openxmlformats.org/officeDocument/2006/relationships" xmlns:mc="http://schemas.openxmlformats.org/markup-compatibility/2006" xmlns:mv="urn:schemas-microsoft-com:mac:vml" xmlns:p="http://schemas.openxmlformats.org/presentationml/2006/main" xmlns:c="http://schemas.openxmlformats.org/drawingml/2006/chart" xmlns:dgm="http://schemas.openxmlformats.org/drawingml/2006/diagram" xmlns:o="urn:schemas-microsoft-com:office:office" xmlns:v="urn:schemas-microsoft-com:vml" xmlns:pvml="urn:schemas-microsoft-com:office:powerpoint" xmlns:com="http://schemas.openxmlformats.org/drawingml/2006/compatibility" xmlns:p14="http://schemas.microsoft.com/office/powerpoint/2010/main" xmlns:p15="http://schemas.microsoft.com/office/powerpoint/2012/main" xmlns:ahyp="http://schemas.microsoft.com/office/drawing/2018/hyperlinkcolor">
+<p:sld xmlns:a="http://schemas.openxmlformats.org/drawingml/2006/main" xmlns:r="http://schemas.openxmlformats.org/officeDocument/2006/relationships" xmlns:p="http://schemas.openxmlformats.org/presentationml/2006/main">
   <p:cSld>
     <p:spTree>
       <p:nvGrpSpPr>
-        <p:cNvPr id="70" name="Shape 70"/>
+        <p:cNvPr id="1" name="Shape 70"/>
         <p:cNvGrpSpPr/>
         <p:nvPr/>
       </p:nvGrpSpPr>
@@ -7788,7 +7949,9 @@
       <p:sp>
         <p:nvSpPr>
           <p:cNvPr id="71" name="Google Shape;71;p14"/>
-          <p:cNvSpPr txBox="1"/>
+          <p:cNvSpPr txBox="1">
+            <a:spLocks noGrp="1"/>
+          </p:cNvSpPr>
           <p:nvPr>
             <p:ph type="title"/>
           </p:nvPr>
@@ -7803,12 +7966,12 @@
           </a:prstGeom>
         </p:spPr>
         <p:txBody>
-          <a:bodyPr anchorCtr="0" anchor="t" bIns="91425" lIns="91425" spcFirstLastPara="1" rIns="91425" wrap="square" tIns="91425">
+          <a:bodyPr spcFirstLastPara="1" wrap="square" lIns="91425" tIns="91425" rIns="91425" bIns="91425" anchor="t" anchorCtr="0">
             <a:normAutofit/>
           </a:bodyPr>
           <a:lstStyle/>
           <a:p>
-            <a:pPr indent="0" lvl="0" marL="0" rtl="0" algn="l">
+            <a:pPr marL="0" lvl="0" indent="0" algn="l" rtl="0">
               <a:spcBef>
                 <a:spcPts val="0"/>
               </a:spcBef>
@@ -7818,7 +7981,7 @@
               <a:buNone/>
             </a:pPr>
             <a:r>
-              <a:rPr b="1" lang="en"/>
+              <a:rPr lang="en" b="1"/>
               <a:t>What is the SAT ? </a:t>
             </a:r>
             <a:endParaRPr b="1"/>
@@ -7854,23 +8017,23 @@
               <a:avLst/>
             </a:prstGeom>
             <a:noFill/>
-            <a:ln cap="flat" cmpd="sng" w="19050">
+            <a:ln w="19050" cap="flat" cmpd="sng">
               <a:solidFill>
                 <a:srgbClr val="0D5CDF"/>
               </a:solidFill>
               <a:prstDash val="dash"/>
               <a:round/>
-              <a:headEnd len="sm" w="sm" type="none"/>
-              <a:tailEnd len="sm" w="sm" type="none"/>
+              <a:headEnd type="none" w="sm" len="sm"/>
+              <a:tailEnd type="none" w="sm" len="sm"/>
             </a:ln>
           </p:spPr>
           <p:txBody>
-            <a:bodyPr anchorCtr="0" anchor="ctr" bIns="91425" lIns="91425" spcFirstLastPara="1" rIns="91425" wrap="square" tIns="91425">
+            <a:bodyPr spcFirstLastPara="1" wrap="square" lIns="91425" tIns="91425" rIns="91425" bIns="91425" anchor="ctr" anchorCtr="0">
               <a:noAutofit/>
             </a:bodyPr>
             <a:lstStyle/>
             <a:p>
-              <a:pPr indent="0" lvl="0" marL="0" rtl="0" algn="l">
+              <a:pPr marL="0" lvl="0" indent="0" algn="l" rtl="0">
                 <a:spcBef>
                   <a:spcPts val="0"/>
                 </a:spcBef>
@@ -7879,9 +8042,6 @@
                 </a:spcAft>
                 <a:buNone/>
               </a:pPr>
-              <a:r>
-                <a:t/>
-              </a:r>
               <a:endParaRPr/>
             </a:p>
           </p:txBody>
@@ -7899,8 +8059,8 @@
             </a:xfrm>
             <a:prstGeom prst="pie">
               <a:avLst>
-                <a:gd fmla="val 1811602" name="adj1"/>
-                <a:gd fmla="val 16214886" name="adj2"/>
+                <a:gd name="adj1" fmla="val 1811602"/>
+                <a:gd name="adj2" fmla="val 16214886"/>
               </a:avLst>
             </a:prstGeom>
             <a:solidFill>
@@ -7913,12 +8073,12 @@
             </a:ln>
           </p:spPr>
           <p:txBody>
-            <a:bodyPr anchorCtr="0" anchor="ctr" bIns="91425" lIns="91425" spcFirstLastPara="1" rIns="91425" wrap="square" tIns="91425">
+            <a:bodyPr spcFirstLastPara="1" wrap="square" lIns="91425" tIns="91425" rIns="91425" bIns="91425" anchor="ctr" anchorCtr="0">
               <a:noAutofit/>
             </a:bodyPr>
             <a:lstStyle/>
             <a:p>
-              <a:pPr indent="0" lvl="0" marL="0" rtl="0" algn="l">
+              <a:pPr marL="0" lvl="0" indent="0" algn="l" rtl="0">
                 <a:spcBef>
                   <a:spcPts val="0"/>
                 </a:spcBef>
@@ -7927,9 +8087,6 @@
                 </a:spcAft>
                 <a:buNone/>
               </a:pPr>
-              <a:r>
-                <a:t/>
-              </a:r>
               <a:endParaRPr/>
             </a:p>
           </p:txBody>
@@ -7970,7 +8127,7 @@
               <a:noFill/>
             </a:ln>
             <a:effectLst>
-              <a:outerShdw blurRad="228600" rotWithShape="0" algn="tl" dir="5400000" dist="50800">
+              <a:outerShdw blurRad="228600" dist="50800" dir="5400000" algn="tl" rotWithShape="0">
                 <a:srgbClr val="000000">
                   <a:alpha val="54900"/>
                 </a:srgbClr>
@@ -7978,12 +8135,12 @@
             </a:effectLst>
           </p:spPr>
           <p:txBody>
-            <a:bodyPr anchorCtr="0" anchor="ctr" bIns="91425" lIns="91425" spcFirstLastPara="1" rIns="91425" wrap="square" tIns="91425">
+            <a:bodyPr spcFirstLastPara="1" wrap="square" lIns="91425" tIns="91425" rIns="91425" bIns="91425" anchor="ctr" anchorCtr="0">
               <a:noAutofit/>
             </a:bodyPr>
             <a:lstStyle/>
             <a:p>
-              <a:pPr indent="0" lvl="0" marL="0" rtl="0" algn="l">
+              <a:pPr marL="0" lvl="0" indent="0" algn="l" rtl="0">
                 <a:spcBef>
                   <a:spcPts val="0"/>
                 </a:spcBef>
@@ -7992,9 +8149,6 @@
                 </a:spcAft>
                 <a:buNone/>
               </a:pPr>
-              <a:r>
-                <a:t/>
-              </a:r>
               <a:endParaRPr/>
             </a:p>
           </p:txBody>
@@ -8019,12 +8173,12 @@
             </a:ln>
           </p:spPr>
           <p:txBody>
-            <a:bodyPr anchorCtr="0" anchor="ctr" bIns="91425" lIns="91425" spcFirstLastPara="1" rIns="91425" wrap="square" tIns="91425">
+            <a:bodyPr spcFirstLastPara="1" wrap="square" lIns="91425" tIns="91425" rIns="91425" bIns="91425" anchor="ctr" anchorCtr="0">
               <a:noAutofit/>
             </a:bodyPr>
             <a:lstStyle/>
             <a:p>
-              <a:pPr indent="0" lvl="0" marL="0" rtl="0" algn="ctr">
+              <a:pPr marL="0" lvl="0" indent="0" algn="ctr" rtl="0">
                 <a:lnSpc>
                   <a:spcPct val="115000"/>
                 </a:lnSpc>
@@ -8037,7 +8191,7 @@
                 <a:buNone/>
               </a:pPr>
               <a:r>
-                <a:rPr b="1" lang="en">
+                <a:rPr lang="en" b="1">
                   <a:solidFill>
                     <a:srgbClr val="FFFFFF"/>
                   </a:solidFill>
@@ -8097,12 +8251,12 @@
             </a:ln>
           </p:spPr>
           <p:txBody>
-            <a:bodyPr anchorCtr="0" anchor="ctr" bIns="91425" lIns="91425" spcFirstLastPara="1" rIns="91425" wrap="square" tIns="91425">
+            <a:bodyPr spcFirstLastPara="1" wrap="square" lIns="91425" tIns="91425" rIns="91425" bIns="91425" anchor="ctr" anchorCtr="0">
               <a:noAutofit/>
             </a:bodyPr>
             <a:lstStyle/>
             <a:p>
-              <a:pPr indent="0" lvl="0" marL="0" rtl="0" algn="l">
+              <a:pPr marL="0" lvl="0" indent="0" algn="l" rtl="0">
                 <a:spcBef>
                   <a:spcPts val="0"/>
                 </a:spcBef>
@@ -8111,9 +8265,6 @@
                 </a:spcAft>
                 <a:buNone/>
               </a:pPr>
-              <a:r>
-                <a:t/>
-              </a:r>
               <a:endParaRPr/>
             </a:p>
           </p:txBody>
@@ -8138,12 +8289,12 @@
             </a:ln>
           </p:spPr>
           <p:txBody>
-            <a:bodyPr anchorCtr="0" anchor="ctr" bIns="91425" lIns="91425" spcFirstLastPara="1" rIns="91425" wrap="square" tIns="91425">
+            <a:bodyPr spcFirstLastPara="1" wrap="square" lIns="91425" tIns="91425" rIns="91425" bIns="91425" anchor="ctr" anchorCtr="0">
               <a:noAutofit/>
             </a:bodyPr>
             <a:lstStyle/>
             <a:p>
-              <a:pPr indent="0" lvl="0" marL="0" rtl="0" algn="ctr">
+              <a:pPr marL="0" lvl="0" indent="0" algn="ctr" rtl="0">
                 <a:lnSpc>
                   <a:spcPct val="115000"/>
                 </a:lnSpc>
@@ -8216,12 +8367,12 @@
             </a:ln>
           </p:spPr>
           <p:txBody>
-            <a:bodyPr anchorCtr="0" anchor="ctr" bIns="91425" lIns="91425" spcFirstLastPara="1" rIns="91425" wrap="square" tIns="91425">
+            <a:bodyPr spcFirstLastPara="1" wrap="square" lIns="91425" tIns="91425" rIns="91425" bIns="91425" anchor="ctr" anchorCtr="0">
               <a:noAutofit/>
             </a:bodyPr>
             <a:lstStyle/>
             <a:p>
-              <a:pPr indent="0" lvl="0" marL="0" rtl="0" algn="l">
+              <a:pPr marL="0" lvl="0" indent="0" algn="l" rtl="0">
                 <a:spcBef>
                   <a:spcPts val="0"/>
                 </a:spcBef>
@@ -8230,9 +8381,6 @@
                 </a:spcAft>
                 <a:buNone/>
               </a:pPr>
-              <a:r>
-                <a:t/>
-              </a:r>
               <a:endParaRPr/>
             </a:p>
           </p:txBody>
@@ -8257,12 +8405,12 @@
             </a:ln>
           </p:spPr>
           <p:txBody>
-            <a:bodyPr anchorCtr="0" anchor="ctr" bIns="91425" lIns="91425" spcFirstLastPara="1" rIns="91425" wrap="square" tIns="91425">
+            <a:bodyPr spcFirstLastPara="1" wrap="square" lIns="91425" tIns="91425" rIns="91425" bIns="91425" anchor="ctr" anchorCtr="0">
               <a:noAutofit/>
             </a:bodyPr>
             <a:lstStyle/>
             <a:p>
-              <a:pPr indent="0" lvl="0" marL="0" rtl="0" algn="ctr">
+              <a:pPr marL="0" lvl="0" indent="0" algn="ctr" rtl="0">
                 <a:lnSpc>
                   <a:spcPct val="115000"/>
                 </a:lnSpc>
@@ -8335,12 +8483,12 @@
             </a:ln>
           </p:spPr>
           <p:txBody>
-            <a:bodyPr anchorCtr="0" anchor="ctr" bIns="91425" lIns="91425" spcFirstLastPara="1" rIns="91425" wrap="square" tIns="91425">
+            <a:bodyPr spcFirstLastPara="1" wrap="square" lIns="91425" tIns="91425" rIns="91425" bIns="91425" anchor="ctr" anchorCtr="0">
               <a:noAutofit/>
             </a:bodyPr>
             <a:lstStyle/>
             <a:p>
-              <a:pPr indent="0" lvl="0" marL="0" rtl="0" algn="l">
+              <a:pPr marL="0" lvl="0" indent="0" algn="l" rtl="0">
                 <a:spcBef>
                   <a:spcPts val="0"/>
                 </a:spcBef>
@@ -8349,9 +8497,6 @@
                 </a:spcAft>
                 <a:buNone/>
               </a:pPr>
-              <a:r>
-                <a:t/>
-              </a:r>
               <a:endParaRPr/>
             </a:p>
           </p:txBody>
@@ -8376,12 +8521,12 @@
             </a:ln>
           </p:spPr>
           <p:txBody>
-            <a:bodyPr anchorCtr="0" anchor="ctr" bIns="91425" lIns="91425" spcFirstLastPara="1" rIns="91425" wrap="square" tIns="91425">
+            <a:bodyPr spcFirstLastPara="1" wrap="square" lIns="91425" tIns="91425" rIns="91425" bIns="91425" anchor="ctr" anchorCtr="0">
               <a:noAutofit/>
             </a:bodyPr>
             <a:lstStyle/>
             <a:p>
-              <a:pPr indent="0" lvl="0" marL="0" rtl="0" algn="ctr">
+              <a:pPr marL="0" lvl="0" indent="0" algn="ctr" rtl="0">
                 <a:lnSpc>
                   <a:spcPct val="115000"/>
                 </a:lnSpc>
@@ -8431,18 +8576,18 @@
           </a:xfrm>
           <a:prstGeom prst="bentConnector3">
             <a:avLst>
-              <a:gd fmla="val 50000" name="adj1"/>
+              <a:gd name="adj1" fmla="val 50000"/>
             </a:avLst>
           </a:prstGeom>
           <a:noFill/>
-          <a:ln cap="flat" cmpd="sng" w="19050">
+          <a:ln w="19050" cap="flat" cmpd="sng">
             <a:solidFill>
               <a:srgbClr val="8DA6C4"/>
             </a:solidFill>
             <a:prstDash val="solid"/>
             <a:round/>
-            <a:headEnd len="med" w="med" type="none"/>
-            <a:tailEnd len="med" w="med" type="none"/>
+            <a:headEnd type="none" w="med" len="med"/>
+            <a:tailEnd type="none" w="med" len="med"/>
           </a:ln>
         </p:spPr>
       </p:cxnSp>
@@ -8455,11 +8600,11 @@
 </file>
 
 <file path=ppt/slides/slide3.xml><?xml version="1.0" encoding="utf-8"?>
-<p:sld xmlns:a="http://schemas.openxmlformats.org/drawingml/2006/main" xmlns:r="http://schemas.openxmlformats.org/officeDocument/2006/relationships" xmlns:mc="http://schemas.openxmlformats.org/markup-compatibility/2006" xmlns:mv="urn:schemas-microsoft-com:mac:vml" xmlns:p="http://schemas.openxmlformats.org/presentationml/2006/main" xmlns:c="http://schemas.openxmlformats.org/drawingml/2006/chart" xmlns:dgm="http://schemas.openxmlformats.org/drawingml/2006/diagram" xmlns:o="urn:schemas-microsoft-com:office:office" xmlns:v="urn:schemas-microsoft-com:vml" xmlns:pvml="urn:schemas-microsoft-com:office:powerpoint" xmlns:com="http://schemas.openxmlformats.org/drawingml/2006/compatibility" xmlns:p14="http://schemas.microsoft.com/office/powerpoint/2010/main" xmlns:p15="http://schemas.microsoft.com/office/powerpoint/2012/main" xmlns:ahyp="http://schemas.microsoft.com/office/drawing/2018/hyperlinkcolor">
+<p:sld xmlns:a="http://schemas.openxmlformats.org/drawingml/2006/main" xmlns:r="http://schemas.openxmlformats.org/officeDocument/2006/relationships" xmlns:p="http://schemas.openxmlformats.org/presentationml/2006/main">
   <p:cSld>
     <p:spTree>
       <p:nvGrpSpPr>
-        <p:cNvPr id="91" name="Shape 91"/>
+        <p:cNvPr id="1" name="Shape 91"/>
         <p:cNvGrpSpPr/>
         <p:nvPr/>
       </p:nvGrpSpPr>
@@ -8474,7 +8619,9 @@
       <p:sp>
         <p:nvSpPr>
           <p:cNvPr id="92" name="Google Shape;92;p15"/>
-          <p:cNvSpPr txBox="1"/>
+          <p:cNvSpPr txBox="1">
+            <a:spLocks noGrp="1"/>
+          </p:cNvSpPr>
           <p:nvPr>
             <p:ph type="title"/>
           </p:nvPr>
@@ -8489,12 +8636,12 @@
           </a:prstGeom>
         </p:spPr>
         <p:txBody>
-          <a:bodyPr anchorCtr="0" anchor="t" bIns="91425" lIns="91425" spcFirstLastPara="1" rIns="91425" wrap="square" tIns="91425">
+          <a:bodyPr spcFirstLastPara="1" wrap="square" lIns="91425" tIns="91425" rIns="91425" bIns="91425" anchor="t" anchorCtr="0">
             <a:normAutofit/>
           </a:bodyPr>
           <a:lstStyle/>
           <a:p>
-            <a:pPr indent="0" lvl="0" marL="0" rtl="0" algn="l">
+            <a:pPr marL="0" lvl="0" indent="0" algn="l" rtl="0">
               <a:spcBef>
                 <a:spcPts val="0"/>
               </a:spcBef>
@@ -8504,19 +8651,21 @@
               <a:buNone/>
             </a:pPr>
             <a:r>
-              <a:rPr b="1" lang="en"/>
+              <a:rPr lang="en" b="1" dirty="0"/>
               <a:t>Problem Statement</a:t>
             </a:r>
-            <a:endParaRPr b="1"/>
+            <a:endParaRPr b="1" dirty="0"/>
           </a:p>
         </p:txBody>
       </p:sp>
       <p:sp>
         <p:nvSpPr>
           <p:cNvPr id="93" name="Google Shape;93;p15"/>
-          <p:cNvSpPr txBox="1"/>
+          <p:cNvSpPr txBox="1">
+            <a:spLocks noGrp="1"/>
+          </p:cNvSpPr>
           <p:nvPr>
-            <p:ph idx="1" type="body"/>
+            <p:ph type="body" idx="1"/>
           </p:nvPr>
         </p:nvSpPr>
         <p:spPr>
@@ -8529,12 +8678,12 @@
           </a:prstGeom>
         </p:spPr>
         <p:txBody>
-          <a:bodyPr anchorCtr="0" anchor="t" bIns="91425" lIns="91425" spcFirstLastPara="1" rIns="91425" wrap="square" tIns="91425">
+          <a:bodyPr spcFirstLastPara="1" wrap="square" lIns="91425" tIns="91425" rIns="91425" bIns="91425" anchor="t" anchorCtr="0">
             <a:noAutofit/>
           </a:bodyPr>
           <a:lstStyle/>
           <a:p>
-            <a:pPr indent="-343058" lvl="0" marL="457200" rtl="0" algn="l">
+            <a:pPr marL="457200" lvl="0" indent="-343058" algn="l" rtl="0">
               <a:lnSpc>
                 <a:spcPct val="105000"/>
               </a:lnSpc>
@@ -8559,7 +8708,7 @@
               <a:t>The overall average SAT scores between 2017 and 2019 showed a </a:t>
             </a:r>
             <a:r>
-              <a:rPr b="1" lang="en" sz="1802">
+              <a:rPr lang="en" sz="1802" b="1">
                 <a:solidFill>
                   <a:srgbClr val="3069A4"/>
                 </a:solidFill>
@@ -8581,7 +8730,7 @@
             </a:endParaRPr>
           </a:p>
           <a:p>
-            <a:pPr indent="-343058" lvl="0" marL="457200" rtl="0" algn="l">
+            <a:pPr marL="457200" lvl="0" indent="-343058" algn="l" rtl="0">
               <a:lnSpc>
                 <a:spcPct val="105000"/>
               </a:lnSpc>
@@ -8598,7 +8747,7 @@
               <a:buChar char="➔"/>
             </a:pPr>
             <a:r>
-              <a:rPr b="1" lang="en" sz="1802">
+              <a:rPr lang="en" sz="1802" b="1">
                 <a:solidFill>
                   <a:srgbClr val="3069A4"/>
                 </a:solidFill>
@@ -8620,7 +8769,7 @@
             </a:endParaRPr>
           </a:p>
           <a:p>
-            <a:pPr indent="-343058" lvl="0" marL="457200" rtl="0" algn="l">
+            <a:pPr marL="457200" lvl="0" indent="-343058" algn="l" rtl="0">
               <a:lnSpc>
                 <a:spcPct val="105000"/>
               </a:lnSpc>
@@ -8645,7 +8794,7 @@
               <a:t>To better understand this trend, it is important to explore the </a:t>
             </a:r>
             <a:r>
-              <a:rPr b="1" lang="en" sz="1802">
+              <a:rPr lang="en" sz="1802" b="1">
                 <a:solidFill>
                   <a:srgbClr val="3069A4"/>
                 </a:solidFill>
@@ -8681,18 +8830,18 @@
           </a:xfrm>
           <a:prstGeom prst="bentConnector3">
             <a:avLst>
-              <a:gd fmla="val 50000" name="adj1"/>
+              <a:gd name="adj1" fmla="val 50000"/>
             </a:avLst>
           </a:prstGeom>
           <a:noFill/>
-          <a:ln cap="flat" cmpd="sng" w="19050">
+          <a:ln w="19050" cap="flat" cmpd="sng">
             <a:solidFill>
               <a:srgbClr val="8DA6C4"/>
             </a:solidFill>
             <a:prstDash val="solid"/>
             <a:round/>
-            <a:headEnd len="med" w="med" type="none"/>
-            <a:tailEnd len="med" w="med" type="none"/>
+            <a:headEnd type="none" w="med" len="med"/>
+            <a:tailEnd type="none" w="med" len="med"/>
           </a:ln>
         </p:spPr>
       </p:cxnSp>
@@ -8705,11 +8854,11 @@
 </file>
 
 <file path=ppt/slides/slide4.xml><?xml version="1.0" encoding="utf-8"?>
-<p:sld xmlns:a="http://schemas.openxmlformats.org/drawingml/2006/main" xmlns:r="http://schemas.openxmlformats.org/officeDocument/2006/relationships" xmlns:mc="http://schemas.openxmlformats.org/markup-compatibility/2006" xmlns:mv="urn:schemas-microsoft-com:mac:vml" xmlns:p="http://schemas.openxmlformats.org/presentationml/2006/main" xmlns:c="http://schemas.openxmlformats.org/drawingml/2006/chart" xmlns:dgm="http://schemas.openxmlformats.org/drawingml/2006/diagram" xmlns:o="urn:schemas-microsoft-com:office:office" xmlns:v="urn:schemas-microsoft-com:vml" xmlns:pvml="urn:schemas-microsoft-com:office:powerpoint" xmlns:com="http://schemas.openxmlformats.org/drawingml/2006/compatibility" xmlns:p14="http://schemas.microsoft.com/office/powerpoint/2010/main" xmlns:p15="http://schemas.microsoft.com/office/powerpoint/2012/main" xmlns:ahyp="http://schemas.microsoft.com/office/drawing/2018/hyperlinkcolor">
+<p:sld xmlns:a="http://schemas.openxmlformats.org/drawingml/2006/main" xmlns:r="http://schemas.openxmlformats.org/officeDocument/2006/relationships" xmlns:p="http://schemas.openxmlformats.org/presentationml/2006/main">
   <p:cSld>
     <p:spTree>
       <p:nvGrpSpPr>
-        <p:cNvPr id="98" name="Shape 98"/>
+        <p:cNvPr id="1" name="Shape 98"/>
         <p:cNvGrpSpPr/>
         <p:nvPr/>
       </p:nvGrpSpPr>
@@ -8724,9 +8873,11 @@
       <p:sp>
         <p:nvSpPr>
           <p:cNvPr id="99" name="Google Shape;99;p16"/>
-          <p:cNvSpPr txBox="1"/>
+          <p:cNvSpPr txBox="1">
+            <a:spLocks noGrp="1"/>
+          </p:cNvSpPr>
           <p:nvPr>
-            <p:ph idx="1" type="body"/>
+            <p:ph type="body" idx="1"/>
           </p:nvPr>
         </p:nvSpPr>
         <p:spPr>
@@ -8739,12 +8890,12 @@
           </a:prstGeom>
         </p:spPr>
         <p:txBody>
-          <a:bodyPr anchorCtr="0" anchor="t" bIns="91425" lIns="91425" spcFirstLastPara="1" rIns="91425" wrap="square" tIns="91425">
+          <a:bodyPr spcFirstLastPara="1" wrap="square" lIns="91425" tIns="91425" rIns="91425" bIns="91425" anchor="t" anchorCtr="0">
             <a:normAutofit/>
           </a:bodyPr>
           <a:lstStyle/>
           <a:p>
-            <a:pPr indent="0" lvl="0" marL="0" rtl="0" algn="l">
+            <a:pPr marL="0" lvl="0" indent="0" algn="l" rtl="0">
               <a:spcBef>
                 <a:spcPts val="0"/>
               </a:spcBef>
@@ -8754,21 +8905,21 @@
               <a:buNone/>
             </a:pPr>
             <a:r>
-              <a:rPr b="1" lang="en" sz="1400">
+              <a:rPr lang="en" sz="1400" b="1" dirty="0">
                 <a:solidFill>
                   <a:srgbClr val="3069A4"/>
                 </a:solidFill>
               </a:rPr>
               <a:t>Average SAT Score By Participation Rate</a:t>
             </a:r>
-            <a:endParaRPr b="1" sz="1400">
+            <a:endParaRPr sz="1400" b="1" dirty="0">
               <a:solidFill>
                 <a:srgbClr val="3069A4"/>
               </a:solidFill>
             </a:endParaRPr>
           </a:p>
           <a:p>
-            <a:pPr indent="0" lvl="0" marL="228600" rtl="0" algn="l">
+            <a:pPr marL="228600" lvl="0" indent="0" algn="l" rtl="0">
               <a:lnSpc>
                 <a:spcPct val="100000"/>
               </a:lnSpc>
@@ -8781,21 +8932,21 @@
               <a:buNone/>
             </a:pPr>
             <a:r>
-              <a:rPr b="1" lang="en">
+              <a:rPr lang="en" b="1" dirty="0">
                 <a:solidFill>
                   <a:srgbClr val="3069A4"/>
                 </a:solidFill>
               </a:rPr>
               <a:t>0 - 20%  = 1209.88</a:t>
             </a:r>
-            <a:endParaRPr b="1">
+            <a:endParaRPr b="1" dirty="0">
               <a:solidFill>
                 <a:srgbClr val="3069A4"/>
               </a:solidFill>
             </a:endParaRPr>
           </a:p>
           <a:p>
-            <a:pPr indent="0" lvl="0" marL="228600" rtl="0" algn="l">
+            <a:pPr marL="228600" lvl="0" indent="0" algn="l" rtl="0">
               <a:lnSpc>
                 <a:spcPct val="100000"/>
               </a:lnSpc>
@@ -8808,21 +8959,21 @@
               <a:buNone/>
             </a:pPr>
             <a:r>
-              <a:rPr b="1" lang="en">
+              <a:rPr lang="en" b="1" dirty="0">
                 <a:solidFill>
                   <a:srgbClr val="3069A4"/>
                 </a:solidFill>
               </a:rPr>
               <a:t>21% - 40% =1135.17</a:t>
             </a:r>
-            <a:endParaRPr b="1">
+            <a:endParaRPr b="1" dirty="0">
               <a:solidFill>
                 <a:srgbClr val="3069A4"/>
               </a:solidFill>
             </a:endParaRPr>
           </a:p>
           <a:p>
-            <a:pPr indent="0" lvl="0" marL="228600" rtl="0" algn="l">
+            <a:pPr marL="228600" lvl="0" indent="0" algn="l" rtl="0">
               <a:lnSpc>
                 <a:spcPct val="100000"/>
               </a:lnSpc>
@@ -8835,21 +8986,21 @@
               <a:buNone/>
             </a:pPr>
             <a:r>
-              <a:rPr lang="en">
+              <a:rPr lang="en" dirty="0">
                 <a:solidFill>
                   <a:srgbClr val="3069A4"/>
                 </a:solidFill>
               </a:rPr>
               <a:t>41% - 60% = 1070.57</a:t>
             </a:r>
-            <a:endParaRPr>
+            <a:endParaRPr dirty="0">
               <a:solidFill>
                 <a:srgbClr val="3069A4"/>
               </a:solidFill>
             </a:endParaRPr>
           </a:p>
           <a:p>
-            <a:pPr indent="0" lvl="0" marL="228600" rtl="0" algn="l">
+            <a:pPr marL="228600" lvl="0" indent="0" algn="l" rtl="0">
               <a:lnSpc>
                 <a:spcPct val="100000"/>
               </a:lnSpc>
@@ -8862,21 +9013,21 @@
               <a:buNone/>
             </a:pPr>
             <a:r>
-              <a:rPr lang="en">
+              <a:rPr lang="en" dirty="0">
                 <a:solidFill>
                   <a:srgbClr val="3069A4"/>
                 </a:solidFill>
               </a:rPr>
               <a:t>61% - 80% = 1073.98</a:t>
             </a:r>
-            <a:endParaRPr>
+            <a:endParaRPr dirty="0">
               <a:solidFill>
                 <a:srgbClr val="3069A4"/>
               </a:solidFill>
             </a:endParaRPr>
           </a:p>
           <a:p>
-            <a:pPr indent="0" lvl="0" marL="228600" rtl="0" algn="l">
+            <a:pPr marL="228600" lvl="0" indent="0" algn="l" rtl="0">
               <a:lnSpc>
                 <a:spcPct val="100000"/>
               </a:lnSpc>
@@ -8889,14 +9040,14 @@
               <a:buNone/>
             </a:pPr>
             <a:r>
-              <a:rPr lang="en">
+              <a:rPr lang="en" dirty="0">
                 <a:solidFill>
                   <a:srgbClr val="3069A4"/>
                 </a:solidFill>
               </a:rPr>
               <a:t>81% - 100% = 1013.58 </a:t>
             </a:r>
-            <a:endParaRPr>
+            <a:endParaRPr dirty="0">
               <a:solidFill>
                 <a:srgbClr val="3069A4"/>
               </a:solidFill>
@@ -8907,7 +9058,9 @@
       <p:sp>
         <p:nvSpPr>
           <p:cNvPr id="100" name="Google Shape;100;p16"/>
-          <p:cNvSpPr txBox="1"/>
+          <p:cNvSpPr txBox="1">
+            <a:spLocks noGrp="1"/>
+          </p:cNvSpPr>
           <p:nvPr>
             <p:ph type="title"/>
           </p:nvPr>
@@ -8922,12 +9075,12 @@
           </a:prstGeom>
         </p:spPr>
         <p:txBody>
-          <a:bodyPr anchorCtr="0" anchor="t" bIns="91425" lIns="91425" spcFirstLastPara="1" rIns="91425" wrap="square" tIns="91425">
+          <a:bodyPr spcFirstLastPara="1" wrap="square" lIns="91425" tIns="91425" rIns="91425" bIns="91425" anchor="t" anchorCtr="0">
             <a:noAutofit/>
           </a:bodyPr>
           <a:lstStyle/>
           <a:p>
-            <a:pPr indent="0" lvl="0" marL="0" rtl="0" algn="l">
+            <a:pPr marL="0" lvl="0" indent="0" algn="l" rtl="0">
               <a:spcBef>
                 <a:spcPts val="0"/>
               </a:spcBef>
@@ -8938,13 +9091,13 @@
               <a:buNone/>
             </a:pPr>
             <a:r>
-              <a:rPr lang="en" sz="2820"/>
+              <a:rPr lang="en" sz="2820" dirty="0"/>
               <a:t>Categorizing SAT Scores Based on </a:t>
             </a:r>
-            <a:endParaRPr sz="2820"/>
+            <a:endParaRPr sz="2820" dirty="0"/>
           </a:p>
           <a:p>
-            <a:pPr indent="0" lvl="0" marL="0" rtl="0" algn="l">
+            <a:pPr marL="0" lvl="0" indent="0" algn="l" rtl="0">
               <a:spcBef>
                 <a:spcPts val="0"/>
               </a:spcBef>
@@ -8955,10 +9108,10 @@
               <a:buNone/>
             </a:pPr>
             <a:r>
-              <a:rPr lang="en" sz="2820"/>
+              <a:rPr lang="en" sz="2820" dirty="0"/>
               <a:t>Participation Rates</a:t>
             </a:r>
-            <a:endParaRPr sz="2820"/>
+            <a:endParaRPr sz="2820" dirty="0"/>
           </a:p>
         </p:txBody>
       </p:sp>
@@ -8982,12 +9135,12 @@
           </a:ln>
         </p:spPr>
         <p:txBody>
-          <a:bodyPr anchorCtr="0" anchor="t" bIns="91425" lIns="91425" spcFirstLastPara="1" rIns="91425" wrap="square" tIns="91425">
+          <a:bodyPr spcFirstLastPara="1" wrap="square" lIns="91425" tIns="91425" rIns="91425" bIns="91425" anchor="t" anchorCtr="0">
             <a:spAutoFit/>
           </a:bodyPr>
           <a:lstStyle/>
           <a:p>
-            <a:pPr indent="0" lvl="0" marL="0" rtl="0" algn="l">
+            <a:pPr marL="0" lvl="0" indent="0" algn="l" rtl="0">
               <a:lnSpc>
                 <a:spcPct val="115000"/>
               </a:lnSpc>
@@ -9000,7 +9153,7 @@
               <a:buNone/>
             </a:pPr>
             <a:r>
-              <a:rPr b="1" lang="en" sz="1600">
+              <a:rPr lang="en" sz="1600" b="1">
                 <a:solidFill>
                   <a:srgbClr val="3069A4"/>
                 </a:solidFill>
@@ -9009,33 +9162,9 @@
                 <a:cs typeface="Roboto"/>
                 <a:sym typeface="Roboto"/>
               </a:rPr>
-              <a:t>Less than 40% of </a:t>
+              <a:t>Less than 40% of participation rate above average-SAT score</a:t>
             </a:r>
-            <a:r>
-              <a:rPr b="1" lang="en" sz="1600">
-                <a:solidFill>
-                  <a:srgbClr val="3069A4"/>
-                </a:solidFill>
-                <a:latin typeface="Roboto"/>
-                <a:ea typeface="Roboto"/>
-                <a:cs typeface="Roboto"/>
-                <a:sym typeface="Roboto"/>
-              </a:rPr>
-              <a:t>participation</a:t>
-            </a:r>
-            <a:r>
-              <a:rPr b="1" lang="en" sz="1600">
-                <a:solidFill>
-                  <a:srgbClr val="3069A4"/>
-                </a:solidFill>
-                <a:latin typeface="Roboto"/>
-                <a:ea typeface="Roboto"/>
-                <a:cs typeface="Roboto"/>
-                <a:sym typeface="Roboto"/>
-              </a:rPr>
-              <a:t> rate above average-SAT score</a:t>
-            </a:r>
-            <a:endParaRPr b="1" sz="1600">
+            <a:endParaRPr sz="1600" b="1">
               <a:solidFill>
                 <a:srgbClr val="3069A4"/>
               </a:solidFill>
@@ -9057,7 +9186,7 @@
           <a:blip r:embed="rId3">
             <a:alphaModFix/>
           </a:blip>
-          <a:srcRect b="0" l="3207" r="7934" t="5508"/>
+          <a:srcRect l="3207" t="5508" r="7934"/>
           <a:stretch/>
         </p:blipFill>
         <p:spPr>
@@ -9083,11 +9212,11 @@
 </file>
 
 <file path=ppt/slides/slide5.xml><?xml version="1.0" encoding="utf-8"?>
-<p:sld xmlns:a="http://schemas.openxmlformats.org/drawingml/2006/main" xmlns:r="http://schemas.openxmlformats.org/officeDocument/2006/relationships" xmlns:mc="http://schemas.openxmlformats.org/markup-compatibility/2006" xmlns:mv="urn:schemas-microsoft-com:mac:vml" xmlns:p="http://schemas.openxmlformats.org/presentationml/2006/main" xmlns:c="http://schemas.openxmlformats.org/drawingml/2006/chart" xmlns:dgm="http://schemas.openxmlformats.org/drawingml/2006/diagram" xmlns:o="urn:schemas-microsoft-com:office:office" xmlns:v="urn:schemas-microsoft-com:vml" xmlns:pvml="urn:schemas-microsoft-com:office:powerpoint" xmlns:com="http://schemas.openxmlformats.org/drawingml/2006/compatibility" xmlns:p14="http://schemas.microsoft.com/office/powerpoint/2010/main" xmlns:p15="http://schemas.microsoft.com/office/powerpoint/2012/main" xmlns:ahyp="http://schemas.microsoft.com/office/drawing/2018/hyperlinkcolor">
+<p:sld xmlns:a="http://schemas.openxmlformats.org/drawingml/2006/main" xmlns:r="http://schemas.openxmlformats.org/officeDocument/2006/relationships" xmlns:p="http://schemas.openxmlformats.org/presentationml/2006/main">
   <p:cSld>
     <p:spTree>
       <p:nvGrpSpPr>
-        <p:cNvPr id="106" name="Shape 106"/>
+        <p:cNvPr id="1" name="Shape 106"/>
         <p:cNvGrpSpPr/>
         <p:nvPr/>
       </p:nvGrpSpPr>
@@ -9102,7 +9231,9 @@
       <p:sp>
         <p:nvSpPr>
           <p:cNvPr id="107" name="Google Shape;107;p17"/>
-          <p:cNvSpPr txBox="1"/>
+          <p:cNvSpPr txBox="1">
+            <a:spLocks noGrp="1"/>
+          </p:cNvSpPr>
           <p:nvPr>
             <p:ph type="title"/>
           </p:nvPr>
@@ -9117,12 +9248,12 @@
           </a:prstGeom>
         </p:spPr>
         <p:txBody>
-          <a:bodyPr anchorCtr="0" anchor="t" bIns="91425" lIns="91425" spcFirstLastPara="1" rIns="91425" wrap="square" tIns="91425">
+          <a:bodyPr spcFirstLastPara="1" wrap="square" lIns="91425" tIns="91425" rIns="91425" bIns="91425" anchor="t" anchorCtr="0">
             <a:normAutofit/>
           </a:bodyPr>
           <a:lstStyle/>
           <a:p>
-            <a:pPr indent="0" lvl="0" marL="0" rtl="0" algn="l">
+            <a:pPr marL="0" lvl="0" indent="0" algn="l" rtl="0">
               <a:spcBef>
                 <a:spcPts val="0"/>
               </a:spcBef>
@@ -9133,11 +9264,7 @@
             </a:pPr>
             <a:r>
               <a:rPr lang="en"/>
-              <a:t>Breakthrough</a:t>
-            </a:r>
-            <a:r>
-              <a:rPr lang="en"/>
-              <a:t> Less than 40 Participation Rate</a:t>
+              <a:t>Breakthrough Less than 40 Participation Rate</a:t>
             </a:r>
             <a:endParaRPr/>
           </a:p>
@@ -9163,12 +9290,12 @@
           </a:ln>
         </p:spPr>
         <p:txBody>
-          <a:bodyPr anchorCtr="0" anchor="t" bIns="91425" lIns="91425" spcFirstLastPara="1" rIns="91425" wrap="square" tIns="91425">
+          <a:bodyPr spcFirstLastPara="1" wrap="square" lIns="91425" tIns="91425" rIns="91425" bIns="91425" anchor="t" anchorCtr="0">
             <a:spAutoFit/>
           </a:bodyPr>
           <a:lstStyle/>
           <a:p>
-            <a:pPr indent="0" lvl="0" marL="0" rtl="0" algn="l">
+            <a:pPr marL="0" lvl="0" indent="0" algn="l" rtl="0">
               <a:lnSpc>
                 <a:spcPct val="115000"/>
               </a:lnSpc>
@@ -9181,7 +9308,7 @@
               <a:buNone/>
             </a:pPr>
             <a:r>
-              <a:rPr b="1" lang="en">
+              <a:rPr lang="en" b="1">
                 <a:solidFill>
                   <a:srgbClr val="3069A4"/>
                 </a:solidFill>
@@ -9235,23 +9362,23 @@
             <a:solidFill>
               <a:srgbClr val="3069A4"/>
             </a:solidFill>
-            <a:ln cap="flat" cmpd="sng" w="19050">
+            <a:ln w="19050" cap="flat" cmpd="sng">
               <a:solidFill>
                 <a:schemeClr val="dk1"/>
               </a:solidFill>
               <a:prstDash val="solid"/>
               <a:round/>
-              <a:headEnd len="sm" w="sm" type="none"/>
-              <a:tailEnd len="sm" w="sm" type="none"/>
+              <a:headEnd type="none" w="sm" len="sm"/>
+              <a:tailEnd type="none" w="sm" len="sm"/>
             </a:ln>
           </p:spPr>
           <p:txBody>
-            <a:bodyPr anchorCtr="0" anchor="ctr" bIns="91425" lIns="91425" spcFirstLastPara="1" rIns="91425" wrap="square" tIns="91425">
+            <a:bodyPr spcFirstLastPara="1" wrap="square" lIns="91425" tIns="91425" rIns="91425" bIns="91425" anchor="ctr" anchorCtr="0">
               <a:noAutofit/>
             </a:bodyPr>
             <a:lstStyle/>
             <a:p>
-              <a:pPr indent="0" lvl="0" marL="0" rtl="0" algn="l">
+              <a:pPr marL="0" lvl="0" indent="0" algn="l" rtl="0">
                 <a:spcBef>
                   <a:spcPts val="0"/>
                 </a:spcBef>
@@ -9260,9 +9387,6 @@
                 </a:spcAft>
                 <a:buNone/>
               </a:pPr>
-              <a:r>
-                <a:t/>
-              </a:r>
               <a:endParaRPr/>
             </a:p>
           </p:txBody>
@@ -9275,8 +9399,8 @@
           </p:nvSpPr>
           <p:spPr>
             <a:xfrm>
-              <a:off x="1236750" y="2662352"/>
-              <a:ext cx="2158800" cy="553500"/>
+              <a:off x="1202918" y="2641801"/>
+              <a:ext cx="2226489" cy="553500"/>
             </a:xfrm>
             <a:prstGeom prst="rect">
               <a:avLst/>
@@ -9287,12 +9411,12 @@
             </a:ln>
           </p:spPr>
           <p:txBody>
-            <a:bodyPr anchorCtr="0" anchor="t" bIns="91425" lIns="91425" spcFirstLastPara="1" rIns="91425" wrap="square" tIns="91425">
+            <a:bodyPr spcFirstLastPara="1" wrap="square" lIns="91425" tIns="91425" rIns="91425" bIns="91425" anchor="t" anchorCtr="0">
               <a:noAutofit/>
             </a:bodyPr>
             <a:lstStyle/>
             <a:p>
-              <a:pPr indent="0" lvl="0" marL="0" rtl="0" algn="l">
+              <a:pPr marL="0" lvl="0" indent="0" algn="l" rtl="0">
                 <a:spcBef>
                   <a:spcPts val="0"/>
                 </a:spcBef>
@@ -9302,7 +9426,7 @@
                 <a:buNone/>
               </a:pPr>
               <a:r>
-                <a:rPr lang="en" sz="1200">
+                <a:rPr lang="en" sz="1200" dirty="0">
                   <a:solidFill>
                     <a:schemeClr val="lt1"/>
                   </a:solidFill>
@@ -9313,7 +9437,7 @@
                 </a:rPr>
                 <a:t>that over average- SAT score</a:t>
               </a:r>
-              <a:endParaRPr sz="1200">
+              <a:endParaRPr sz="1200" dirty="0">
                 <a:solidFill>
                   <a:schemeClr val="lt1"/>
                 </a:solidFill>
@@ -9345,12 +9469,12 @@
             </a:ln>
           </p:spPr>
           <p:txBody>
-            <a:bodyPr anchorCtr="0" anchor="t" bIns="91425" lIns="91425" spcFirstLastPara="1" rIns="91425" wrap="square" tIns="91425">
+            <a:bodyPr spcFirstLastPara="1" wrap="square" lIns="91425" tIns="91425" rIns="91425" bIns="91425" anchor="t" anchorCtr="0">
               <a:noAutofit/>
             </a:bodyPr>
             <a:lstStyle/>
             <a:p>
-              <a:pPr indent="0" lvl="0" marL="0" rtl="0" algn="l">
+              <a:pPr marL="0" lvl="0" indent="0" algn="l" rtl="0">
                 <a:spcBef>
                   <a:spcPts val="0"/>
                 </a:spcBef>
@@ -9360,7 +9484,7 @@
                 <a:buNone/>
               </a:pPr>
               <a:r>
-                <a:rPr b="1" lang="en" sz="3700">
+                <a:rPr lang="en" sz="3700" b="1">
                   <a:solidFill>
                     <a:schemeClr val="lt1"/>
                   </a:solidFill>
@@ -9445,11 +9569,11 @@
 </file>
 
 <file path=ppt/slides/slide6.xml><?xml version="1.0" encoding="utf-8"?>
-<p:sld xmlns:a="http://schemas.openxmlformats.org/drawingml/2006/main" xmlns:r="http://schemas.openxmlformats.org/officeDocument/2006/relationships" xmlns:mc="http://schemas.openxmlformats.org/markup-compatibility/2006" xmlns:mv="urn:schemas-microsoft-com:mac:vml" xmlns:p="http://schemas.openxmlformats.org/presentationml/2006/main" xmlns:c="http://schemas.openxmlformats.org/drawingml/2006/chart" xmlns:dgm="http://schemas.openxmlformats.org/drawingml/2006/diagram" xmlns:o="urn:schemas-microsoft-com:office:office" xmlns:v="urn:schemas-microsoft-com:vml" xmlns:pvml="urn:schemas-microsoft-com:office:powerpoint" xmlns:com="http://schemas.openxmlformats.org/drawingml/2006/compatibility" xmlns:p14="http://schemas.microsoft.com/office/powerpoint/2010/main" xmlns:p15="http://schemas.microsoft.com/office/powerpoint/2012/main" xmlns:ahyp="http://schemas.microsoft.com/office/drawing/2018/hyperlinkcolor">
+<p:sld xmlns:a="http://schemas.openxmlformats.org/drawingml/2006/main" xmlns:r="http://schemas.openxmlformats.org/officeDocument/2006/relationships" xmlns:p="http://schemas.openxmlformats.org/presentationml/2006/main">
   <p:cSld>
     <p:spTree>
       <p:nvGrpSpPr>
-        <p:cNvPr id="117" name="Shape 117"/>
+        <p:cNvPr id="1" name="Shape 117"/>
         <p:cNvGrpSpPr/>
         <p:nvPr/>
       </p:nvGrpSpPr>
@@ -9464,7 +9588,9 @@
       <p:sp>
         <p:nvSpPr>
           <p:cNvPr id="118" name="Google Shape;118;p18"/>
-          <p:cNvSpPr txBox="1"/>
+          <p:cNvSpPr txBox="1">
+            <a:spLocks noGrp="1"/>
+          </p:cNvSpPr>
           <p:nvPr>
             <p:ph type="title"/>
           </p:nvPr>
@@ -9479,12 +9605,12 @@
           </a:prstGeom>
         </p:spPr>
         <p:txBody>
-          <a:bodyPr anchorCtr="0" anchor="t" bIns="91425" lIns="91425" spcFirstLastPara="1" rIns="91425" wrap="square" tIns="91425">
+          <a:bodyPr spcFirstLastPara="1" wrap="square" lIns="91425" tIns="91425" rIns="91425" bIns="91425" anchor="t" anchorCtr="0">
             <a:normAutofit/>
           </a:bodyPr>
           <a:lstStyle/>
           <a:p>
-            <a:pPr indent="0" lvl="0" marL="0" rtl="0" algn="l">
+            <a:pPr marL="0" lvl="0" indent="0" algn="l" rtl="0">
               <a:spcBef>
                 <a:spcPts val="0"/>
               </a:spcBef>
@@ -9521,12 +9647,12 @@
           </a:ln>
         </p:spPr>
         <p:txBody>
-          <a:bodyPr anchorCtr="0" anchor="t" bIns="91425" lIns="91425" spcFirstLastPara="1" rIns="91425" wrap="square" tIns="91425">
+          <a:bodyPr spcFirstLastPara="1" wrap="square" lIns="91425" tIns="91425" rIns="91425" bIns="91425" anchor="t" anchorCtr="0">
             <a:spAutoFit/>
           </a:bodyPr>
           <a:lstStyle/>
           <a:p>
-            <a:pPr indent="0" lvl="0" marL="0" rtl="0" algn="l">
+            <a:pPr marL="0" lvl="0" indent="0" algn="l" rtl="0">
               <a:lnSpc>
                 <a:spcPct val="115000"/>
               </a:lnSpc>
@@ -9539,7 +9665,7 @@
               <a:buNone/>
             </a:pPr>
             <a:r>
-              <a:rPr b="1" lang="en" sz="1800">
+              <a:rPr lang="en" sz="1800" b="1">
                 <a:solidFill>
                   <a:srgbClr val="3069A4"/>
                 </a:solidFill>
@@ -9550,7 +9676,7 @@
               </a:rPr>
               <a:t>83% of states have a participation rate of less than 40%, while the SAT scores are above average in all of these states. Additionally, in these states, at least 65% of students participated in the ACT, showing a forward trend.</a:t>
             </a:r>
-            <a:endParaRPr b="1" sz="1800">
+            <a:endParaRPr sz="1800" b="1">
               <a:solidFill>
                 <a:srgbClr val="3069A4"/>
               </a:solidFill>
@@ -9575,18 +9701,18 @@
           </a:xfrm>
           <a:prstGeom prst="bentConnector3">
             <a:avLst>
-              <a:gd fmla="val 50000" name="adj1"/>
+              <a:gd name="adj1" fmla="val 50000"/>
             </a:avLst>
           </a:prstGeom>
           <a:noFill/>
-          <a:ln cap="flat" cmpd="sng" w="19050">
+          <a:ln w="19050" cap="flat" cmpd="sng">
             <a:solidFill>
               <a:srgbClr val="8DA6C4"/>
             </a:solidFill>
             <a:prstDash val="solid"/>
             <a:round/>
-            <a:headEnd len="med" w="med" type="none"/>
-            <a:tailEnd len="med" w="med" type="none"/>
+            <a:headEnd type="none" w="med" len="med"/>
+            <a:tailEnd type="none" w="med" len="med"/>
           </a:ln>
         </p:spPr>
       </p:cxnSp>
@@ -9599,11 +9725,11 @@
 </file>
 
 <file path=ppt/slides/slide7.xml><?xml version="1.0" encoding="utf-8"?>
-<p:sld xmlns:a="http://schemas.openxmlformats.org/drawingml/2006/main" xmlns:r="http://schemas.openxmlformats.org/officeDocument/2006/relationships" xmlns:mc="http://schemas.openxmlformats.org/markup-compatibility/2006" xmlns:mv="urn:schemas-microsoft-com:mac:vml" xmlns:p="http://schemas.openxmlformats.org/presentationml/2006/main" xmlns:c="http://schemas.openxmlformats.org/drawingml/2006/chart" xmlns:dgm="http://schemas.openxmlformats.org/drawingml/2006/diagram" xmlns:o="urn:schemas-microsoft-com:office:office" xmlns:v="urn:schemas-microsoft-com:vml" xmlns:pvml="urn:schemas-microsoft-com:office:powerpoint" xmlns:com="http://schemas.openxmlformats.org/drawingml/2006/compatibility" xmlns:p14="http://schemas.microsoft.com/office/powerpoint/2010/main" xmlns:p15="http://schemas.microsoft.com/office/powerpoint/2012/main" xmlns:ahyp="http://schemas.microsoft.com/office/drawing/2018/hyperlinkcolor">
+<p:sld xmlns:a="http://schemas.openxmlformats.org/drawingml/2006/main" xmlns:r="http://schemas.openxmlformats.org/officeDocument/2006/relationships" xmlns:p="http://schemas.openxmlformats.org/presentationml/2006/main">
   <p:cSld>
     <p:spTree>
       <p:nvGrpSpPr>
-        <p:cNvPr id="124" name="Shape 124"/>
+        <p:cNvPr id="1" name="Shape 124"/>
         <p:cNvGrpSpPr/>
         <p:nvPr/>
       </p:nvGrpSpPr>
@@ -9618,7 +9744,9 @@
       <p:sp>
         <p:nvSpPr>
           <p:cNvPr id="125" name="Google Shape;125;p19"/>
-          <p:cNvSpPr txBox="1"/>
+          <p:cNvSpPr txBox="1">
+            <a:spLocks noGrp="1"/>
+          </p:cNvSpPr>
           <p:nvPr>
             <p:ph type="title"/>
           </p:nvPr>
@@ -9633,12 +9761,12 @@
           </a:prstGeom>
         </p:spPr>
         <p:txBody>
-          <a:bodyPr anchorCtr="0" anchor="t" bIns="91425" lIns="91425" spcFirstLastPara="1" rIns="91425" wrap="square" tIns="91425">
+          <a:bodyPr spcFirstLastPara="1" wrap="square" lIns="91425" tIns="91425" rIns="91425" bIns="91425" anchor="t" anchorCtr="0">
             <a:normAutofit/>
           </a:bodyPr>
           <a:lstStyle/>
           <a:p>
-            <a:pPr indent="0" lvl="0" marL="0" rtl="0" algn="l">
+            <a:pPr marL="0" lvl="0" indent="0" algn="l" rtl="0">
               <a:spcBef>
                 <a:spcPts val="0"/>
               </a:spcBef>
@@ -9675,12 +9803,12 @@
           </a:ln>
         </p:spPr>
         <p:txBody>
-          <a:bodyPr anchorCtr="0" anchor="t" bIns="91425" lIns="91425" spcFirstLastPara="1" rIns="91425" wrap="square" tIns="91425">
+          <a:bodyPr spcFirstLastPara="1" wrap="square" lIns="91425" tIns="91425" rIns="91425" bIns="91425" anchor="t" anchorCtr="0">
             <a:spAutoFit/>
           </a:bodyPr>
           <a:lstStyle/>
           <a:p>
-            <a:pPr indent="0" lvl="0" marL="0" rtl="0" algn="l">
+            <a:pPr marL="0" lvl="0" indent="0" algn="l" rtl="0">
               <a:lnSpc>
                 <a:spcPct val="115000"/>
               </a:lnSpc>
@@ -9715,7 +9843,7 @@
             </a:endParaRPr>
           </a:p>
           <a:p>
-            <a:pPr indent="-342900" lvl="0" marL="457200" rtl="0" algn="l">
+            <a:pPr marL="457200" lvl="0" indent="-342900" algn="l" rtl="0">
               <a:lnSpc>
                 <a:spcPct val="115000"/>
               </a:lnSpc>
@@ -9755,7 +9883,7 @@
             </a:endParaRPr>
           </a:p>
           <a:p>
-            <a:pPr indent="-342900" lvl="0" marL="457200" rtl="0" algn="l">
+            <a:pPr marL="457200" lvl="0" indent="-342900" algn="l" rtl="0">
               <a:lnSpc>
                 <a:spcPct val="115000"/>
               </a:lnSpc>
@@ -9795,7 +9923,7 @@
             </a:endParaRPr>
           </a:p>
           <a:p>
-            <a:pPr indent="-342900" lvl="0" marL="457200" rtl="0" algn="l">
+            <a:pPr marL="457200" lvl="0" indent="-342900" algn="l" rtl="0">
               <a:lnSpc>
                 <a:spcPct val="115000"/>
               </a:lnSpc>
@@ -9849,18 +9977,18 @@
           </a:xfrm>
           <a:prstGeom prst="bentConnector3">
             <a:avLst>
-              <a:gd fmla="val 50000" name="adj1"/>
+              <a:gd name="adj1" fmla="val 50000"/>
             </a:avLst>
           </a:prstGeom>
           <a:noFill/>
-          <a:ln cap="flat" cmpd="sng" w="19050">
+          <a:ln w="19050" cap="flat" cmpd="sng">
             <a:solidFill>
               <a:srgbClr val="8DA6C4"/>
             </a:solidFill>
             <a:prstDash val="solid"/>
             <a:round/>
-            <a:headEnd len="med" w="med" type="none"/>
-            <a:tailEnd len="med" w="med" type="none"/>
+            <a:headEnd type="none" w="med" len="med"/>
+            <a:tailEnd type="none" w="med" len="med"/>
           </a:ln>
         </p:spPr>
       </p:cxnSp>
@@ -9873,11 +10001,11 @@
 </file>
 
 <file path=ppt/slides/slide8.xml><?xml version="1.0" encoding="utf-8"?>
-<p:sld xmlns:a="http://schemas.openxmlformats.org/drawingml/2006/main" xmlns:r="http://schemas.openxmlformats.org/officeDocument/2006/relationships" xmlns:mc="http://schemas.openxmlformats.org/markup-compatibility/2006" xmlns:mv="urn:schemas-microsoft-com:mac:vml" xmlns:p="http://schemas.openxmlformats.org/presentationml/2006/main" xmlns:c="http://schemas.openxmlformats.org/drawingml/2006/chart" xmlns:dgm="http://schemas.openxmlformats.org/drawingml/2006/diagram" xmlns:o="urn:schemas-microsoft-com:office:office" xmlns:v="urn:schemas-microsoft-com:vml" xmlns:pvml="urn:schemas-microsoft-com:office:powerpoint" xmlns:com="http://schemas.openxmlformats.org/drawingml/2006/compatibility" xmlns:p14="http://schemas.microsoft.com/office/powerpoint/2010/main" xmlns:p15="http://schemas.microsoft.com/office/powerpoint/2012/main" xmlns:ahyp="http://schemas.microsoft.com/office/drawing/2018/hyperlinkcolor">
+<p:sld xmlns:a="http://schemas.openxmlformats.org/drawingml/2006/main" xmlns:r="http://schemas.openxmlformats.org/officeDocument/2006/relationships" xmlns:p="http://schemas.openxmlformats.org/presentationml/2006/main">
   <p:cSld>
     <p:spTree>
       <p:nvGrpSpPr>
-        <p:cNvPr id="131" name="Shape 131"/>
+        <p:cNvPr id="1" name="Shape 131"/>
         <p:cNvGrpSpPr/>
         <p:nvPr/>
       </p:nvGrpSpPr>
@@ -9892,7 +10020,9 @@
       <p:sp>
         <p:nvSpPr>
           <p:cNvPr id="132" name="Google Shape;132;p20"/>
-          <p:cNvSpPr txBox="1"/>
+          <p:cNvSpPr txBox="1">
+            <a:spLocks noGrp="1"/>
+          </p:cNvSpPr>
           <p:nvPr>
             <p:ph type="title"/>
           </p:nvPr>
@@ -9907,12 +10037,12 @@
           </a:prstGeom>
         </p:spPr>
         <p:txBody>
-          <a:bodyPr anchorCtr="0" anchor="t" bIns="91425" lIns="91425" spcFirstLastPara="1" rIns="91425" wrap="square" tIns="91425">
+          <a:bodyPr spcFirstLastPara="1" wrap="square" lIns="91425" tIns="91425" rIns="91425" bIns="91425" anchor="t" anchorCtr="0">
             <a:normAutofit/>
           </a:bodyPr>
           <a:lstStyle/>
           <a:p>
-            <a:pPr indent="0" lvl="0" marL="0" rtl="0" algn="l">
+            <a:pPr marL="0" lvl="0" indent="0" algn="l" rtl="0">
               <a:spcBef>
                 <a:spcPts val="0"/>
               </a:spcBef>
@@ -9922,10 +10052,10 @@
               <a:buNone/>
             </a:pPr>
             <a:r>
-              <a:rPr lang="en"/>
+              <a:rPr lang="en" dirty="0"/>
               <a:t>Recommendation</a:t>
             </a:r>
-            <a:endParaRPr/>
+            <a:endParaRPr dirty="0"/>
           </a:p>
         </p:txBody>
       </p:sp>
@@ -9949,12 +10079,12 @@
           </a:ln>
         </p:spPr>
         <p:txBody>
-          <a:bodyPr anchorCtr="0" anchor="t" bIns="91425" lIns="91425" spcFirstLastPara="1" rIns="91425" wrap="square" tIns="91425">
+          <a:bodyPr spcFirstLastPara="1" wrap="square" lIns="91425" tIns="91425" rIns="91425" bIns="91425" anchor="t" anchorCtr="0">
             <a:spAutoFit/>
           </a:bodyPr>
           <a:lstStyle/>
           <a:p>
-            <a:pPr indent="-342900" lvl="0" marL="457200" rtl="0" algn="l">
+            <a:pPr marL="457200" lvl="0" indent="-342900" algn="l" rtl="0">
               <a:lnSpc>
                 <a:spcPct val="115000"/>
               </a:lnSpc>
@@ -9994,7 +10124,7 @@
             </a:endParaRPr>
           </a:p>
           <a:p>
-            <a:pPr indent="-342900" lvl="0" marL="457200" rtl="0" algn="l">
+            <a:pPr marL="457200" lvl="0" indent="-342900" algn="l" rtl="0">
               <a:lnSpc>
                 <a:spcPct val="115000"/>
               </a:lnSpc>
@@ -10034,7 +10164,7 @@
             </a:endParaRPr>
           </a:p>
           <a:p>
-            <a:pPr indent="-342900" lvl="0" marL="457200" rtl="0" algn="l">
+            <a:pPr marL="457200" lvl="0" indent="-342900" algn="l" rtl="0">
               <a:lnSpc>
                 <a:spcPct val="115000"/>
               </a:lnSpc>
@@ -10074,7 +10204,7 @@
             </a:endParaRPr>
           </a:p>
           <a:p>
-            <a:pPr indent="-342900" lvl="0" marL="457200" rtl="0" algn="l">
+            <a:pPr marL="457200" lvl="0" indent="-342900" algn="l" rtl="0">
               <a:lnSpc>
                 <a:spcPct val="115000"/>
               </a:lnSpc>
@@ -10128,18 +10258,18 @@
           </a:xfrm>
           <a:prstGeom prst="bentConnector3">
             <a:avLst>
-              <a:gd fmla="val 50000" name="adj1"/>
+              <a:gd name="adj1" fmla="val 50000"/>
             </a:avLst>
           </a:prstGeom>
           <a:noFill/>
-          <a:ln cap="flat" cmpd="sng" w="19050">
+          <a:ln w="19050" cap="flat" cmpd="sng">
             <a:solidFill>
               <a:srgbClr val="8DA6C4"/>
             </a:solidFill>
             <a:prstDash val="solid"/>
             <a:round/>
-            <a:headEnd len="med" w="med" type="none"/>
-            <a:tailEnd len="med" w="med" type="none"/>
+            <a:headEnd type="none" w="med" len="med"/>
+            <a:tailEnd type="none" w="med" len="med"/>
           </a:ln>
         </p:spPr>
       </p:cxnSp>
@@ -10152,7 +10282,288 @@
 </file>
 
 <file path=ppt/theme/theme1.xml><?xml version="1.0" encoding="utf-8"?>
-<a:theme xmlns:a="http://schemas.openxmlformats.org/drawingml/2006/main" xmlns:r="http://schemas.openxmlformats.org/officeDocument/2006/relationships">
+<a:theme xmlns:a="http://schemas.openxmlformats.org/drawingml/2006/main" name="Paradigm">
+  <a:themeElements>
+    <a:clrScheme name="Paradigm">
+      <a:dk1>
+        <a:srgbClr val="31394D"/>
+      </a:dk1>
+      <a:lt1>
+        <a:srgbClr val="FFFFFF"/>
+      </a:lt1>
+      <a:dk2>
+        <a:srgbClr val="666666"/>
+      </a:dk2>
+      <a:lt2>
+        <a:srgbClr val="626B73"/>
+      </a:lt2>
+      <a:accent1>
+        <a:srgbClr val="002F4A"/>
+      </a:accent1>
+      <a:accent2>
+        <a:srgbClr val="D9C4B1"/>
+      </a:accent2>
+      <a:accent3>
+        <a:srgbClr val="EDE3DA"/>
+      </a:accent3>
+      <a:accent4>
+        <a:srgbClr val="B85741"/>
+      </a:accent4>
+      <a:accent5>
+        <a:srgbClr val="009384"/>
+      </a:accent5>
+      <a:accent6>
+        <a:srgbClr val="D0F6FF"/>
+      </a:accent6>
+      <a:hlink>
+        <a:srgbClr val="009384"/>
+      </a:hlink>
+      <a:folHlink>
+        <a:srgbClr val="009384"/>
+      </a:folHlink>
+    </a:clrScheme>
+    <a:fontScheme name="Office">
+      <a:majorFont>
+        <a:latin typeface="Arial"/>
+        <a:ea typeface=""/>
+        <a:cs typeface=""/>
+        <a:font script="Jpan" typeface="ＭＳ Ｐゴシック"/>
+        <a:font script="Hang" typeface="맑은 고딕"/>
+        <a:font script="Hans" typeface="宋体"/>
+        <a:font script="Hant" typeface="新細明體"/>
+        <a:font script="Arab" typeface="Times New Roman"/>
+        <a:font script="Hebr" typeface="Times New Roman"/>
+        <a:font script="Thai" typeface="Angsana New"/>
+        <a:font script="Ethi" typeface="Nyala"/>
+        <a:font script="Beng" typeface="Vrinda"/>
+        <a:font script="Gujr" typeface="Shruti"/>
+        <a:font script="Khmr" typeface="MoolBoran"/>
+        <a:font script="Knda" typeface="Tunga"/>
+        <a:font script="Guru" typeface="Raavi"/>
+        <a:font script="Cans" typeface="Euphemia"/>
+        <a:font script="Cher" typeface="Plantagenet Cherokee"/>
+        <a:font script="Yiii" typeface="Microsoft Yi Baiti"/>
+        <a:font script="Tibt" typeface="Microsoft Himalaya"/>
+        <a:font script="Thaa" typeface="MV Boli"/>
+        <a:font script="Deva" typeface="Mangal"/>
+        <a:font script="Telu" typeface="Gautami"/>
+        <a:font script="Taml" typeface="Latha"/>
+        <a:font script="Syrc" typeface="Estrangelo Edessa"/>
+        <a:font script="Orya" typeface="Kalinga"/>
+        <a:font script="Mlym" typeface="Kartika"/>
+        <a:font script="Laoo" typeface="DokChampa"/>
+        <a:font script="Sinh" typeface="Iskoola Pota"/>
+        <a:font script="Mong" typeface="Mongolian Baiti"/>
+        <a:font script="Viet" typeface="Times New Roman"/>
+        <a:font script="Uigh" typeface="Microsoft Uighur"/>
+        <a:font script="Geor" typeface="Sylfaen"/>
+      </a:majorFont>
+      <a:minorFont>
+        <a:latin typeface="Arial"/>
+        <a:ea typeface=""/>
+        <a:cs typeface=""/>
+        <a:font script="Jpan" typeface="ＭＳ Ｐゴシック"/>
+        <a:font script="Hang" typeface="맑은 고딕"/>
+        <a:font script="Hans" typeface="宋体"/>
+        <a:font script="Hant" typeface="新細明體"/>
+        <a:font script="Arab" typeface="Arial"/>
+        <a:font script="Hebr" typeface="Arial"/>
+        <a:font script="Thai" typeface="Cordia New"/>
+        <a:font script="Ethi" typeface="Nyala"/>
+        <a:font script="Beng" typeface="Vrinda"/>
+        <a:font script="Gujr" typeface="Shruti"/>
+        <a:font script="Khmr" typeface="DaunPenh"/>
+        <a:font script="Knda" typeface="Tunga"/>
+        <a:font script="Guru" typeface="Raavi"/>
+        <a:font script="Cans" typeface="Euphemia"/>
+        <a:font script="Cher" typeface="Plantagenet Cherokee"/>
+        <a:font script="Yiii" typeface="Microsoft Yi Baiti"/>
+        <a:font script="Tibt" typeface="Microsoft Himalaya"/>
+        <a:font script="Thaa" typeface="MV Boli"/>
+        <a:font script="Deva" typeface="Mangal"/>
+        <a:font script="Telu" typeface="Gautami"/>
+        <a:font script="Taml" typeface="Latha"/>
+        <a:font script="Syrc" typeface="Estrangelo Edessa"/>
+        <a:font script="Orya" typeface="Kalinga"/>
+        <a:font script="Mlym" typeface="Kartika"/>
+        <a:font script="Laoo" typeface="DokChampa"/>
+        <a:font script="Sinh" typeface="Iskoola Pota"/>
+        <a:font script="Mong" typeface="Mongolian Baiti"/>
+        <a:font script="Viet" typeface="Arial"/>
+        <a:font script="Uigh" typeface="Microsoft Uighur"/>
+        <a:font script="Geor" typeface="Sylfaen"/>
+      </a:minorFont>
+    </a:fontScheme>
+    <a:fmtScheme name="Office">
+      <a:fillStyleLst>
+        <a:solidFill>
+          <a:schemeClr val="phClr"/>
+        </a:solidFill>
+        <a:gradFill rotWithShape="1">
+          <a:gsLst>
+            <a:gs pos="0">
+              <a:schemeClr val="phClr">
+                <a:tint val="50000"/>
+                <a:satMod val="300000"/>
+              </a:schemeClr>
+            </a:gs>
+            <a:gs pos="35000">
+              <a:schemeClr val="phClr">
+                <a:tint val="37000"/>
+                <a:satMod val="300000"/>
+              </a:schemeClr>
+            </a:gs>
+            <a:gs pos="100000">
+              <a:schemeClr val="phClr">
+                <a:tint val="15000"/>
+                <a:satMod val="350000"/>
+              </a:schemeClr>
+            </a:gs>
+          </a:gsLst>
+          <a:lin ang="16200000" scaled="1"/>
+        </a:gradFill>
+        <a:gradFill rotWithShape="1">
+          <a:gsLst>
+            <a:gs pos="0">
+              <a:schemeClr val="phClr">
+                <a:tint val="100000"/>
+                <a:shade val="100000"/>
+                <a:satMod val="130000"/>
+              </a:schemeClr>
+            </a:gs>
+            <a:gs pos="100000">
+              <a:schemeClr val="phClr">
+                <a:tint val="50000"/>
+                <a:shade val="100000"/>
+                <a:satMod val="350000"/>
+              </a:schemeClr>
+            </a:gs>
+          </a:gsLst>
+          <a:lin ang="16200000" scaled="0"/>
+        </a:gradFill>
+      </a:fillStyleLst>
+      <a:lnStyleLst>
+        <a:ln w="9525" cap="flat" cmpd="sng" algn="ctr">
+          <a:solidFill>
+            <a:schemeClr val="phClr">
+              <a:shade val="95000"/>
+              <a:satMod val="105000"/>
+            </a:schemeClr>
+          </a:solidFill>
+          <a:prstDash val="solid"/>
+        </a:ln>
+        <a:ln w="25400" cap="flat" cmpd="sng" algn="ctr">
+          <a:solidFill>
+            <a:schemeClr val="phClr"/>
+          </a:solidFill>
+          <a:prstDash val="solid"/>
+        </a:ln>
+        <a:ln w="38100" cap="flat" cmpd="sng" algn="ctr">
+          <a:solidFill>
+            <a:schemeClr val="phClr"/>
+          </a:solidFill>
+          <a:prstDash val="solid"/>
+        </a:ln>
+      </a:lnStyleLst>
+      <a:effectStyleLst>
+        <a:effectStyle>
+          <a:effectLst>
+            <a:outerShdw blurRad="40000" dist="20000" dir="5400000" rotWithShape="0">
+              <a:srgbClr val="000000">
+                <a:alpha val="38000"/>
+              </a:srgbClr>
+            </a:outerShdw>
+          </a:effectLst>
+        </a:effectStyle>
+        <a:effectStyle>
+          <a:effectLst>
+            <a:outerShdw blurRad="40000" dist="23000" dir="5400000" rotWithShape="0">
+              <a:srgbClr val="000000">
+                <a:alpha val="35000"/>
+              </a:srgbClr>
+            </a:outerShdw>
+          </a:effectLst>
+        </a:effectStyle>
+        <a:effectStyle>
+          <a:effectLst>
+            <a:outerShdw blurRad="40000" dist="23000" dir="5400000" rotWithShape="0">
+              <a:srgbClr val="000000">
+                <a:alpha val="35000"/>
+              </a:srgbClr>
+            </a:outerShdw>
+          </a:effectLst>
+          <a:scene3d>
+            <a:camera prst="orthographicFront">
+              <a:rot lat="0" lon="0" rev="0"/>
+            </a:camera>
+            <a:lightRig rig="threePt" dir="t">
+              <a:rot lat="0" lon="0" rev="1200000"/>
+            </a:lightRig>
+          </a:scene3d>
+          <a:sp3d>
+            <a:bevelT w="63500" h="25400"/>
+          </a:sp3d>
+        </a:effectStyle>
+      </a:effectStyleLst>
+      <a:bgFillStyleLst>
+        <a:solidFill>
+          <a:schemeClr val="phClr"/>
+        </a:solidFill>
+        <a:gradFill rotWithShape="1">
+          <a:gsLst>
+            <a:gs pos="0">
+              <a:schemeClr val="phClr">
+                <a:tint val="40000"/>
+                <a:satMod val="350000"/>
+              </a:schemeClr>
+            </a:gs>
+            <a:gs pos="40000">
+              <a:schemeClr val="phClr">
+                <a:tint val="45000"/>
+                <a:shade val="99000"/>
+                <a:satMod val="350000"/>
+              </a:schemeClr>
+            </a:gs>
+            <a:gs pos="100000">
+              <a:schemeClr val="phClr">
+                <a:shade val="20000"/>
+                <a:satMod val="255000"/>
+              </a:schemeClr>
+            </a:gs>
+          </a:gsLst>
+          <a:path path="circle">
+            <a:fillToRect l="50000" t="-80000" r="50000" b="180000"/>
+          </a:path>
+        </a:gradFill>
+        <a:gradFill rotWithShape="1">
+          <a:gsLst>
+            <a:gs pos="0">
+              <a:schemeClr val="phClr">
+                <a:tint val="80000"/>
+                <a:satMod val="300000"/>
+              </a:schemeClr>
+            </a:gs>
+            <a:gs pos="100000">
+              <a:schemeClr val="phClr">
+                <a:shade val="30000"/>
+                <a:satMod val="200000"/>
+              </a:schemeClr>
+            </a:gs>
+          </a:gsLst>
+          <a:path path="circle">
+            <a:fillToRect l="50000" t="50000" r="50000" b="50000"/>
+          </a:path>
+        </a:gradFill>
+      </a:bgFillStyleLst>
+    </a:fmtScheme>
+  </a:themeElements>
+  <a:objectDefaults/>
+  <a:extraClrSchemeLst/>
+</a:theme>
+</file>
+
+<file path=ppt/theme/theme2.xml><?xml version="1.0" encoding="utf-8"?>
+<a:theme xmlns:a="http://schemas.openxmlformats.org/drawingml/2006/main">
   <a:themeElements>
     <a:clrScheme name="Default">
       <a:dk1>
@@ -10427,284 +10838,7 @@
       </a:bgFillStyleLst>
     </a:fmtScheme>
   </a:themeElements>
-</a:theme>
-</file>
-
-<file path=ppt/theme/theme2.xml><?xml version="1.0" encoding="utf-8"?>
-<a:theme xmlns:a="http://schemas.openxmlformats.org/drawingml/2006/main" xmlns:r="http://schemas.openxmlformats.org/officeDocument/2006/relationships" name="Paradigm">
-  <a:themeElements>
-    <a:clrScheme name="Paradigm">
-      <a:dk1>
-        <a:srgbClr val="31394D"/>
-      </a:dk1>
-      <a:lt1>
-        <a:srgbClr val="FFFFFF"/>
-      </a:lt1>
-      <a:dk2>
-        <a:srgbClr val="666666"/>
-      </a:dk2>
-      <a:lt2>
-        <a:srgbClr val="626B73"/>
-      </a:lt2>
-      <a:accent1>
-        <a:srgbClr val="002F4A"/>
-      </a:accent1>
-      <a:accent2>
-        <a:srgbClr val="D9C4B1"/>
-      </a:accent2>
-      <a:accent3>
-        <a:srgbClr val="EDE3DA"/>
-      </a:accent3>
-      <a:accent4>
-        <a:srgbClr val="B85741"/>
-      </a:accent4>
-      <a:accent5>
-        <a:srgbClr val="009384"/>
-      </a:accent5>
-      <a:accent6>
-        <a:srgbClr val="D0F6FF"/>
-      </a:accent6>
-      <a:hlink>
-        <a:srgbClr val="009384"/>
-      </a:hlink>
-      <a:folHlink>
-        <a:srgbClr val="009384"/>
-      </a:folHlink>
-    </a:clrScheme>
-    <a:fontScheme name="Office">
-      <a:majorFont>
-        <a:latin typeface="Arial"/>
-        <a:ea typeface=""/>
-        <a:cs typeface=""/>
-        <a:font script="Jpan" typeface="ＭＳ Ｐゴシック"/>
-        <a:font script="Hang" typeface="맑은 고딕"/>
-        <a:font script="Hans" typeface="宋体"/>
-        <a:font script="Hant" typeface="新細明體"/>
-        <a:font script="Arab" typeface="Times New Roman"/>
-        <a:font script="Hebr" typeface="Times New Roman"/>
-        <a:font script="Thai" typeface="Angsana New"/>
-        <a:font script="Ethi" typeface="Nyala"/>
-        <a:font script="Beng" typeface="Vrinda"/>
-        <a:font script="Gujr" typeface="Shruti"/>
-        <a:font script="Khmr" typeface="MoolBoran"/>
-        <a:font script="Knda" typeface="Tunga"/>
-        <a:font script="Guru" typeface="Raavi"/>
-        <a:font script="Cans" typeface="Euphemia"/>
-        <a:font script="Cher" typeface="Plantagenet Cherokee"/>
-        <a:font script="Yiii" typeface="Microsoft Yi Baiti"/>
-        <a:font script="Tibt" typeface="Microsoft Himalaya"/>
-        <a:font script="Thaa" typeface="MV Boli"/>
-        <a:font script="Deva" typeface="Mangal"/>
-        <a:font script="Telu" typeface="Gautami"/>
-        <a:font script="Taml" typeface="Latha"/>
-        <a:font script="Syrc" typeface="Estrangelo Edessa"/>
-        <a:font script="Orya" typeface="Kalinga"/>
-        <a:font script="Mlym" typeface="Kartika"/>
-        <a:font script="Laoo" typeface="DokChampa"/>
-        <a:font script="Sinh" typeface="Iskoola Pota"/>
-        <a:font script="Mong" typeface="Mongolian Baiti"/>
-        <a:font script="Viet" typeface="Times New Roman"/>
-        <a:font script="Uigh" typeface="Microsoft Uighur"/>
-        <a:font script="Geor" typeface="Sylfaen"/>
-      </a:majorFont>
-      <a:minorFont>
-        <a:latin typeface="Arial"/>
-        <a:ea typeface=""/>
-        <a:cs typeface=""/>
-        <a:font script="Jpan" typeface="ＭＳ Ｐゴシック"/>
-        <a:font script="Hang" typeface="맑은 고딕"/>
-        <a:font script="Hans" typeface="宋体"/>
-        <a:font script="Hant" typeface="新細明體"/>
-        <a:font script="Arab" typeface="Arial"/>
-        <a:font script="Hebr" typeface="Arial"/>
-        <a:font script="Thai" typeface="Cordia New"/>
-        <a:font script="Ethi" typeface="Nyala"/>
-        <a:font script="Beng" typeface="Vrinda"/>
-        <a:font script="Gujr" typeface="Shruti"/>
-        <a:font script="Khmr" typeface="DaunPenh"/>
-        <a:font script="Knda" typeface="Tunga"/>
-        <a:font script="Guru" typeface="Raavi"/>
-        <a:font script="Cans" typeface="Euphemia"/>
-        <a:font script="Cher" typeface="Plantagenet Cherokee"/>
-        <a:font script="Yiii" typeface="Microsoft Yi Baiti"/>
-        <a:font script="Tibt" typeface="Microsoft Himalaya"/>
-        <a:font script="Thaa" typeface="MV Boli"/>
-        <a:font script="Deva" typeface="Mangal"/>
-        <a:font script="Telu" typeface="Gautami"/>
-        <a:font script="Taml" typeface="Latha"/>
-        <a:font script="Syrc" typeface="Estrangelo Edessa"/>
-        <a:font script="Orya" typeface="Kalinga"/>
-        <a:font script="Mlym" typeface="Kartika"/>
-        <a:font script="Laoo" typeface="DokChampa"/>
-        <a:font script="Sinh" typeface="Iskoola Pota"/>
-        <a:font script="Mong" typeface="Mongolian Baiti"/>
-        <a:font script="Viet" typeface="Arial"/>
-        <a:font script="Uigh" typeface="Microsoft Uighur"/>
-        <a:font script="Geor" typeface="Sylfaen"/>
-      </a:minorFont>
-    </a:fontScheme>
-    <a:fmtScheme name="Office">
-      <a:fillStyleLst>
-        <a:solidFill>
-          <a:schemeClr val="phClr"/>
-        </a:solidFill>
-        <a:gradFill rotWithShape="1">
-          <a:gsLst>
-            <a:gs pos="0">
-              <a:schemeClr val="phClr">
-                <a:tint val="50000"/>
-                <a:satMod val="300000"/>
-              </a:schemeClr>
-            </a:gs>
-            <a:gs pos="35000">
-              <a:schemeClr val="phClr">
-                <a:tint val="37000"/>
-                <a:satMod val="300000"/>
-              </a:schemeClr>
-            </a:gs>
-            <a:gs pos="100000">
-              <a:schemeClr val="phClr">
-                <a:tint val="15000"/>
-                <a:satMod val="350000"/>
-              </a:schemeClr>
-            </a:gs>
-          </a:gsLst>
-          <a:lin ang="16200000" scaled="1"/>
-        </a:gradFill>
-        <a:gradFill rotWithShape="1">
-          <a:gsLst>
-            <a:gs pos="0">
-              <a:schemeClr val="phClr">
-                <a:tint val="100000"/>
-                <a:shade val="100000"/>
-                <a:satMod val="130000"/>
-              </a:schemeClr>
-            </a:gs>
-            <a:gs pos="100000">
-              <a:schemeClr val="phClr">
-                <a:tint val="50000"/>
-                <a:shade val="100000"/>
-                <a:satMod val="350000"/>
-              </a:schemeClr>
-            </a:gs>
-          </a:gsLst>
-          <a:lin ang="16200000" scaled="0"/>
-        </a:gradFill>
-      </a:fillStyleLst>
-      <a:lnStyleLst>
-        <a:ln w="9525" cap="flat" cmpd="sng" algn="ctr">
-          <a:solidFill>
-            <a:schemeClr val="phClr">
-              <a:shade val="95000"/>
-              <a:satMod val="105000"/>
-            </a:schemeClr>
-          </a:solidFill>
-          <a:prstDash val="solid"/>
-        </a:ln>
-        <a:ln w="25400" cap="flat" cmpd="sng" algn="ctr">
-          <a:solidFill>
-            <a:schemeClr val="phClr"/>
-          </a:solidFill>
-          <a:prstDash val="solid"/>
-        </a:ln>
-        <a:ln w="38100" cap="flat" cmpd="sng" algn="ctr">
-          <a:solidFill>
-            <a:schemeClr val="phClr"/>
-          </a:solidFill>
-          <a:prstDash val="solid"/>
-        </a:ln>
-      </a:lnStyleLst>
-      <a:effectStyleLst>
-        <a:effectStyle>
-          <a:effectLst>
-            <a:outerShdw blurRad="40000" dist="20000" dir="5400000" rotWithShape="0">
-              <a:srgbClr val="000000">
-                <a:alpha val="38000"/>
-              </a:srgbClr>
-            </a:outerShdw>
-          </a:effectLst>
-        </a:effectStyle>
-        <a:effectStyle>
-          <a:effectLst>
-            <a:outerShdw blurRad="40000" dist="23000" dir="5400000" rotWithShape="0">
-              <a:srgbClr val="000000">
-                <a:alpha val="35000"/>
-              </a:srgbClr>
-            </a:outerShdw>
-          </a:effectLst>
-        </a:effectStyle>
-        <a:effectStyle>
-          <a:effectLst>
-            <a:outerShdw blurRad="40000" dist="23000" dir="5400000" rotWithShape="0">
-              <a:srgbClr val="000000">
-                <a:alpha val="35000"/>
-              </a:srgbClr>
-            </a:outerShdw>
-          </a:effectLst>
-          <a:scene3d>
-            <a:camera prst="orthographicFront">
-              <a:rot lat="0" lon="0" rev="0"/>
-            </a:camera>
-            <a:lightRig rig="threePt" dir="t">
-              <a:rot lat="0" lon="0" rev="1200000"/>
-            </a:lightRig>
-          </a:scene3d>
-          <a:sp3d>
-            <a:bevelT w="63500" h="25400"/>
-          </a:sp3d>
-        </a:effectStyle>
-      </a:effectStyleLst>
-      <a:bgFillStyleLst>
-        <a:solidFill>
-          <a:schemeClr val="phClr"/>
-        </a:solidFill>
-        <a:gradFill rotWithShape="1">
-          <a:gsLst>
-            <a:gs pos="0">
-              <a:schemeClr val="phClr">
-                <a:tint val="40000"/>
-                <a:satMod val="350000"/>
-              </a:schemeClr>
-            </a:gs>
-            <a:gs pos="40000">
-              <a:schemeClr val="phClr">
-                <a:tint val="45000"/>
-                <a:shade val="99000"/>
-                <a:satMod val="350000"/>
-              </a:schemeClr>
-            </a:gs>
-            <a:gs pos="100000">
-              <a:schemeClr val="phClr">
-                <a:shade val="20000"/>
-                <a:satMod val="255000"/>
-              </a:schemeClr>
-            </a:gs>
-          </a:gsLst>
-          <a:path path="circle">
-            <a:fillToRect l="50000" t="-80000" r="50000" b="180000"/>
-          </a:path>
-        </a:gradFill>
-        <a:gradFill rotWithShape="1">
-          <a:gsLst>
-            <a:gs pos="0">
-              <a:schemeClr val="phClr">
-                <a:tint val="80000"/>
-                <a:satMod val="300000"/>
-              </a:schemeClr>
-            </a:gs>
-            <a:gs pos="100000">
-              <a:schemeClr val="phClr">
-                <a:shade val="30000"/>
-                <a:satMod val="200000"/>
-              </a:schemeClr>
-            </a:gs>
-          </a:gsLst>
-          <a:path path="circle">
-            <a:fillToRect l="50000" t="50000" r="50000" b="50000"/>
-          </a:path>
-        </a:gradFill>
-      </a:bgFillStyleLst>
-    </a:fmtScheme>
-  </a:themeElements>
+  <a:objectDefaults/>
+  <a:extraClrSchemeLst/>
 </a:theme>
 </file>